--- a/R Project.pptx
+++ b/R Project.pptx
@@ -5,10 +5,10 @@
     <p:sldMasterId id="2147483666" r:id="rId4"/>
   </p:sldMasterIdLst>
   <p:notesMasterIdLst>
-    <p:notesMasterId r:id="rId31"/>
+    <p:notesMasterId r:id="rId37"/>
   </p:notesMasterIdLst>
   <p:handoutMasterIdLst>
-    <p:handoutMasterId r:id="rId32"/>
+    <p:handoutMasterId r:id="rId38"/>
   </p:handoutMasterIdLst>
   <p:sldIdLst>
     <p:sldId id="256" r:id="rId5"/>
@@ -32,11 +32,17 @@
     <p:sldId id="306" r:id="rId23"/>
     <p:sldId id="309" r:id="rId24"/>
     <p:sldId id="307" r:id="rId25"/>
-    <p:sldId id="260" r:id="rId26"/>
-    <p:sldId id="290" r:id="rId27"/>
-    <p:sldId id="261" r:id="rId28"/>
-    <p:sldId id="275" r:id="rId29"/>
-    <p:sldId id="276" r:id="rId30"/>
+    <p:sldId id="310" r:id="rId26"/>
+    <p:sldId id="311" r:id="rId27"/>
+    <p:sldId id="260" r:id="rId28"/>
+    <p:sldId id="290" r:id="rId29"/>
+    <p:sldId id="312" r:id="rId30"/>
+    <p:sldId id="313" r:id="rId31"/>
+    <p:sldId id="314" r:id="rId32"/>
+    <p:sldId id="315" r:id="rId33"/>
+    <p:sldId id="316" r:id="rId34"/>
+    <p:sldId id="261" r:id="rId35"/>
+    <p:sldId id="276" r:id="rId36"/>
   </p:sldIdLst>
   <p:sldSz cx="12192000" cy="6858000"/>
   <p:notesSz cx="6858000" cy="9144000"/>
@@ -169,863 +175,6 @@
 </p:cmAuthorLst>
 </file>
 
-<file path=ppt/charts/chart1.xml><?xml version="1.0" encoding="utf-8"?>
-<c:chartSpace xmlns:c="http://schemas.openxmlformats.org/drawingml/2006/chart" xmlns:a="http://schemas.openxmlformats.org/drawingml/2006/main" xmlns:r="http://schemas.openxmlformats.org/officeDocument/2006/relationships" xmlns:c16r2="http://schemas.microsoft.com/office/drawing/2015/06/chart">
-  <c:date1904 val="0"/>
-  <c:lang val="en-US"/>
-  <c:roundedCorners val="0"/>
-  <mc:AlternateContent xmlns:mc="http://schemas.openxmlformats.org/markup-compatibility/2006">
-    <mc:Choice xmlns:c14="http://schemas.microsoft.com/office/drawing/2007/8/2/chart" Requires="c14">
-      <c14:style val="103"/>
-    </mc:Choice>
-    <mc:Fallback>
-      <c:style val="3"/>
-    </mc:Fallback>
-  </mc:AlternateContent>
-  <c:chart>
-    <c:autoTitleDeleted val="1"/>
-    <c:plotArea>
-      <c:layout/>
-      <c:doughnutChart>
-        <c:varyColors val="1"/>
-        <c:ser>
-          <c:idx val="0"/>
-          <c:order val="0"/>
-          <c:tx>
-            <c:strRef>
-              <c:f>Sheet1!$B$1</c:f>
-              <c:strCache>
-                <c:ptCount val="1"/>
-                <c:pt idx="0">
-                  <c:v>Sales</c:v>
-                </c:pt>
-              </c:strCache>
-            </c:strRef>
-          </c:tx>
-          <c:spPr>
-            <a:ln>
-              <a:noFill/>
-            </a:ln>
-          </c:spPr>
-          <c:dPt>
-            <c:idx val="0"/>
-            <c:bubble3D val="0"/>
-            <c:spPr>
-              <a:solidFill>
-                <a:schemeClr val="accent1"/>
-              </a:solidFill>
-              <a:ln w="19050">
-                <a:noFill/>
-              </a:ln>
-              <a:effectLst/>
-            </c:spPr>
-            <c:extLst>
-              <c:ext xmlns:c16="http://schemas.microsoft.com/office/drawing/2014/chart" uri="{C3380CC4-5D6E-409C-BE32-E72D297353CC}">
-                <c16:uniqueId val="{00000001-D053-449F-8EEE-DAFE02C9D55A}"/>
-              </c:ext>
-            </c:extLst>
-          </c:dPt>
-          <c:dPt>
-            <c:idx val="1"/>
-            <c:bubble3D val="0"/>
-            <c:spPr>
-              <a:solidFill>
-                <a:schemeClr val="accent1"/>
-              </a:solidFill>
-              <a:ln w="19050">
-                <a:noFill/>
-              </a:ln>
-              <a:effectLst/>
-            </c:spPr>
-            <c:extLst>
-              <c:ext xmlns:c16="http://schemas.microsoft.com/office/drawing/2014/chart" uri="{C3380CC4-5D6E-409C-BE32-E72D297353CC}">
-                <c16:uniqueId val="{00000003-D053-449F-8EEE-DAFE02C9D55A}"/>
-              </c:ext>
-            </c:extLst>
-          </c:dPt>
-          <c:dPt>
-            <c:idx val="2"/>
-            <c:bubble3D val="0"/>
-            <c:spPr>
-              <a:solidFill>
-                <a:schemeClr val="accent1">
-                  <a:lumMod val="75000"/>
-                </a:schemeClr>
-              </a:solidFill>
-              <a:ln w="19050">
-                <a:noFill/>
-              </a:ln>
-              <a:effectLst/>
-            </c:spPr>
-            <c:extLst>
-              <c:ext xmlns:c16="http://schemas.microsoft.com/office/drawing/2014/chart" uri="{C3380CC4-5D6E-409C-BE32-E72D297353CC}">
-                <c16:uniqueId val="{00000005-D053-449F-8EEE-DAFE02C9D55A}"/>
-              </c:ext>
-            </c:extLst>
-          </c:dPt>
-          <c:dPt>
-            <c:idx val="3"/>
-            <c:bubble3D val="0"/>
-            <c:spPr>
-              <a:solidFill>
-                <a:schemeClr val="accent1"/>
-              </a:solidFill>
-              <a:ln w="19050">
-                <a:noFill/>
-              </a:ln>
-              <a:effectLst/>
-            </c:spPr>
-            <c:extLst>
-              <c:ext xmlns:c16="http://schemas.microsoft.com/office/drawing/2014/chart" uri="{C3380CC4-5D6E-409C-BE32-E72D297353CC}">
-                <c16:uniqueId val="{00000007-D053-449F-8EEE-DAFE02C9D55A}"/>
-              </c:ext>
-            </c:extLst>
-          </c:dPt>
-          <c:cat>
-            <c:strRef>
-              <c:f>Sheet1!$A$2:$A$5</c:f>
-              <c:strCache>
-                <c:ptCount val="4"/>
-                <c:pt idx="0">
-                  <c:v>Part 1</c:v>
-                </c:pt>
-                <c:pt idx="1">
-                  <c:v>Part 2</c:v>
-                </c:pt>
-                <c:pt idx="2">
-                  <c:v>Part 3</c:v>
-                </c:pt>
-                <c:pt idx="3">
-                  <c:v>Part 4</c:v>
-                </c:pt>
-              </c:strCache>
-            </c:strRef>
-          </c:cat>
-          <c:val>
-            <c:numRef>
-              <c:f>Sheet1!$B$2:$B$5</c:f>
-              <c:numCache>
-                <c:formatCode>General</c:formatCode>
-                <c:ptCount val="4"/>
-                <c:pt idx="0">
-                  <c:v>82000</c:v>
-                </c:pt>
-                <c:pt idx="1">
-                  <c:v>32000</c:v>
-                </c:pt>
-                <c:pt idx="2">
-                  <c:v>14000</c:v>
-                </c:pt>
-                <c:pt idx="3">
-                  <c:v>12000</c:v>
-                </c:pt>
-              </c:numCache>
-            </c:numRef>
-          </c:val>
-          <c:extLst>
-            <c:ext xmlns:c16="http://schemas.microsoft.com/office/drawing/2014/chart" uri="{C3380CC4-5D6E-409C-BE32-E72D297353CC}">
-              <c16:uniqueId val="{00000008-D053-449F-8EEE-DAFE02C9D55A}"/>
-            </c:ext>
-          </c:extLst>
-        </c:ser>
-        <c:dLbls>
-          <c:showLegendKey val="0"/>
-          <c:showVal val="0"/>
-          <c:showCatName val="0"/>
-          <c:showSerName val="0"/>
-          <c:showPercent val="0"/>
-          <c:showBubbleSize val="0"/>
-          <c:showLeaderLines val="0"/>
-        </c:dLbls>
-        <c:firstSliceAng val="16"/>
-        <c:holeSize val="80"/>
-      </c:doughnutChart>
-      <c:spPr>
-        <a:noFill/>
-        <a:ln>
-          <a:noFill/>
-        </a:ln>
-        <a:effectLst/>
-      </c:spPr>
-    </c:plotArea>
-    <c:plotVisOnly val="1"/>
-    <c:dispBlanksAs val="gap"/>
-    <c:extLst>
-      <c:ext xmlns:c16r3="http://schemas.microsoft.com/office/drawing/2017/03/chart" uri="{56B9EC1D-385E-4148-901F-78D8002777C0}">
-        <c16r3:dataDisplayOptions16>
-          <c16r3:dispNaAsBlank val="1"/>
-        </c16r3:dataDisplayOptions16>
-      </c:ext>
-    </c:extLst>
-    <c:showDLblsOverMax val="0"/>
-  </c:chart>
-  <c:spPr>
-    <a:noFill/>
-    <a:ln>
-      <a:noFill/>
-    </a:ln>
-    <a:effectLst/>
-  </c:spPr>
-  <c:txPr>
-    <a:bodyPr/>
-    <a:lstStyle/>
-    <a:p>
-      <a:pPr>
-        <a:defRPr/>
-      </a:pPr>
-      <a:endParaRPr lang="en-US"/>
-    </a:p>
-  </c:txPr>
-  <c:externalData r:id="rId1">
-    <c:autoUpdate val="0"/>
-  </c:externalData>
-</c:chartSpace>
-</file>
-
-<file path=ppt/charts/chart2.xml><?xml version="1.0" encoding="utf-8"?>
-<c:chartSpace xmlns:c="http://schemas.openxmlformats.org/drawingml/2006/chart" xmlns:a="http://schemas.openxmlformats.org/drawingml/2006/main" xmlns:r="http://schemas.openxmlformats.org/officeDocument/2006/relationships" xmlns:c16r2="http://schemas.microsoft.com/office/drawing/2015/06/chart">
-  <c:date1904 val="0"/>
-  <c:lang val="en-US"/>
-  <c:roundedCorners val="0"/>
-  <mc:AlternateContent xmlns:mc="http://schemas.openxmlformats.org/markup-compatibility/2006">
-    <mc:Choice xmlns:c14="http://schemas.microsoft.com/office/drawing/2007/8/2/chart" Requires="c14">
-      <c14:style val="103"/>
-    </mc:Choice>
-    <mc:Fallback>
-      <c:style val="3"/>
-    </mc:Fallback>
-  </mc:AlternateContent>
-  <c:chart>
-    <c:autoTitleDeleted val="1"/>
-    <c:plotArea>
-      <c:layout/>
-      <c:doughnutChart>
-        <c:varyColors val="1"/>
-        <c:ser>
-          <c:idx val="0"/>
-          <c:order val="0"/>
-          <c:tx>
-            <c:strRef>
-              <c:f>Sheet1!$B$1</c:f>
-              <c:strCache>
-                <c:ptCount val="1"/>
-                <c:pt idx="0">
-                  <c:v>Sales</c:v>
-                </c:pt>
-              </c:strCache>
-            </c:strRef>
-          </c:tx>
-          <c:spPr>
-            <a:solidFill>
-              <a:schemeClr val="bg1">
-                <a:lumMod val="75000"/>
-              </a:schemeClr>
-            </a:solidFill>
-            <a:ln>
-              <a:noFill/>
-            </a:ln>
-          </c:spPr>
-          <c:dPt>
-            <c:idx val="0"/>
-            <c:bubble3D val="0"/>
-            <c:spPr>
-              <a:solidFill>
-                <a:schemeClr val="accent1"/>
-              </a:solidFill>
-              <a:ln w="19050">
-                <a:noFill/>
-              </a:ln>
-              <a:effectLst/>
-            </c:spPr>
-            <c:extLst>
-              <c:ext xmlns:c16="http://schemas.microsoft.com/office/drawing/2014/chart" uri="{C3380CC4-5D6E-409C-BE32-E72D297353CC}">
-                <c16:uniqueId val="{00000001-68FD-4EB0-96B7-77E7434B1C75}"/>
-              </c:ext>
-            </c:extLst>
-          </c:dPt>
-          <c:dPt>
-            <c:idx val="1"/>
-            <c:bubble3D val="0"/>
-            <c:spPr>
-              <a:solidFill>
-                <a:schemeClr val="accent1"/>
-              </a:solidFill>
-              <a:ln w="19050">
-                <a:noFill/>
-              </a:ln>
-              <a:effectLst/>
-            </c:spPr>
-            <c:extLst>
-              <c:ext xmlns:c16="http://schemas.microsoft.com/office/drawing/2014/chart" uri="{C3380CC4-5D6E-409C-BE32-E72D297353CC}">
-                <c16:uniqueId val="{00000003-68FD-4EB0-96B7-77E7434B1C75}"/>
-              </c:ext>
-            </c:extLst>
-          </c:dPt>
-          <c:dPt>
-            <c:idx val="2"/>
-            <c:bubble3D val="0"/>
-            <c:spPr>
-              <a:solidFill>
-                <a:schemeClr val="accent1"/>
-              </a:solidFill>
-              <a:ln w="19050">
-                <a:noFill/>
-              </a:ln>
-              <a:effectLst/>
-            </c:spPr>
-            <c:extLst>
-              <c:ext xmlns:c16="http://schemas.microsoft.com/office/drawing/2014/chart" uri="{C3380CC4-5D6E-409C-BE32-E72D297353CC}">
-                <c16:uniqueId val="{00000005-68FD-4EB0-96B7-77E7434B1C75}"/>
-              </c:ext>
-            </c:extLst>
-          </c:dPt>
-          <c:dPt>
-            <c:idx val="3"/>
-            <c:bubble3D val="0"/>
-            <c:spPr>
-              <a:solidFill>
-                <a:schemeClr val="accent1">
-                  <a:lumMod val="75000"/>
-                </a:schemeClr>
-              </a:solidFill>
-              <a:ln w="19050">
-                <a:noFill/>
-              </a:ln>
-              <a:effectLst/>
-            </c:spPr>
-            <c:extLst>
-              <c:ext xmlns:c16="http://schemas.microsoft.com/office/drawing/2014/chart" uri="{C3380CC4-5D6E-409C-BE32-E72D297353CC}">
-                <c16:uniqueId val="{00000007-68FD-4EB0-96B7-77E7434B1C75}"/>
-              </c:ext>
-            </c:extLst>
-          </c:dPt>
-          <c:cat>
-            <c:strRef>
-              <c:f>Sheet1!$A$2:$A$5</c:f>
-              <c:strCache>
-                <c:ptCount val="4"/>
-                <c:pt idx="0">
-                  <c:v>Part 1</c:v>
-                </c:pt>
-                <c:pt idx="1">
-                  <c:v>Part 2</c:v>
-                </c:pt>
-                <c:pt idx="2">
-                  <c:v>Part 3</c:v>
-                </c:pt>
-                <c:pt idx="3">
-                  <c:v>Part 4</c:v>
-                </c:pt>
-              </c:strCache>
-            </c:strRef>
-          </c:cat>
-          <c:val>
-            <c:numRef>
-              <c:f>Sheet1!$B$2:$B$5</c:f>
-              <c:numCache>
-                <c:formatCode>General</c:formatCode>
-                <c:ptCount val="4"/>
-                <c:pt idx="0">
-                  <c:v>82000</c:v>
-                </c:pt>
-                <c:pt idx="1">
-                  <c:v>32000</c:v>
-                </c:pt>
-                <c:pt idx="2">
-                  <c:v>14000</c:v>
-                </c:pt>
-                <c:pt idx="3">
-                  <c:v>12000</c:v>
-                </c:pt>
-              </c:numCache>
-            </c:numRef>
-          </c:val>
-          <c:extLst>
-            <c:ext xmlns:c16="http://schemas.microsoft.com/office/drawing/2014/chart" uri="{C3380CC4-5D6E-409C-BE32-E72D297353CC}">
-              <c16:uniqueId val="{00000008-68FD-4EB0-96B7-77E7434B1C75}"/>
-            </c:ext>
-          </c:extLst>
-        </c:ser>
-        <c:dLbls>
-          <c:showLegendKey val="0"/>
-          <c:showVal val="0"/>
-          <c:showCatName val="0"/>
-          <c:showSerName val="0"/>
-          <c:showPercent val="0"/>
-          <c:showBubbleSize val="0"/>
-          <c:showLeaderLines val="0"/>
-        </c:dLbls>
-        <c:firstSliceAng val="16"/>
-        <c:holeSize val="80"/>
-      </c:doughnutChart>
-      <c:spPr>
-        <a:noFill/>
-        <a:ln>
-          <a:noFill/>
-        </a:ln>
-        <a:effectLst/>
-      </c:spPr>
-    </c:plotArea>
-    <c:plotVisOnly val="1"/>
-    <c:dispBlanksAs val="gap"/>
-    <c:extLst>
-      <c:ext xmlns:c16r3="http://schemas.microsoft.com/office/drawing/2017/03/chart" uri="{56B9EC1D-385E-4148-901F-78D8002777C0}">
-        <c16r3:dataDisplayOptions16>
-          <c16r3:dispNaAsBlank val="1"/>
-        </c16r3:dataDisplayOptions16>
-      </c:ext>
-    </c:extLst>
-    <c:showDLblsOverMax val="0"/>
-  </c:chart>
-  <c:spPr>
-    <a:noFill/>
-    <a:ln>
-      <a:noFill/>
-    </a:ln>
-    <a:effectLst/>
-  </c:spPr>
-  <c:txPr>
-    <a:bodyPr/>
-    <a:lstStyle/>
-    <a:p>
-      <a:pPr>
-        <a:defRPr/>
-      </a:pPr>
-      <a:endParaRPr lang="en-US"/>
-    </a:p>
-  </c:txPr>
-  <c:externalData r:id="rId1">
-    <c:autoUpdate val="0"/>
-  </c:externalData>
-</c:chartSpace>
-</file>
-
-<file path=ppt/charts/chart3.xml><?xml version="1.0" encoding="utf-8"?>
-<c:chartSpace xmlns:c="http://schemas.openxmlformats.org/drawingml/2006/chart" xmlns:a="http://schemas.openxmlformats.org/drawingml/2006/main" xmlns:r="http://schemas.openxmlformats.org/officeDocument/2006/relationships" xmlns:c16r2="http://schemas.microsoft.com/office/drawing/2015/06/chart">
-  <c:date1904 val="0"/>
-  <c:lang val="en-US"/>
-  <c:roundedCorners val="0"/>
-  <mc:AlternateContent xmlns:mc="http://schemas.openxmlformats.org/markup-compatibility/2006">
-    <mc:Choice xmlns:c14="http://schemas.microsoft.com/office/drawing/2007/8/2/chart" Requires="c14">
-      <c14:style val="103"/>
-    </mc:Choice>
-    <mc:Fallback>
-      <c:style val="3"/>
-    </mc:Fallback>
-  </mc:AlternateContent>
-  <c:chart>
-    <c:autoTitleDeleted val="1"/>
-    <c:plotArea>
-      <c:layout/>
-      <c:doughnutChart>
-        <c:varyColors val="1"/>
-        <c:ser>
-          <c:idx val="0"/>
-          <c:order val="0"/>
-          <c:tx>
-            <c:strRef>
-              <c:f>Sheet1!$B$1</c:f>
-              <c:strCache>
-                <c:ptCount val="1"/>
-                <c:pt idx="0">
-                  <c:v>Sales</c:v>
-                </c:pt>
-              </c:strCache>
-            </c:strRef>
-          </c:tx>
-          <c:spPr>
-            <a:ln>
-              <a:noFill/>
-            </a:ln>
-          </c:spPr>
-          <c:dPt>
-            <c:idx val="0"/>
-            <c:bubble3D val="0"/>
-            <c:spPr>
-              <a:solidFill>
-                <a:schemeClr val="accent1">
-                  <a:lumMod val="75000"/>
-                </a:schemeClr>
-              </a:solidFill>
-              <a:ln w="19050">
-                <a:noFill/>
-              </a:ln>
-              <a:effectLst/>
-            </c:spPr>
-            <c:extLst>
-              <c:ext xmlns:c16="http://schemas.microsoft.com/office/drawing/2014/chart" uri="{C3380CC4-5D6E-409C-BE32-E72D297353CC}">
-                <c16:uniqueId val="{00000001-F8DE-4407-9084-86239413ECEC}"/>
-              </c:ext>
-            </c:extLst>
-          </c:dPt>
-          <c:dPt>
-            <c:idx val="1"/>
-            <c:bubble3D val="0"/>
-            <c:spPr>
-              <a:solidFill>
-                <a:schemeClr val="accent1"/>
-              </a:solidFill>
-              <a:ln w="19050">
-                <a:noFill/>
-              </a:ln>
-              <a:effectLst/>
-            </c:spPr>
-            <c:extLst>
-              <c:ext xmlns:c16="http://schemas.microsoft.com/office/drawing/2014/chart" uri="{C3380CC4-5D6E-409C-BE32-E72D297353CC}">
-                <c16:uniqueId val="{00000003-F8DE-4407-9084-86239413ECEC}"/>
-              </c:ext>
-            </c:extLst>
-          </c:dPt>
-          <c:dPt>
-            <c:idx val="2"/>
-            <c:bubble3D val="0"/>
-            <c:spPr>
-              <a:solidFill>
-                <a:schemeClr val="accent1"/>
-              </a:solidFill>
-              <a:ln w="19050">
-                <a:noFill/>
-              </a:ln>
-              <a:effectLst/>
-            </c:spPr>
-            <c:extLst>
-              <c:ext xmlns:c16="http://schemas.microsoft.com/office/drawing/2014/chart" uri="{C3380CC4-5D6E-409C-BE32-E72D297353CC}">
-                <c16:uniqueId val="{00000005-F8DE-4407-9084-86239413ECEC}"/>
-              </c:ext>
-            </c:extLst>
-          </c:dPt>
-          <c:dPt>
-            <c:idx val="3"/>
-            <c:bubble3D val="0"/>
-            <c:spPr>
-              <a:solidFill>
-                <a:schemeClr val="accent1"/>
-              </a:solidFill>
-              <a:ln w="19050">
-                <a:noFill/>
-              </a:ln>
-              <a:effectLst/>
-            </c:spPr>
-            <c:extLst>
-              <c:ext xmlns:c16="http://schemas.microsoft.com/office/drawing/2014/chart" uri="{C3380CC4-5D6E-409C-BE32-E72D297353CC}">
-                <c16:uniqueId val="{00000007-F8DE-4407-9084-86239413ECEC}"/>
-              </c:ext>
-            </c:extLst>
-          </c:dPt>
-          <c:cat>
-            <c:strRef>
-              <c:f>Sheet1!$A$2:$A$5</c:f>
-              <c:strCache>
-                <c:ptCount val="4"/>
-                <c:pt idx="0">
-                  <c:v>Part 1</c:v>
-                </c:pt>
-                <c:pt idx="1">
-                  <c:v>Part 2</c:v>
-                </c:pt>
-                <c:pt idx="2">
-                  <c:v>Part 3</c:v>
-                </c:pt>
-                <c:pt idx="3">
-                  <c:v>Part 4</c:v>
-                </c:pt>
-              </c:strCache>
-            </c:strRef>
-          </c:cat>
-          <c:val>
-            <c:numRef>
-              <c:f>Sheet1!$B$2:$B$5</c:f>
-              <c:numCache>
-                <c:formatCode>General</c:formatCode>
-                <c:ptCount val="4"/>
-                <c:pt idx="0">
-                  <c:v>82000</c:v>
-                </c:pt>
-                <c:pt idx="1">
-                  <c:v>32000</c:v>
-                </c:pt>
-                <c:pt idx="2">
-                  <c:v>14000</c:v>
-                </c:pt>
-                <c:pt idx="3">
-                  <c:v>12000</c:v>
-                </c:pt>
-              </c:numCache>
-            </c:numRef>
-          </c:val>
-          <c:extLst>
-            <c:ext xmlns:c16="http://schemas.microsoft.com/office/drawing/2014/chart" uri="{C3380CC4-5D6E-409C-BE32-E72D297353CC}">
-              <c16:uniqueId val="{00000008-F8DE-4407-9084-86239413ECEC}"/>
-            </c:ext>
-          </c:extLst>
-        </c:ser>
-        <c:dLbls>
-          <c:showLegendKey val="0"/>
-          <c:showVal val="0"/>
-          <c:showCatName val="0"/>
-          <c:showSerName val="0"/>
-          <c:showPercent val="0"/>
-          <c:showBubbleSize val="0"/>
-          <c:showLeaderLines val="0"/>
-        </c:dLbls>
-        <c:firstSliceAng val="16"/>
-        <c:holeSize val="80"/>
-      </c:doughnutChart>
-      <c:spPr>
-        <a:noFill/>
-        <a:ln>
-          <a:noFill/>
-        </a:ln>
-        <a:effectLst/>
-      </c:spPr>
-    </c:plotArea>
-    <c:plotVisOnly val="1"/>
-    <c:dispBlanksAs val="gap"/>
-    <c:extLst>
-      <c:ext xmlns:c16r3="http://schemas.microsoft.com/office/drawing/2017/03/chart" uri="{56B9EC1D-385E-4148-901F-78D8002777C0}">
-        <c16r3:dataDisplayOptions16>
-          <c16r3:dispNaAsBlank val="1"/>
-        </c16r3:dataDisplayOptions16>
-      </c:ext>
-    </c:extLst>
-    <c:showDLblsOverMax val="0"/>
-  </c:chart>
-  <c:spPr>
-    <a:noFill/>
-    <a:ln>
-      <a:noFill/>
-    </a:ln>
-    <a:effectLst/>
-  </c:spPr>
-  <c:txPr>
-    <a:bodyPr/>
-    <a:lstStyle/>
-    <a:p>
-      <a:pPr>
-        <a:defRPr/>
-      </a:pPr>
-      <a:endParaRPr lang="en-US"/>
-    </a:p>
-  </c:txPr>
-  <c:externalData r:id="rId1">
-    <c:autoUpdate val="0"/>
-  </c:externalData>
-</c:chartSpace>
-</file>
-
-<file path=ppt/charts/chart4.xml><?xml version="1.0" encoding="utf-8"?>
-<c:chartSpace xmlns:c="http://schemas.openxmlformats.org/drawingml/2006/chart" xmlns:a="http://schemas.openxmlformats.org/drawingml/2006/main" xmlns:r="http://schemas.openxmlformats.org/officeDocument/2006/relationships" xmlns:c16r2="http://schemas.microsoft.com/office/drawing/2015/06/chart">
-  <c:date1904 val="0"/>
-  <c:lang val="en-US"/>
-  <c:roundedCorners val="0"/>
-  <mc:AlternateContent xmlns:mc="http://schemas.openxmlformats.org/markup-compatibility/2006">
-    <mc:Choice xmlns:c14="http://schemas.microsoft.com/office/drawing/2007/8/2/chart" Requires="c14">
-      <c14:style val="103"/>
-    </mc:Choice>
-    <mc:Fallback>
-      <c:style val="3"/>
-    </mc:Fallback>
-  </mc:AlternateContent>
-  <c:chart>
-    <c:autoTitleDeleted val="1"/>
-    <c:plotArea>
-      <c:layout/>
-      <c:doughnutChart>
-        <c:varyColors val="1"/>
-        <c:ser>
-          <c:idx val="0"/>
-          <c:order val="0"/>
-          <c:tx>
-            <c:strRef>
-              <c:f>Sheet1!$B$1</c:f>
-              <c:strCache>
-                <c:ptCount val="1"/>
-                <c:pt idx="0">
-                  <c:v>Sales</c:v>
-                </c:pt>
-              </c:strCache>
-            </c:strRef>
-          </c:tx>
-          <c:spPr>
-            <a:ln>
-              <a:noFill/>
-            </a:ln>
-          </c:spPr>
-          <c:dPt>
-            <c:idx val="0"/>
-            <c:bubble3D val="0"/>
-            <c:spPr>
-              <a:solidFill>
-                <a:schemeClr val="accent1"/>
-              </a:solidFill>
-              <a:ln w="19050">
-                <a:noFill/>
-              </a:ln>
-              <a:effectLst/>
-            </c:spPr>
-            <c:extLst>
-              <c:ext xmlns:c16="http://schemas.microsoft.com/office/drawing/2014/chart" uri="{C3380CC4-5D6E-409C-BE32-E72D297353CC}">
-                <c16:uniqueId val="{00000001-7D2F-44F6-B0B4-AE7D2AD35A4D}"/>
-              </c:ext>
-            </c:extLst>
-          </c:dPt>
-          <c:dPt>
-            <c:idx val="1"/>
-            <c:bubble3D val="0"/>
-            <c:spPr>
-              <a:solidFill>
-                <a:schemeClr val="accent1">
-                  <a:lumMod val="75000"/>
-                </a:schemeClr>
-              </a:solidFill>
-              <a:ln w="19050">
-                <a:noFill/>
-              </a:ln>
-              <a:effectLst/>
-            </c:spPr>
-            <c:extLst>
-              <c:ext xmlns:c16="http://schemas.microsoft.com/office/drawing/2014/chart" uri="{C3380CC4-5D6E-409C-BE32-E72D297353CC}">
-                <c16:uniqueId val="{00000003-7D2F-44F6-B0B4-AE7D2AD35A4D}"/>
-              </c:ext>
-            </c:extLst>
-          </c:dPt>
-          <c:dPt>
-            <c:idx val="2"/>
-            <c:bubble3D val="0"/>
-            <c:spPr>
-              <a:solidFill>
-                <a:schemeClr val="accent1"/>
-              </a:solidFill>
-              <a:ln w="19050">
-                <a:noFill/>
-              </a:ln>
-              <a:effectLst/>
-            </c:spPr>
-            <c:extLst>
-              <c:ext xmlns:c16="http://schemas.microsoft.com/office/drawing/2014/chart" uri="{C3380CC4-5D6E-409C-BE32-E72D297353CC}">
-                <c16:uniqueId val="{00000005-7D2F-44F6-B0B4-AE7D2AD35A4D}"/>
-              </c:ext>
-            </c:extLst>
-          </c:dPt>
-          <c:dPt>
-            <c:idx val="3"/>
-            <c:bubble3D val="0"/>
-            <c:spPr>
-              <a:solidFill>
-                <a:schemeClr val="accent1"/>
-              </a:solidFill>
-              <a:ln w="19050">
-                <a:noFill/>
-              </a:ln>
-              <a:effectLst/>
-            </c:spPr>
-            <c:extLst>
-              <c:ext xmlns:c16="http://schemas.microsoft.com/office/drawing/2014/chart" uri="{C3380CC4-5D6E-409C-BE32-E72D297353CC}">
-                <c16:uniqueId val="{00000007-7D2F-44F6-B0B4-AE7D2AD35A4D}"/>
-              </c:ext>
-            </c:extLst>
-          </c:dPt>
-          <c:cat>
-            <c:strRef>
-              <c:f>Sheet1!$A$2:$A$5</c:f>
-              <c:strCache>
-                <c:ptCount val="4"/>
-                <c:pt idx="0">
-                  <c:v>Part 1</c:v>
-                </c:pt>
-                <c:pt idx="1">
-                  <c:v>Part 2</c:v>
-                </c:pt>
-                <c:pt idx="2">
-                  <c:v>Part 3</c:v>
-                </c:pt>
-                <c:pt idx="3">
-                  <c:v>Part 4</c:v>
-                </c:pt>
-              </c:strCache>
-            </c:strRef>
-          </c:cat>
-          <c:val>
-            <c:numRef>
-              <c:f>Sheet1!$B$2:$B$5</c:f>
-              <c:numCache>
-                <c:formatCode>General</c:formatCode>
-                <c:ptCount val="4"/>
-                <c:pt idx="0">
-                  <c:v>82000</c:v>
-                </c:pt>
-                <c:pt idx="1">
-                  <c:v>32000</c:v>
-                </c:pt>
-                <c:pt idx="2">
-                  <c:v>14000</c:v>
-                </c:pt>
-                <c:pt idx="3">
-                  <c:v>12000</c:v>
-                </c:pt>
-              </c:numCache>
-            </c:numRef>
-          </c:val>
-          <c:extLst>
-            <c:ext xmlns:c16="http://schemas.microsoft.com/office/drawing/2014/chart" uri="{C3380CC4-5D6E-409C-BE32-E72D297353CC}">
-              <c16:uniqueId val="{00000008-7D2F-44F6-B0B4-AE7D2AD35A4D}"/>
-            </c:ext>
-          </c:extLst>
-        </c:ser>
-        <c:dLbls>
-          <c:showLegendKey val="0"/>
-          <c:showVal val="0"/>
-          <c:showCatName val="0"/>
-          <c:showSerName val="0"/>
-          <c:showPercent val="0"/>
-          <c:showBubbleSize val="0"/>
-          <c:showLeaderLines val="0"/>
-        </c:dLbls>
-        <c:firstSliceAng val="16"/>
-        <c:holeSize val="80"/>
-      </c:doughnutChart>
-      <c:spPr>
-        <a:noFill/>
-        <a:ln>
-          <a:noFill/>
-        </a:ln>
-        <a:effectLst/>
-      </c:spPr>
-    </c:plotArea>
-    <c:plotVisOnly val="1"/>
-    <c:dispBlanksAs val="gap"/>
-    <c:extLst>
-      <c:ext xmlns:c16r3="http://schemas.microsoft.com/office/drawing/2017/03/chart" uri="{56B9EC1D-385E-4148-901F-78D8002777C0}">
-        <c16r3:dataDisplayOptions16>
-          <c16r3:dispNaAsBlank val="1"/>
-        </c16r3:dataDisplayOptions16>
-      </c:ext>
-    </c:extLst>
-    <c:showDLblsOverMax val="0"/>
-  </c:chart>
-  <c:spPr>
-    <a:noFill/>
-    <a:ln>
-      <a:noFill/>
-    </a:ln>
-    <a:effectLst/>
-  </c:spPr>
-  <c:txPr>
-    <a:bodyPr/>
-    <a:lstStyle/>
-    <a:p>
-      <a:pPr>
-        <a:defRPr/>
-      </a:pPr>
-      <a:endParaRPr lang="en-US"/>
-    </a:p>
-  </c:txPr>
-  <c:externalData r:id="rId1">
-    <c:autoUpdate val="0"/>
-  </c:externalData>
-</c:chartSpace>
-</file>
-
 <file path=ppt/handoutMasters/handoutMaster1.xml><?xml version="1.0" encoding="utf-8"?>
 <p:handoutMaster xmlns:a="http://schemas.openxmlformats.org/drawingml/2006/main" xmlns:r="http://schemas.openxmlformats.org/officeDocument/2006/relationships" xmlns:p="http://schemas.openxmlformats.org/presentationml/2006/main">
   <p:cSld>
@@ -1120,7 +269,7 @@
           <a:p>
             <a:fld id="{F352A77B-D33C-49B3-A83C-450AA2ED72B3}" type="datetimeFigureOut">
               <a:rPr lang="en-US" smtClean="0"/>
-              <a:t>11/8/2023</a:t>
+              <a:t>11/9/2023</a:t>
             </a:fld>
             <a:endParaRPr lang="en-US" dirty="0"/>
           </a:p>
@@ -1297,7 +446,7 @@
           <a:p>
             <a:fld id="{E38D8F9A-F5CB-4EF8-A859-ED5E107B9763}" type="datetimeFigureOut">
               <a:rPr lang="en-US" smtClean="0"/>
-              <a:t>11/8/2023</a:t>
+              <a:t>11/9/2023</a:t>
             </a:fld>
             <a:endParaRPr lang="en-US" dirty="0"/>
           </a:p>
@@ -18851,7 +18000,7 @@
             </a:pPr>
             <a:r>
               <a:rPr lang="en-US" noProof="1"/>
-              <a:t>Support Vector Machines: It can handle high-dimensional data and is effective for both linear and non-linear classification problems. It aims to maximize the margin between classes,making it robust and accurate.</a:t>
+              <a:t>Support Vector Machines: It can handle high-dimensional data and is effective for both linear and non-linear classification problems. It aims to maximize the margin between classes, making it robust and accurate.</a:t>
             </a:r>
           </a:p>
           <a:p>
@@ -19446,6 +18595,291 @@
       </p:grpSpPr>
       <p:sp>
         <p:nvSpPr>
+          <p:cNvPr id="2" name="Title 1">
+            <a:extLst>
+              <a:ext uri="{FF2B5EF4-FFF2-40B4-BE49-F238E27FC236}">
+                <a16:creationId xmlns:a16="http://schemas.microsoft.com/office/drawing/2014/main" id="{A29DE7F2-E890-4744-88DD-A75F5E300513}"/>
+              </a:ext>
+            </a:extLst>
+          </p:cNvPr>
+          <p:cNvSpPr>
+            <a:spLocks noGrp="1"/>
+          </p:cNvSpPr>
+          <p:nvPr>
+            <p:ph type="ctrTitle"/>
+          </p:nvPr>
+        </p:nvSpPr>
+        <p:spPr>
+          <a:xfrm>
+            <a:off x="6991349" y="2571235"/>
+            <a:ext cx="4430183" cy="1715531"/>
+          </a:xfrm>
+        </p:spPr>
+        <p:txBody>
+          <a:bodyPr/>
+          <a:lstStyle/>
+          <a:p>
+            <a:r>
+              <a:rPr lang="en-US" dirty="0"/>
+              <a:t>Results</a:t>
+            </a:r>
+          </a:p>
+        </p:txBody>
+      </p:sp>
+    </p:spTree>
+    <p:extLst>
+      <p:ext uri="{BB962C8B-B14F-4D97-AF65-F5344CB8AC3E}">
+        <p14:creationId xmlns:p14="http://schemas.microsoft.com/office/powerpoint/2010/main" val="2665367956"/>
+      </p:ext>
+    </p:extLst>
+  </p:cSld>
+  <p:clrMapOvr>
+    <a:masterClrMapping/>
+  </p:clrMapOvr>
+</p:sld>
+</file>
+
+<file path=ppt/slides/slide23.xml><?xml version="1.0" encoding="utf-8"?>
+<p:sld xmlns:a="http://schemas.openxmlformats.org/drawingml/2006/main" xmlns:r="http://schemas.openxmlformats.org/officeDocument/2006/relationships" xmlns:p="http://schemas.openxmlformats.org/presentationml/2006/main">
+  <p:cSld>
+    <p:spTree>
+      <p:nvGrpSpPr>
+        <p:cNvPr id="1" name=""/>
+        <p:cNvGrpSpPr/>
+        <p:nvPr/>
+      </p:nvGrpSpPr>
+      <p:grpSpPr>
+        <a:xfrm>
+          <a:off x="0" y="0"/>
+          <a:ext cx="0" cy="0"/>
+          <a:chOff x="0" y="0"/>
+          <a:chExt cx="0" cy="0"/>
+        </a:xfrm>
+      </p:grpSpPr>
+      <p:sp>
+        <p:nvSpPr>
+          <p:cNvPr id="2" name="Title 1">
+            <a:extLst>
+              <a:ext uri="{FF2B5EF4-FFF2-40B4-BE49-F238E27FC236}">
+                <a16:creationId xmlns:a16="http://schemas.microsoft.com/office/drawing/2014/main" id="{1A47FBC9-48D3-FEBD-9FC8-246BB10CB0DA}"/>
+              </a:ext>
+            </a:extLst>
+          </p:cNvPr>
+          <p:cNvSpPr>
+            <a:spLocks noGrp="1"/>
+          </p:cNvSpPr>
+          <p:nvPr>
+            <p:ph type="title"/>
+          </p:nvPr>
+        </p:nvSpPr>
+        <p:spPr>
+          <a:xfrm>
+            <a:off x="2932112" y="1631963"/>
+            <a:ext cx="8156058" cy="962023"/>
+          </a:xfrm>
+        </p:spPr>
+        <p:txBody>
+          <a:bodyPr/>
+          <a:lstStyle/>
+          <a:p>
+            <a:pPr algn="ctr"/>
+            <a:r>
+              <a:rPr lang="en-US" dirty="0"/>
+              <a:t>Test accuracy for each model</a:t>
+            </a:r>
+            <a:endParaRPr lang="en-IN" dirty="0"/>
+          </a:p>
+        </p:txBody>
+      </p:sp>
+      <p:sp>
+        <p:nvSpPr>
+          <p:cNvPr id="3" name="Text Placeholder 2">
+            <a:extLst>
+              <a:ext uri="{FF2B5EF4-FFF2-40B4-BE49-F238E27FC236}">
+                <a16:creationId xmlns:a16="http://schemas.microsoft.com/office/drawing/2014/main" id="{DB5F4A26-ED4D-3644-B3DF-DCBAF425BF61}"/>
+              </a:ext>
+            </a:extLst>
+          </p:cNvPr>
+          <p:cNvSpPr>
+            <a:spLocks noGrp="1"/>
+          </p:cNvSpPr>
+          <p:nvPr>
+            <p:ph type="body" idx="1"/>
+          </p:nvPr>
+        </p:nvSpPr>
+        <p:spPr>
+          <a:xfrm>
+            <a:off x="2933700" y="5226037"/>
+            <a:ext cx="3924300" cy="823912"/>
+          </a:xfrm>
+        </p:spPr>
+        <p:txBody>
+          <a:bodyPr/>
+          <a:lstStyle/>
+          <a:p>
+            <a:pPr algn="ctr"/>
+            <a:r>
+              <a:rPr lang="en-US" dirty="0"/>
+              <a:t>Bar Chart</a:t>
+            </a:r>
+            <a:endParaRPr lang="en-IN" dirty="0"/>
+          </a:p>
+        </p:txBody>
+      </p:sp>
+      <p:pic>
+        <p:nvPicPr>
+          <p:cNvPr id="9" name="Content Placeholder 8">
+            <a:extLst>
+              <a:ext uri="{FF2B5EF4-FFF2-40B4-BE49-F238E27FC236}">
+                <a16:creationId xmlns:a16="http://schemas.microsoft.com/office/drawing/2014/main" id="{F5C7F26D-DE5D-3CA9-0AC7-72DDE0693892}"/>
+              </a:ext>
+            </a:extLst>
+          </p:cNvPr>
+          <p:cNvPicPr>
+            <a:picLocks noGrp="1" noChangeAspect="1"/>
+          </p:cNvPicPr>
+          <p:nvPr>
+            <p:ph sz="half" idx="2"/>
+          </p:nvPr>
+        </p:nvPicPr>
+        <p:blipFill>
+          <a:blip r:embed="rId2"/>
+          <a:stretch>
+            <a:fillRect/>
+          </a:stretch>
+        </p:blipFill>
+        <p:spPr>
+          <a:xfrm>
+            <a:off x="2933700" y="2776936"/>
+            <a:ext cx="3924299" cy="2421852"/>
+          </a:xfrm>
+        </p:spPr>
+      </p:pic>
+      <p:sp>
+        <p:nvSpPr>
+          <p:cNvPr id="5" name="Text Placeholder 4">
+            <a:extLst>
+              <a:ext uri="{FF2B5EF4-FFF2-40B4-BE49-F238E27FC236}">
+                <a16:creationId xmlns:a16="http://schemas.microsoft.com/office/drawing/2014/main" id="{6B895024-500A-80E8-33C9-BF9A849937D6}"/>
+              </a:ext>
+            </a:extLst>
+          </p:cNvPr>
+          <p:cNvSpPr>
+            <a:spLocks noGrp="1"/>
+          </p:cNvSpPr>
+          <p:nvPr>
+            <p:ph type="body" sz="quarter" idx="3"/>
+          </p:nvPr>
+        </p:nvSpPr>
+        <p:spPr>
+          <a:xfrm>
+            <a:off x="7144544" y="5226037"/>
+            <a:ext cx="3943627" cy="823912"/>
+          </a:xfrm>
+        </p:spPr>
+        <p:txBody>
+          <a:bodyPr/>
+          <a:lstStyle/>
+          <a:p>
+            <a:pPr algn="ctr"/>
+            <a:r>
+              <a:rPr lang="en-US" dirty="0"/>
+              <a:t>Scatter Plot</a:t>
+            </a:r>
+            <a:endParaRPr lang="en-IN" dirty="0"/>
+          </a:p>
+        </p:txBody>
+      </p:sp>
+      <p:pic>
+        <p:nvPicPr>
+          <p:cNvPr id="11" name="Content Placeholder 10">
+            <a:extLst>
+              <a:ext uri="{FF2B5EF4-FFF2-40B4-BE49-F238E27FC236}">
+                <a16:creationId xmlns:a16="http://schemas.microsoft.com/office/drawing/2014/main" id="{7BC39E65-ED21-94FF-ED2E-26D7296F4D3A}"/>
+              </a:ext>
+            </a:extLst>
+          </p:cNvPr>
+          <p:cNvPicPr>
+            <a:picLocks noGrp="1" noChangeAspect="1"/>
+          </p:cNvPicPr>
+          <p:nvPr>
+            <p:ph sz="quarter" idx="4"/>
+          </p:nvPr>
+        </p:nvPicPr>
+        <p:blipFill>
+          <a:blip r:embed="rId3"/>
+          <a:stretch>
+            <a:fillRect/>
+          </a:stretch>
+        </p:blipFill>
+        <p:spPr>
+          <a:xfrm>
+            <a:off x="7144544" y="2792256"/>
+            <a:ext cx="3943626" cy="2433781"/>
+          </a:xfrm>
+        </p:spPr>
+      </p:pic>
+      <p:sp>
+        <p:nvSpPr>
+          <p:cNvPr id="7" name="Slide Number Placeholder 6">
+            <a:extLst>
+              <a:ext uri="{FF2B5EF4-FFF2-40B4-BE49-F238E27FC236}">
+                <a16:creationId xmlns:a16="http://schemas.microsoft.com/office/drawing/2014/main" id="{C2DC2508-55B6-9BBF-BBFC-51DC5A5CB9F9}"/>
+              </a:ext>
+            </a:extLst>
+          </p:cNvPr>
+          <p:cNvSpPr>
+            <a:spLocks noGrp="1"/>
+          </p:cNvSpPr>
+          <p:nvPr>
+            <p:ph type="sldNum" sz="quarter" idx="12"/>
+          </p:nvPr>
+        </p:nvSpPr>
+        <p:spPr/>
+        <p:txBody>
+          <a:bodyPr/>
+          <a:lstStyle/>
+          <a:p>
+            <a:fld id="{B5CEABB6-07DC-46E8-9B57-56EC44A396E5}" type="slidenum">
+              <a:rPr lang="en-US" smtClean="0"/>
+              <a:t>23</a:t>
+            </a:fld>
+            <a:endParaRPr lang="en-US" dirty="0"/>
+          </a:p>
+        </p:txBody>
+      </p:sp>
+    </p:spTree>
+    <p:extLst>
+      <p:ext uri="{BB962C8B-B14F-4D97-AF65-F5344CB8AC3E}">
+        <p14:creationId xmlns:p14="http://schemas.microsoft.com/office/powerpoint/2010/main" val="1705270084"/>
+      </p:ext>
+    </p:extLst>
+  </p:cSld>
+  <p:clrMapOvr>
+    <a:masterClrMapping/>
+  </p:clrMapOvr>
+</p:sld>
+</file>
+
+<file path=ppt/slides/slide24.xml><?xml version="1.0" encoding="utf-8"?>
+<p:sld xmlns:a="http://schemas.openxmlformats.org/drawingml/2006/main" xmlns:r="http://schemas.openxmlformats.org/officeDocument/2006/relationships" xmlns:p="http://schemas.openxmlformats.org/presentationml/2006/main">
+  <p:cSld>
+    <p:spTree>
+      <p:nvGrpSpPr>
+        <p:cNvPr id="1" name=""/>
+        <p:cNvGrpSpPr/>
+        <p:nvPr/>
+      </p:nvGrpSpPr>
+      <p:grpSpPr>
+        <a:xfrm>
+          <a:off x="0" y="0"/>
+          <a:ext cx="0" cy="0"/>
+          <a:chOff x="0" y="0"/>
+          <a:chExt cx="0" cy="0"/>
+        </a:xfrm>
+      </p:grpSpPr>
+      <p:sp>
+        <p:nvSpPr>
           <p:cNvPr id="11" name="Title 10">
             <a:extLst>
               <a:ext uri="{FF2B5EF4-FFF2-40B4-BE49-F238E27FC236}">
@@ -19474,7 +18908,7 @@
           <a:p>
             <a:r>
               <a:rPr lang="en-US" dirty="0"/>
-              <a:t>Result Dataset</a:t>
+              <a:t>Sample result Dataset</a:t>
             </a:r>
           </a:p>
         </p:txBody>
@@ -19508,7 +18942,7 @@
             <a:fld id="{B5CEABB6-07DC-46E8-9B57-56EC44A396E5}" type="slidenum">
               <a:rPr lang="en-US" smtClean="0"/>
               <a:pPr/>
-              <a:t>22</a:t>
+              <a:t>24</a:t>
             </a:fld>
             <a:endParaRPr lang="en-US" dirty="0"/>
           </a:p>
@@ -21724,1013 +21158,6 @@
 </p:sld>
 </file>
 
-<file path=ppt/slides/slide23.xml><?xml version="1.0" encoding="utf-8"?>
-<p:sld xmlns:a="http://schemas.openxmlformats.org/drawingml/2006/main" xmlns:r="http://schemas.openxmlformats.org/officeDocument/2006/relationships" xmlns:p="http://schemas.openxmlformats.org/presentationml/2006/main">
-  <p:cSld>
-    <p:spTree>
-      <p:nvGrpSpPr>
-        <p:cNvPr id="1" name=""/>
-        <p:cNvGrpSpPr/>
-        <p:nvPr/>
-      </p:nvGrpSpPr>
-      <p:grpSpPr>
-        <a:xfrm>
-          <a:off x="0" y="0"/>
-          <a:ext cx="0" cy="0"/>
-          <a:chOff x="0" y="0"/>
-          <a:chExt cx="0" cy="0"/>
-        </a:xfrm>
-      </p:grpSpPr>
-      <p:sp>
-        <p:nvSpPr>
-          <p:cNvPr id="2" name="Title 1">
-            <a:extLst>
-              <a:ext uri="{FF2B5EF4-FFF2-40B4-BE49-F238E27FC236}">
-                <a16:creationId xmlns:a16="http://schemas.microsoft.com/office/drawing/2014/main" id="{9C1BF33B-5572-4A00-A55C-1E13A6B3A8F1}"/>
-              </a:ext>
-            </a:extLst>
-          </p:cNvPr>
-          <p:cNvSpPr>
-            <a:spLocks noGrp="1"/>
-          </p:cNvSpPr>
-          <p:nvPr>
-            <p:ph type="title"/>
-          </p:nvPr>
-        </p:nvSpPr>
-        <p:spPr>
-          <a:xfrm>
-            <a:off x="1885156" y="892177"/>
-            <a:ext cx="8421688" cy="1325563"/>
-          </a:xfrm>
-        </p:spPr>
-        <p:txBody>
-          <a:bodyPr/>
-          <a:lstStyle/>
-          <a:p>
-            <a:r>
-              <a:rPr lang="en-US" dirty="0"/>
-              <a:t>FUNDING</a:t>
-            </a:r>
-          </a:p>
-        </p:txBody>
-      </p:sp>
-      <p:graphicFrame>
-        <p:nvGraphicFramePr>
-          <p:cNvPr id="58" name="Content Placeholder 57" title="Funding Chart">
-            <a:extLst>
-              <a:ext uri="{FF2B5EF4-FFF2-40B4-BE49-F238E27FC236}">
-                <a16:creationId xmlns:a16="http://schemas.microsoft.com/office/drawing/2014/main" id="{0231F8BC-AEBA-4843-9F73-E06265724EAB}"/>
-              </a:ext>
-            </a:extLst>
-          </p:cNvPr>
-          <p:cNvGraphicFramePr>
-            <a:graphicFrameLocks noGrp="1"/>
-          </p:cNvGraphicFramePr>
-          <p:nvPr>
-            <p:ph sz="quarter" idx="21"/>
-            <p:extLst>
-              <p:ext uri="{D42A27DB-BD31-4B8C-83A1-F6EECF244321}">
-                <p14:modId xmlns:p14="http://schemas.microsoft.com/office/powerpoint/2010/main" val="3157508600"/>
-              </p:ext>
-            </p:extLst>
-          </p:nvPr>
-        </p:nvGraphicFramePr>
-        <p:xfrm>
-          <a:off x="1074738" y="2370138"/>
-          <a:ext cx="1857375" cy="1665287"/>
-        </p:xfrm>
-        <a:graphic>
-          <a:graphicData uri="http://schemas.openxmlformats.org/drawingml/2006/chart">
-            <c:chart xmlns:c="http://schemas.openxmlformats.org/drawingml/2006/chart" xmlns:r="http://schemas.openxmlformats.org/officeDocument/2006/relationships" r:id="rId2"/>
-          </a:graphicData>
-        </a:graphic>
-      </p:graphicFrame>
-      <p:sp>
-        <p:nvSpPr>
-          <p:cNvPr id="3" name="Text Placeholder 2">
-            <a:extLst>
-              <a:ext uri="{FF2B5EF4-FFF2-40B4-BE49-F238E27FC236}">
-                <a16:creationId xmlns:a16="http://schemas.microsoft.com/office/drawing/2014/main" id="{82A4739B-8DE9-4523-8034-4E83861CCF73}"/>
-              </a:ext>
-            </a:extLst>
-          </p:cNvPr>
-          <p:cNvSpPr>
-            <a:spLocks noGrp="1"/>
-          </p:cNvSpPr>
-          <p:nvPr>
-            <p:ph type="body" idx="1"/>
-          </p:nvPr>
-        </p:nvSpPr>
-        <p:spPr>
-          <a:xfrm>
-            <a:off x="838200" y="3788813"/>
-            <a:ext cx="2330726" cy="804859"/>
-          </a:xfrm>
-        </p:spPr>
-        <p:txBody>
-          <a:bodyPr/>
-          <a:lstStyle/>
-          <a:p>
-            <a:r>
-              <a:rPr lang="en-US" dirty="0"/>
-              <a:t>$14,000</a:t>
-            </a:r>
-          </a:p>
-        </p:txBody>
-      </p:sp>
-      <p:sp>
-        <p:nvSpPr>
-          <p:cNvPr id="14" name="Text Placeholder 13">
-            <a:extLst>
-              <a:ext uri="{FF2B5EF4-FFF2-40B4-BE49-F238E27FC236}">
-                <a16:creationId xmlns:a16="http://schemas.microsoft.com/office/drawing/2014/main" id="{C487CCC0-D329-4C1F-A1CD-04930A23C5C3}"/>
-              </a:ext>
-            </a:extLst>
-          </p:cNvPr>
-          <p:cNvSpPr>
-            <a:spLocks noGrp="1"/>
-          </p:cNvSpPr>
-          <p:nvPr>
-            <p:ph type="body" idx="17"/>
-          </p:nvPr>
-        </p:nvSpPr>
-        <p:spPr>
-          <a:xfrm>
-            <a:off x="838200" y="4464810"/>
-            <a:ext cx="2330726" cy="438505"/>
-          </a:xfrm>
-        </p:spPr>
-        <p:txBody>
-          <a:bodyPr/>
-          <a:lstStyle/>
-          <a:p>
-            <a:r>
-              <a:rPr lang="en-US" dirty="0"/>
-              <a:t>ANGEL INVESTMENTS</a:t>
-            </a:r>
-          </a:p>
-        </p:txBody>
-      </p:sp>
-      <p:sp>
-        <p:nvSpPr>
-          <p:cNvPr id="4" name="Content Placeholder 3">
-            <a:extLst>
-              <a:ext uri="{FF2B5EF4-FFF2-40B4-BE49-F238E27FC236}">
-                <a16:creationId xmlns:a16="http://schemas.microsoft.com/office/drawing/2014/main" id="{21CF2BB3-1E12-4189-9F5F-EF136C62E39B}"/>
-              </a:ext>
-            </a:extLst>
-          </p:cNvPr>
-          <p:cNvSpPr>
-            <a:spLocks noGrp="1"/>
-          </p:cNvSpPr>
-          <p:nvPr>
-            <p:ph sz="half" idx="2"/>
-          </p:nvPr>
-        </p:nvSpPr>
-        <p:spPr>
-          <a:xfrm>
-            <a:off x="838200" y="5120722"/>
-            <a:ext cx="2330726" cy="853167"/>
-          </a:xfrm>
-        </p:spPr>
-        <p:txBody>
-          <a:bodyPr/>
-          <a:lstStyle/>
-          <a:p>
-            <a:r>
-              <a:rPr lang="en-US" dirty="0"/>
-              <a:t>Amount obtained through other investors</a:t>
-            </a:r>
-          </a:p>
-        </p:txBody>
-      </p:sp>
-      <p:graphicFrame>
-        <p:nvGraphicFramePr>
-          <p:cNvPr id="59" name="Content Placeholder 58" title="Funding Chart">
-            <a:extLst>
-              <a:ext uri="{FF2B5EF4-FFF2-40B4-BE49-F238E27FC236}">
-                <a16:creationId xmlns:a16="http://schemas.microsoft.com/office/drawing/2014/main" id="{AD7D64AB-F97A-41F1-B2E8-66B1E245043A}"/>
-              </a:ext>
-            </a:extLst>
-          </p:cNvPr>
-          <p:cNvGraphicFramePr>
-            <a:graphicFrameLocks noGrp="1"/>
-          </p:cNvGraphicFramePr>
-          <p:nvPr>
-            <p:ph sz="quarter" idx="22"/>
-            <p:extLst>
-              <p:ext uri="{D42A27DB-BD31-4B8C-83A1-F6EECF244321}">
-                <p14:modId xmlns:p14="http://schemas.microsoft.com/office/powerpoint/2010/main" val="3021991828"/>
-              </p:ext>
-            </p:extLst>
-          </p:nvPr>
-        </p:nvGraphicFramePr>
-        <p:xfrm>
-          <a:off x="3805238" y="2370138"/>
-          <a:ext cx="1857375" cy="1665287"/>
-        </p:xfrm>
-        <a:graphic>
-          <a:graphicData uri="http://schemas.openxmlformats.org/drawingml/2006/chart">
-            <c:chart xmlns:c="http://schemas.openxmlformats.org/drawingml/2006/chart" xmlns:r="http://schemas.openxmlformats.org/officeDocument/2006/relationships" r:id="rId3"/>
-          </a:graphicData>
-        </a:graphic>
-      </p:graphicFrame>
-      <p:sp>
-        <p:nvSpPr>
-          <p:cNvPr id="5" name="Text Placeholder 4">
-            <a:extLst>
-              <a:ext uri="{FF2B5EF4-FFF2-40B4-BE49-F238E27FC236}">
-                <a16:creationId xmlns:a16="http://schemas.microsoft.com/office/drawing/2014/main" id="{68145D0E-892D-492B-8AD6-551CF27DD5F7}"/>
-              </a:ext>
-            </a:extLst>
-          </p:cNvPr>
-          <p:cNvSpPr>
-            <a:spLocks noGrp="1"/>
-          </p:cNvSpPr>
-          <p:nvPr>
-            <p:ph type="body" sz="quarter" idx="3"/>
-          </p:nvPr>
-        </p:nvSpPr>
-        <p:spPr>
-          <a:xfrm>
-            <a:off x="3562665" y="3788813"/>
-            <a:ext cx="2342205" cy="804859"/>
-          </a:xfrm>
-        </p:spPr>
-        <p:txBody>
-          <a:bodyPr/>
-          <a:lstStyle/>
-          <a:p>
-            <a:r>
-              <a:rPr lang="en-US" dirty="0"/>
-              <a:t>$12,000</a:t>
-            </a:r>
-          </a:p>
-        </p:txBody>
-      </p:sp>
-      <p:sp>
-        <p:nvSpPr>
-          <p:cNvPr id="15" name="Text Placeholder 14">
-            <a:extLst>
-              <a:ext uri="{FF2B5EF4-FFF2-40B4-BE49-F238E27FC236}">
-                <a16:creationId xmlns:a16="http://schemas.microsoft.com/office/drawing/2014/main" id="{34E62770-EE0A-4D83-B50E-CD868056030E}"/>
-              </a:ext>
-            </a:extLst>
-          </p:cNvPr>
-          <p:cNvSpPr>
-            <a:spLocks noGrp="1"/>
-          </p:cNvSpPr>
-          <p:nvPr>
-            <p:ph type="body" sz="quarter" idx="18"/>
-          </p:nvPr>
-        </p:nvSpPr>
-        <p:spPr>
-          <a:xfrm>
-            <a:off x="3562665" y="4464810"/>
-            <a:ext cx="2342205" cy="438505"/>
-          </a:xfrm>
-        </p:spPr>
-        <p:txBody>
-          <a:bodyPr/>
-          <a:lstStyle/>
-          <a:p>
-            <a:r>
-              <a:rPr lang="en-US" dirty="0"/>
-              <a:t>PROPERTY</a:t>
-            </a:r>
-          </a:p>
-        </p:txBody>
-      </p:sp>
-      <p:sp>
-        <p:nvSpPr>
-          <p:cNvPr id="6" name="Content Placeholder 5">
-            <a:extLst>
-              <a:ext uri="{FF2B5EF4-FFF2-40B4-BE49-F238E27FC236}">
-                <a16:creationId xmlns:a16="http://schemas.microsoft.com/office/drawing/2014/main" id="{3ED3951E-8DE6-4BA9-B9BA-CFCDF432226C}"/>
-              </a:ext>
-            </a:extLst>
-          </p:cNvPr>
-          <p:cNvSpPr>
-            <a:spLocks noGrp="1"/>
-          </p:cNvSpPr>
-          <p:nvPr>
-            <p:ph sz="quarter" idx="4"/>
-          </p:nvPr>
-        </p:nvSpPr>
-        <p:spPr>
-          <a:xfrm>
-            <a:off x="3562665" y="5120722"/>
-            <a:ext cx="2342205" cy="853167"/>
-          </a:xfrm>
-        </p:spPr>
-        <p:txBody>
-          <a:bodyPr/>
-          <a:lstStyle/>
-          <a:p>
-            <a:r>
-              <a:rPr lang="en-US" dirty="0"/>
-              <a:t>Revenue obtained from property rentals</a:t>
-            </a:r>
-          </a:p>
-        </p:txBody>
-      </p:sp>
-      <p:graphicFrame>
-        <p:nvGraphicFramePr>
-          <p:cNvPr id="60" name="Content Placeholder 59" title="Funding Chart">
-            <a:extLst>
-              <a:ext uri="{FF2B5EF4-FFF2-40B4-BE49-F238E27FC236}">
-                <a16:creationId xmlns:a16="http://schemas.microsoft.com/office/drawing/2014/main" id="{81BCDC44-04F0-4390-B965-A86C88176708}"/>
-              </a:ext>
-            </a:extLst>
-          </p:cNvPr>
-          <p:cNvGraphicFramePr>
-            <a:graphicFrameLocks noGrp="1"/>
-          </p:cNvGraphicFramePr>
-          <p:nvPr>
-            <p:ph sz="quarter" idx="23"/>
-            <p:extLst>
-              <p:ext uri="{D42A27DB-BD31-4B8C-83A1-F6EECF244321}">
-                <p14:modId xmlns:p14="http://schemas.microsoft.com/office/powerpoint/2010/main" val="2350556506"/>
-              </p:ext>
-            </p:extLst>
-          </p:nvPr>
-        </p:nvGraphicFramePr>
-        <p:xfrm>
-          <a:off x="6529388" y="2370138"/>
-          <a:ext cx="1857375" cy="1665287"/>
-        </p:xfrm>
-        <a:graphic>
-          <a:graphicData uri="http://schemas.openxmlformats.org/drawingml/2006/chart">
-            <c:chart xmlns:c="http://schemas.openxmlformats.org/drawingml/2006/chart" xmlns:r="http://schemas.openxmlformats.org/officeDocument/2006/relationships" r:id="rId4"/>
-          </a:graphicData>
-        </a:graphic>
-      </p:graphicFrame>
-      <p:sp>
-        <p:nvSpPr>
-          <p:cNvPr id="10" name="Text Placeholder 9">
-            <a:extLst>
-              <a:ext uri="{FF2B5EF4-FFF2-40B4-BE49-F238E27FC236}">
-                <a16:creationId xmlns:a16="http://schemas.microsoft.com/office/drawing/2014/main" id="{C66E4F1A-AD73-4086-B578-235F0B9F1FC4}"/>
-              </a:ext>
-            </a:extLst>
-          </p:cNvPr>
-          <p:cNvSpPr>
-            <a:spLocks noGrp="1"/>
-          </p:cNvSpPr>
-          <p:nvPr>
-            <p:ph type="body" idx="13"/>
-          </p:nvPr>
-        </p:nvSpPr>
-        <p:spPr>
-          <a:xfrm>
-            <a:off x="6298609" y="3788813"/>
-            <a:ext cx="2330726" cy="804859"/>
-          </a:xfrm>
-        </p:spPr>
-        <p:txBody>
-          <a:bodyPr/>
-          <a:lstStyle/>
-          <a:p>
-            <a:r>
-              <a:rPr lang="en-US" dirty="0"/>
-              <a:t>$82,000</a:t>
-            </a:r>
-          </a:p>
-        </p:txBody>
-      </p:sp>
-      <p:sp>
-        <p:nvSpPr>
-          <p:cNvPr id="16" name="Text Placeholder 15">
-            <a:extLst>
-              <a:ext uri="{FF2B5EF4-FFF2-40B4-BE49-F238E27FC236}">
-                <a16:creationId xmlns:a16="http://schemas.microsoft.com/office/drawing/2014/main" id="{AAB421C5-B6AC-48B8-8AEB-AB16AAE5010E}"/>
-              </a:ext>
-            </a:extLst>
-          </p:cNvPr>
-          <p:cNvSpPr>
-            <a:spLocks noGrp="1"/>
-          </p:cNvSpPr>
-          <p:nvPr>
-            <p:ph type="body" idx="19"/>
-          </p:nvPr>
-        </p:nvSpPr>
-        <p:spPr>
-          <a:xfrm>
-            <a:off x="6298609" y="4464810"/>
-            <a:ext cx="2330726" cy="438505"/>
-          </a:xfrm>
-        </p:spPr>
-        <p:txBody>
-          <a:bodyPr/>
-          <a:lstStyle/>
-          <a:p>
-            <a:r>
-              <a:rPr lang="en-US" dirty="0"/>
-              <a:t>SHARES</a:t>
-            </a:r>
-          </a:p>
-        </p:txBody>
-      </p:sp>
-      <p:sp>
-        <p:nvSpPr>
-          <p:cNvPr id="11" name="Content Placeholder 10">
-            <a:extLst>
-              <a:ext uri="{FF2B5EF4-FFF2-40B4-BE49-F238E27FC236}">
-                <a16:creationId xmlns:a16="http://schemas.microsoft.com/office/drawing/2014/main" id="{345C82A0-3F56-47BD-9FB2-6B56DA715F93}"/>
-              </a:ext>
-            </a:extLst>
-          </p:cNvPr>
-          <p:cNvSpPr>
-            <a:spLocks noGrp="1"/>
-          </p:cNvSpPr>
-          <p:nvPr>
-            <p:ph sz="half" idx="14"/>
-          </p:nvPr>
-        </p:nvSpPr>
-        <p:spPr>
-          <a:xfrm>
-            <a:off x="6298609" y="5120722"/>
-            <a:ext cx="2330726" cy="853167"/>
-          </a:xfrm>
-        </p:spPr>
-        <p:txBody>
-          <a:bodyPr/>
-          <a:lstStyle/>
-          <a:p>
-            <a:r>
-              <a:rPr lang="en-US" dirty="0"/>
-              <a:t>Number of shares converted into USD</a:t>
-            </a:r>
-          </a:p>
-          <a:p>
-            <a:endParaRPr lang="en-US" noProof="1"/>
-          </a:p>
-        </p:txBody>
-      </p:sp>
-      <p:graphicFrame>
-        <p:nvGraphicFramePr>
-          <p:cNvPr id="61" name="Content Placeholder 60" title="Funding Chart">
-            <a:extLst>
-              <a:ext uri="{FF2B5EF4-FFF2-40B4-BE49-F238E27FC236}">
-                <a16:creationId xmlns:a16="http://schemas.microsoft.com/office/drawing/2014/main" id="{D78C801B-5A42-4B88-AF2C-A3C45CD69E2E}"/>
-              </a:ext>
-            </a:extLst>
-          </p:cNvPr>
-          <p:cNvGraphicFramePr>
-            <a:graphicFrameLocks noGrp="1"/>
-          </p:cNvGraphicFramePr>
-          <p:nvPr>
-            <p:ph sz="quarter" idx="24"/>
-            <p:extLst>
-              <p:ext uri="{D42A27DB-BD31-4B8C-83A1-F6EECF244321}">
-                <p14:modId xmlns:p14="http://schemas.microsoft.com/office/powerpoint/2010/main" val="2617539870"/>
-              </p:ext>
-            </p:extLst>
-          </p:nvPr>
-        </p:nvGraphicFramePr>
-        <p:xfrm>
-          <a:off x="9259888" y="2370138"/>
-          <a:ext cx="1857375" cy="1665287"/>
-        </p:xfrm>
-        <a:graphic>
-          <a:graphicData uri="http://schemas.openxmlformats.org/drawingml/2006/chart">
-            <c:chart xmlns:c="http://schemas.openxmlformats.org/drawingml/2006/chart" xmlns:r="http://schemas.openxmlformats.org/officeDocument/2006/relationships" r:id="rId5"/>
-          </a:graphicData>
-        </a:graphic>
-      </p:graphicFrame>
-      <p:sp>
-        <p:nvSpPr>
-          <p:cNvPr id="12" name="Text Placeholder 11">
-            <a:extLst>
-              <a:ext uri="{FF2B5EF4-FFF2-40B4-BE49-F238E27FC236}">
-                <a16:creationId xmlns:a16="http://schemas.microsoft.com/office/drawing/2014/main" id="{F70E657A-85D8-48A8-B017-274F0C32C5C9}"/>
-              </a:ext>
-            </a:extLst>
-          </p:cNvPr>
-          <p:cNvSpPr>
-            <a:spLocks noGrp="1"/>
-          </p:cNvSpPr>
-          <p:nvPr>
-            <p:ph type="body" idx="15"/>
-          </p:nvPr>
-        </p:nvSpPr>
-        <p:spPr>
-          <a:xfrm>
-            <a:off x="9023074" y="3788457"/>
-            <a:ext cx="2330726" cy="804859"/>
-          </a:xfrm>
-        </p:spPr>
-        <p:txBody>
-          <a:bodyPr/>
-          <a:lstStyle/>
-          <a:p>
-            <a:r>
-              <a:rPr lang="en-US" dirty="0"/>
-              <a:t>$32,000</a:t>
-            </a:r>
-          </a:p>
-        </p:txBody>
-      </p:sp>
-      <p:sp>
-        <p:nvSpPr>
-          <p:cNvPr id="17" name="Text Placeholder 16">
-            <a:extLst>
-              <a:ext uri="{FF2B5EF4-FFF2-40B4-BE49-F238E27FC236}">
-                <a16:creationId xmlns:a16="http://schemas.microsoft.com/office/drawing/2014/main" id="{025753CB-8973-4FAE-BB5D-5CC96CE338D4}"/>
-              </a:ext>
-            </a:extLst>
-          </p:cNvPr>
-          <p:cNvSpPr>
-            <a:spLocks noGrp="1"/>
-          </p:cNvSpPr>
-          <p:nvPr>
-            <p:ph type="body" idx="20"/>
-          </p:nvPr>
-        </p:nvSpPr>
-        <p:spPr>
-          <a:xfrm>
-            <a:off x="9023074" y="4464454"/>
-            <a:ext cx="2330726" cy="438505"/>
-          </a:xfrm>
-        </p:spPr>
-        <p:txBody>
-          <a:bodyPr/>
-          <a:lstStyle/>
-          <a:p>
-            <a:r>
-              <a:rPr lang="en-US" dirty="0"/>
-              <a:t>CASH</a:t>
-            </a:r>
-          </a:p>
-        </p:txBody>
-      </p:sp>
-      <p:sp>
-        <p:nvSpPr>
-          <p:cNvPr id="13" name="Content Placeholder 12">
-            <a:extLst>
-              <a:ext uri="{FF2B5EF4-FFF2-40B4-BE49-F238E27FC236}">
-                <a16:creationId xmlns:a16="http://schemas.microsoft.com/office/drawing/2014/main" id="{69F9DEC9-77BC-482D-ACFB-0F2B6DC65F9F}"/>
-              </a:ext>
-            </a:extLst>
-          </p:cNvPr>
-          <p:cNvSpPr>
-            <a:spLocks noGrp="1"/>
-          </p:cNvSpPr>
-          <p:nvPr>
-            <p:ph sz="half" idx="16"/>
-          </p:nvPr>
-        </p:nvSpPr>
-        <p:spPr>
-          <a:xfrm>
-            <a:off x="9023074" y="5120366"/>
-            <a:ext cx="2330726" cy="853167"/>
-          </a:xfrm>
-        </p:spPr>
-        <p:txBody>
-          <a:bodyPr/>
-          <a:lstStyle/>
-          <a:p>
-            <a:r>
-              <a:rPr lang="en-US" noProof="1"/>
-              <a:t>Liquid cash we have on hand</a:t>
-            </a:r>
-          </a:p>
-          <a:p>
-            <a:endParaRPr lang="en-US" dirty="0"/>
-          </a:p>
-        </p:txBody>
-      </p:sp>
-      <p:sp>
-        <p:nvSpPr>
-          <p:cNvPr id="9" name="Slide Number Placeholder 8">
-            <a:extLst>
-              <a:ext uri="{FF2B5EF4-FFF2-40B4-BE49-F238E27FC236}">
-                <a16:creationId xmlns:a16="http://schemas.microsoft.com/office/drawing/2014/main" id="{9BFC0B64-8F13-426F-B6C5-9C9427ACAD7E}"/>
-              </a:ext>
-            </a:extLst>
-          </p:cNvPr>
-          <p:cNvSpPr>
-            <a:spLocks noGrp="1"/>
-          </p:cNvSpPr>
-          <p:nvPr>
-            <p:ph type="sldNum" sz="quarter" idx="12"/>
-          </p:nvPr>
-        </p:nvSpPr>
-        <p:spPr>
-          <a:xfrm>
-            <a:off x="8610600" y="6356350"/>
-            <a:ext cx="2743200" cy="365125"/>
-          </a:xfrm>
-        </p:spPr>
-        <p:txBody>
-          <a:bodyPr/>
-          <a:lstStyle/>
-          <a:p>
-            <a:fld id="{B5CEABB6-07DC-46E8-9B57-56EC44A396E5}" type="slidenum">
-              <a:rPr lang="en-US" smtClean="0"/>
-              <a:pPr/>
-              <a:t>23</a:t>
-            </a:fld>
-            <a:endParaRPr lang="en-US" dirty="0"/>
-          </a:p>
-        </p:txBody>
-      </p:sp>
-    </p:spTree>
-    <p:extLst>
-      <p:ext uri="{BB962C8B-B14F-4D97-AF65-F5344CB8AC3E}">
-        <p14:creationId xmlns:p14="http://schemas.microsoft.com/office/powerpoint/2010/main" val="1177824853"/>
-      </p:ext>
-    </p:extLst>
-  </p:cSld>
-  <p:clrMapOvr>
-    <a:masterClrMapping/>
-  </p:clrMapOvr>
-</p:sld>
-</file>
-
-<file path=ppt/slides/slide24.xml><?xml version="1.0" encoding="utf-8"?>
-<p:sld xmlns:a="http://schemas.openxmlformats.org/drawingml/2006/main" xmlns:r="http://schemas.openxmlformats.org/officeDocument/2006/relationships" xmlns:p="http://schemas.openxmlformats.org/presentationml/2006/main">
-  <p:cSld>
-    <p:spTree>
-      <p:nvGrpSpPr>
-        <p:cNvPr id="1" name=""/>
-        <p:cNvGrpSpPr/>
-        <p:nvPr/>
-      </p:nvGrpSpPr>
-      <p:grpSpPr>
-        <a:xfrm>
-          <a:off x="0" y="0"/>
-          <a:ext cx="0" cy="0"/>
-          <a:chOff x="0" y="0"/>
-          <a:chExt cx="0" cy="0"/>
-        </a:xfrm>
-      </p:grpSpPr>
-      <p:sp>
-        <p:nvSpPr>
-          <p:cNvPr id="2" name="Title 1">
-            <a:extLst>
-              <a:ext uri="{FF2B5EF4-FFF2-40B4-BE49-F238E27FC236}">
-                <a16:creationId xmlns:a16="http://schemas.microsoft.com/office/drawing/2014/main" id="{67708C79-A4AC-4B5D-92DF-600737E4D11A}"/>
-              </a:ext>
-            </a:extLst>
-          </p:cNvPr>
-          <p:cNvSpPr>
-            <a:spLocks noGrp="1"/>
-          </p:cNvSpPr>
-          <p:nvPr>
-            <p:ph type="title"/>
-          </p:nvPr>
-        </p:nvSpPr>
-        <p:spPr>
-          <a:xfrm>
-            <a:off x="838200" y="5509419"/>
-            <a:ext cx="4082142" cy="585788"/>
-          </a:xfrm>
-        </p:spPr>
-        <p:txBody>
-          <a:bodyPr/>
-          <a:lstStyle/>
-          <a:p>
-            <a:r>
-              <a:rPr lang="en-US" dirty="0"/>
-              <a:t>Use Cases</a:t>
-            </a:r>
-          </a:p>
-        </p:txBody>
-      </p:sp>
-      <p:sp>
-        <p:nvSpPr>
-          <p:cNvPr id="3" name="Content Placeholder 2">
-            <a:extLst>
-              <a:ext uri="{FF2B5EF4-FFF2-40B4-BE49-F238E27FC236}">
-                <a16:creationId xmlns:a16="http://schemas.microsoft.com/office/drawing/2014/main" id="{7D779DE4-CAEA-4617-897E-FEC9A2AC2D6A}"/>
-              </a:ext>
-            </a:extLst>
-          </p:cNvPr>
-          <p:cNvSpPr>
-            <a:spLocks noGrp="1"/>
-          </p:cNvSpPr>
-          <p:nvPr>
-            <p:ph type="body" sz="quarter" idx="13"/>
-          </p:nvPr>
-        </p:nvSpPr>
-        <p:spPr>
-          <a:xfrm>
-            <a:off x="148318" y="1481138"/>
-            <a:ext cx="2141764" cy="514350"/>
-          </a:xfrm>
-        </p:spPr>
-        <p:txBody>
-          <a:bodyPr vert="horz" lIns="91440" tIns="45720" rIns="91440" bIns="45720" rtlCol="0" anchor="ctr">
-            <a:normAutofit/>
-          </a:bodyPr>
-          <a:lstStyle/>
-          <a:p>
-            <a:r>
-              <a:rPr lang="en-US" dirty="0"/>
-              <a:t>Credit scoring</a:t>
-            </a:r>
-          </a:p>
-        </p:txBody>
-      </p:sp>
-      <p:sp>
-        <p:nvSpPr>
-          <p:cNvPr id="4" name="Text Placeholder 3">
-            <a:extLst>
-              <a:ext uri="{FF2B5EF4-FFF2-40B4-BE49-F238E27FC236}">
-                <a16:creationId xmlns:a16="http://schemas.microsoft.com/office/drawing/2014/main" id="{F5FF1291-56EB-4A7B-A198-1D91F9ECC5D3}"/>
-              </a:ext>
-            </a:extLst>
-          </p:cNvPr>
-          <p:cNvSpPr>
-            <a:spLocks noGrp="1"/>
-          </p:cNvSpPr>
-          <p:nvPr>
-            <p:ph type="body" sz="quarter" idx="14"/>
-          </p:nvPr>
-        </p:nvSpPr>
-        <p:spPr>
-          <a:xfrm>
-            <a:off x="714375" y="2557463"/>
-            <a:ext cx="2141764" cy="514350"/>
-          </a:xfrm>
-        </p:spPr>
-        <p:txBody>
-          <a:bodyPr/>
-          <a:lstStyle/>
-          <a:p>
-            <a:r>
-              <a:rPr lang="en-US" dirty="0"/>
-              <a:t>Marketing</a:t>
-            </a:r>
-          </a:p>
-        </p:txBody>
-      </p:sp>
-      <p:sp>
-        <p:nvSpPr>
-          <p:cNvPr id="5" name="Text Placeholder 4">
-            <a:extLst>
-              <a:ext uri="{FF2B5EF4-FFF2-40B4-BE49-F238E27FC236}">
-                <a16:creationId xmlns:a16="http://schemas.microsoft.com/office/drawing/2014/main" id="{6184E21C-7534-4FB5-9709-F7D1A11034F3}"/>
-              </a:ext>
-            </a:extLst>
-          </p:cNvPr>
-          <p:cNvSpPr>
-            <a:spLocks noGrp="1"/>
-          </p:cNvSpPr>
-          <p:nvPr>
-            <p:ph type="body" sz="quarter" idx="15"/>
-          </p:nvPr>
-        </p:nvSpPr>
-        <p:spPr>
-          <a:xfrm>
-            <a:off x="1320800" y="3633788"/>
-            <a:ext cx="2141764" cy="514350"/>
-          </a:xfrm>
-        </p:spPr>
-        <p:txBody>
-          <a:bodyPr/>
-          <a:lstStyle/>
-          <a:p>
-            <a:r>
-              <a:rPr lang="en-US" dirty="0"/>
-              <a:t>Government policy</a:t>
-            </a:r>
-          </a:p>
-        </p:txBody>
-      </p:sp>
-      <p:sp>
-        <p:nvSpPr>
-          <p:cNvPr id="6" name="Text Placeholder 5">
-            <a:extLst>
-              <a:ext uri="{FF2B5EF4-FFF2-40B4-BE49-F238E27FC236}">
-                <a16:creationId xmlns:a16="http://schemas.microsoft.com/office/drawing/2014/main" id="{5C594564-4FC6-401A-8586-44735EE819EC}"/>
-              </a:ext>
-            </a:extLst>
-          </p:cNvPr>
-          <p:cNvSpPr>
-            <a:spLocks noGrp="1"/>
-          </p:cNvSpPr>
-          <p:nvPr>
-            <p:ph type="body" sz="quarter" idx="16"/>
-          </p:nvPr>
-        </p:nvSpPr>
-        <p:spPr>
-          <a:xfrm>
-            <a:off x="1905000" y="4710114"/>
-            <a:ext cx="2141764" cy="514350"/>
-          </a:xfrm>
-        </p:spPr>
-        <p:txBody>
-          <a:bodyPr/>
-          <a:lstStyle/>
-          <a:p>
-            <a:r>
-              <a:rPr lang="en-US" dirty="0"/>
-              <a:t>Education planning</a:t>
-            </a:r>
-          </a:p>
-        </p:txBody>
-      </p:sp>
-      <p:sp>
-        <p:nvSpPr>
-          <p:cNvPr id="7" name="Text Placeholder 6">
-            <a:extLst>
-              <a:ext uri="{FF2B5EF4-FFF2-40B4-BE49-F238E27FC236}">
-                <a16:creationId xmlns:a16="http://schemas.microsoft.com/office/drawing/2014/main" id="{D7EB25CA-DA83-483D-AF83-0001BDF2DE2B}"/>
-              </a:ext>
-            </a:extLst>
-          </p:cNvPr>
-          <p:cNvSpPr>
-            <a:spLocks noGrp="1"/>
-          </p:cNvSpPr>
-          <p:nvPr>
-            <p:ph type="body" sz="quarter" idx="17"/>
-          </p:nvPr>
-        </p:nvSpPr>
-        <p:spPr>
-          <a:xfrm>
-            <a:off x="4401535" y="1594478"/>
-            <a:ext cx="5539095" cy="1010842"/>
-          </a:xfrm>
-        </p:spPr>
-        <p:txBody>
-          <a:bodyPr/>
-          <a:lstStyle/>
-          <a:p>
-            <a:r>
-              <a:rPr lang="en-US" b="0" i="0" dirty="0">
-                <a:effectLst/>
-              </a:rPr>
-              <a:t>Financial institutions can use the analysis to assess an individual's creditworthiness. By considering income, employment, and other factors, they can make informed decisions on lending and setting interest rates</a:t>
-            </a:r>
-            <a:r>
-              <a:rPr lang="en-US" b="0" i="0" dirty="0">
-                <a:effectLst/>
-                <a:latin typeface="Söhne"/>
-              </a:rPr>
-              <a:t>.</a:t>
-            </a:r>
-            <a:endParaRPr lang="en-US" dirty="0"/>
-          </a:p>
-        </p:txBody>
-      </p:sp>
-      <p:sp>
-        <p:nvSpPr>
-          <p:cNvPr id="8" name="Text Placeholder 7">
-            <a:extLst>
-              <a:ext uri="{FF2B5EF4-FFF2-40B4-BE49-F238E27FC236}">
-                <a16:creationId xmlns:a16="http://schemas.microsoft.com/office/drawing/2014/main" id="{B46CE8C6-E12D-4A0D-8553-7FFA31941D56}"/>
-              </a:ext>
-            </a:extLst>
-          </p:cNvPr>
-          <p:cNvSpPr>
-            <a:spLocks noGrp="1"/>
-          </p:cNvSpPr>
-          <p:nvPr>
-            <p:ph type="body" sz="quarter" idx="18"/>
-          </p:nvPr>
-        </p:nvSpPr>
-        <p:spPr>
-          <a:xfrm>
-            <a:off x="4986028" y="2682564"/>
-            <a:ext cx="5539095" cy="1010842"/>
-          </a:xfrm>
-        </p:spPr>
-        <p:txBody>
-          <a:bodyPr/>
-          <a:lstStyle/>
-          <a:p>
-            <a:r>
-              <a:rPr lang="en-US" b="0" i="0" dirty="0">
-                <a:effectLst/>
-              </a:rPr>
-              <a:t>Companies can target their marketing efforts more effectively by understanding the income and demographic profiles of their customers. This can lead to personalized advertising and product recommendations.</a:t>
-            </a:r>
-            <a:endParaRPr lang="en-US" dirty="0"/>
-          </a:p>
-        </p:txBody>
-      </p:sp>
-      <p:sp>
-        <p:nvSpPr>
-          <p:cNvPr id="9" name="Text Placeholder 8">
-            <a:extLst>
-              <a:ext uri="{FF2B5EF4-FFF2-40B4-BE49-F238E27FC236}">
-                <a16:creationId xmlns:a16="http://schemas.microsoft.com/office/drawing/2014/main" id="{1C7D5285-85DF-4331-A6FA-1AE847CA47AE}"/>
-              </a:ext>
-            </a:extLst>
-          </p:cNvPr>
-          <p:cNvSpPr>
-            <a:spLocks noGrp="1"/>
-          </p:cNvSpPr>
-          <p:nvPr>
-            <p:ph type="body" sz="quarter" idx="19"/>
-          </p:nvPr>
-        </p:nvSpPr>
-        <p:spPr>
-          <a:xfrm>
-            <a:off x="5576937" y="3755394"/>
-            <a:ext cx="5539095" cy="1010842"/>
-          </a:xfrm>
-        </p:spPr>
-        <p:txBody>
-          <a:bodyPr/>
-          <a:lstStyle/>
-          <a:p>
-            <a:r>
-              <a:rPr lang="en-US" b="0" i="0" dirty="0">
-                <a:effectLst/>
-              </a:rPr>
-              <a:t>Governments and policymakers can use the analysis to design and evaluate social programs, tax policies, and measures aimed at reducing income inequality or improving economic conditions for specific demographic groups.</a:t>
-            </a:r>
-            <a:endParaRPr lang="en-US" dirty="0"/>
-          </a:p>
-        </p:txBody>
-      </p:sp>
-      <p:sp>
-        <p:nvSpPr>
-          <p:cNvPr id="10" name="Text Placeholder 9">
-            <a:extLst>
-              <a:ext uri="{FF2B5EF4-FFF2-40B4-BE49-F238E27FC236}">
-                <a16:creationId xmlns:a16="http://schemas.microsoft.com/office/drawing/2014/main" id="{02D305EF-9A88-496B-BFC1-D589A01EE381}"/>
-              </a:ext>
-            </a:extLst>
-          </p:cNvPr>
-          <p:cNvSpPr>
-            <a:spLocks noGrp="1"/>
-          </p:cNvSpPr>
-          <p:nvPr>
-            <p:ph type="body" sz="quarter" idx="20"/>
-          </p:nvPr>
-        </p:nvSpPr>
-        <p:spPr>
-          <a:xfrm>
-            <a:off x="6175279" y="4824430"/>
-            <a:ext cx="5539095" cy="1010842"/>
-          </a:xfrm>
-        </p:spPr>
-        <p:txBody>
-          <a:bodyPr/>
-          <a:lstStyle/>
-          <a:p>
-            <a:r>
-              <a:rPr lang="en-US" b="0" i="0" dirty="0">
-                <a:effectLst/>
-              </a:rPr>
-              <a:t>Educational institutions can use the information to create targeted scholarship programs, improve educational outcomes, and provide resources to students from underprivileged backgrounds.</a:t>
-            </a:r>
-            <a:endParaRPr lang="en-US" dirty="0"/>
-          </a:p>
-        </p:txBody>
-      </p:sp>
-      <p:sp>
-        <p:nvSpPr>
-          <p:cNvPr id="13" name="Slide Number Placeholder 12">
-            <a:extLst>
-              <a:ext uri="{FF2B5EF4-FFF2-40B4-BE49-F238E27FC236}">
-                <a16:creationId xmlns:a16="http://schemas.microsoft.com/office/drawing/2014/main" id="{E3984D70-BD95-4E1F-9725-902B5D74DED6}"/>
-              </a:ext>
-            </a:extLst>
-          </p:cNvPr>
-          <p:cNvSpPr>
-            <a:spLocks noGrp="1"/>
-          </p:cNvSpPr>
-          <p:nvPr>
-            <p:ph type="sldNum" sz="quarter" idx="12"/>
-          </p:nvPr>
-        </p:nvSpPr>
-        <p:spPr>
-          <a:xfrm>
-            <a:off x="10810874" y="6356350"/>
-            <a:ext cx="542925" cy="365125"/>
-          </a:xfrm>
-        </p:spPr>
-        <p:txBody>
-          <a:bodyPr/>
-          <a:lstStyle/>
-          <a:p>
-            <a:fld id="{B5CEABB6-07DC-46E8-9B57-56EC44A396E5}" type="slidenum">
-              <a:rPr lang="en-US" smtClean="0"/>
-              <a:pPr/>
-              <a:t>24</a:t>
-            </a:fld>
-            <a:endParaRPr lang="en-US" dirty="0"/>
-          </a:p>
-        </p:txBody>
-      </p:sp>
-    </p:spTree>
-    <p:extLst>
-      <p:ext uri="{BB962C8B-B14F-4D97-AF65-F5344CB8AC3E}">
-        <p14:creationId xmlns:p14="http://schemas.microsoft.com/office/powerpoint/2010/main" val="1738561688"/>
-      </p:ext>
-    </p:extLst>
-  </p:cSld>
-  <p:clrMapOvr>
-    <a:masterClrMapping/>
-  </p:clrMapOvr>
-</p:sld>
-</file>
-
 <file path=ppt/slides/slide25.xml><?xml version="1.0" encoding="utf-8"?>
 <p:sld xmlns:a="http://schemas.openxmlformats.org/drawingml/2006/main" xmlns:r="http://schemas.openxmlformats.org/officeDocument/2006/relationships" xmlns:p="http://schemas.openxmlformats.org/presentationml/2006/main">
   <p:cSld>
@@ -22753,7 +21180,7 @@
           <p:cNvPr id="2" name="Title 1">
             <a:extLst>
               <a:ext uri="{FF2B5EF4-FFF2-40B4-BE49-F238E27FC236}">
-                <a16:creationId xmlns:a16="http://schemas.microsoft.com/office/drawing/2014/main" id="{38FFA191-5CCC-43CB-BD83-4F80ED362608}"/>
+                <a16:creationId xmlns:a16="http://schemas.microsoft.com/office/drawing/2014/main" id="{9C1BF33B-5572-4A00-A55C-1E13A6B3A8F1}"/>
               </a:ext>
             </a:extLst>
           </p:cNvPr>
@@ -22766,8 +21193,8 @@
         </p:nvSpPr>
         <p:spPr>
           <a:xfrm>
-            <a:off x="5476875" y="1671639"/>
-            <a:ext cx="5111750" cy="1204912"/>
+            <a:off x="1885156" y="892177"/>
+            <a:ext cx="8421688" cy="1325563"/>
           </a:xfrm>
         </p:spPr>
         <p:txBody>
@@ -22776,52 +21203,199 @@
           <a:p>
             <a:r>
               <a:rPr lang="en-US" dirty="0"/>
-              <a:t>SUMMARY</a:t>
-            </a:r>
-          </a:p>
-        </p:txBody>
-      </p:sp>
-      <p:sp>
-        <p:nvSpPr>
-          <p:cNvPr id="3" name="Content Placeholder 2">
-            <a:extLst>
-              <a:ext uri="{FF2B5EF4-FFF2-40B4-BE49-F238E27FC236}">
-                <a16:creationId xmlns:a16="http://schemas.microsoft.com/office/drawing/2014/main" id="{E14BBEAF-B516-45F4-9EF6-A9F65111580F}"/>
-              </a:ext>
-            </a:extLst>
-          </p:cNvPr>
-          <p:cNvSpPr>
-            <a:spLocks noGrp="1"/>
-          </p:cNvSpPr>
-          <p:nvPr>
-            <p:ph type="body" idx="1"/>
-          </p:nvPr>
-        </p:nvSpPr>
-        <p:spPr>
-          <a:xfrm>
-            <a:off x="5476875" y="3682546"/>
-            <a:ext cx="5111750" cy="1525588"/>
-          </a:xfrm>
-        </p:spPr>
-        <p:txBody>
-          <a:bodyPr vert="horz" lIns="91440" tIns="45720" rIns="91440" bIns="45720" rtlCol="0" anchor="b">
+              <a:t>Problem </a:t>
+            </a:r>
+          </a:p>
+        </p:txBody>
+      </p:sp>
+      <p:sp>
+        <p:nvSpPr>
+          <p:cNvPr id="4" name="Content Placeholder 3">
+            <a:extLst>
+              <a:ext uri="{FF2B5EF4-FFF2-40B4-BE49-F238E27FC236}">
+                <a16:creationId xmlns:a16="http://schemas.microsoft.com/office/drawing/2014/main" id="{21CF2BB3-1E12-4189-9F5F-EF136C62E39B}"/>
+              </a:ext>
+            </a:extLst>
+          </p:cNvPr>
+          <p:cNvSpPr>
+            <a:spLocks noGrp="1"/>
+          </p:cNvSpPr>
+          <p:nvPr>
+            <p:ph sz="half" idx="2"/>
+          </p:nvPr>
+        </p:nvSpPr>
+        <p:spPr>
+          <a:xfrm>
+            <a:off x="971395" y="3715172"/>
+            <a:ext cx="2330726" cy="2250651"/>
+          </a:xfrm>
+        </p:spPr>
+        <p:txBody>
+          <a:bodyPr>
             <a:normAutofit/>
           </a:bodyPr>
           <a:lstStyle/>
           <a:p>
             <a:r>
+              <a:rPr lang="en-US" b="1" dirty="0"/>
+              <a:t>Memory Usage</a:t>
+            </a:r>
+          </a:p>
+          <a:p>
+            <a:r>
               <a:rPr lang="en-US" dirty="0"/>
-              <a:t>At Contoso, we believe in giving 110%. By using our next-generation data architecture, we help organizations virtually manage agile workflows. We thrive because of our market knowledge and great team behind our product. As our CEO says, "Efficiencies will come from proactively transforming how we do business.”</a:t>
-            </a:r>
-          </a:p>
-        </p:txBody>
-      </p:sp>
-      <p:sp>
-        <p:nvSpPr>
-          <p:cNvPr id="6" name="Slide Number Placeholder 5">
-            <a:extLst>
-              <a:ext uri="{FF2B5EF4-FFF2-40B4-BE49-F238E27FC236}">
-                <a16:creationId xmlns:a16="http://schemas.microsoft.com/office/drawing/2014/main" id="{BAEFF51B-0E28-4171-AE7C-A31AAB42BC73}"/>
+              <a:t>Large datasets can demand significant memory resources.</a:t>
+            </a:r>
+          </a:p>
+          <a:p>
+            <a:r>
+              <a:rPr lang="en-US" dirty="0"/>
+              <a:t>Some algorithms may struggle or fail to execute on machines with insufficient RAM.</a:t>
+            </a:r>
+          </a:p>
+        </p:txBody>
+      </p:sp>
+      <p:sp>
+        <p:nvSpPr>
+          <p:cNvPr id="6" name="Content Placeholder 5">
+            <a:extLst>
+              <a:ext uri="{FF2B5EF4-FFF2-40B4-BE49-F238E27FC236}">
+                <a16:creationId xmlns:a16="http://schemas.microsoft.com/office/drawing/2014/main" id="{3ED3951E-8DE6-4BA9-B9BA-CFCDF432226C}"/>
+              </a:ext>
+            </a:extLst>
+          </p:cNvPr>
+          <p:cNvSpPr>
+            <a:spLocks noGrp="1"/>
+          </p:cNvSpPr>
+          <p:nvPr>
+            <p:ph sz="quarter" idx="4"/>
+          </p:nvPr>
+        </p:nvSpPr>
+        <p:spPr>
+          <a:xfrm>
+            <a:off x="3571132" y="3715173"/>
+            <a:ext cx="2342205" cy="2250650"/>
+          </a:xfrm>
+        </p:spPr>
+        <p:txBody>
+          <a:bodyPr>
+            <a:normAutofit/>
+          </a:bodyPr>
+          <a:lstStyle/>
+          <a:p>
+            <a:r>
+              <a:rPr lang="en-US" b="1" dirty="0"/>
+              <a:t>Computational Time</a:t>
+            </a:r>
+          </a:p>
+          <a:p>
+            <a:r>
+              <a:rPr lang="en-US" dirty="0"/>
+              <a:t>Processing large amounts of data can be time-consuming.</a:t>
+            </a:r>
+          </a:p>
+          <a:p>
+            <a:r>
+              <a:rPr lang="en-US" dirty="0"/>
+              <a:t>Some algorithms might be computationally expensive and impractical for large datasets.</a:t>
+            </a:r>
+          </a:p>
+        </p:txBody>
+      </p:sp>
+      <p:sp>
+        <p:nvSpPr>
+          <p:cNvPr id="11" name="Content Placeholder 10">
+            <a:extLst>
+              <a:ext uri="{FF2B5EF4-FFF2-40B4-BE49-F238E27FC236}">
+                <a16:creationId xmlns:a16="http://schemas.microsoft.com/office/drawing/2014/main" id="{345C82A0-3F56-47BD-9FB2-6B56DA715F93}"/>
+              </a:ext>
+            </a:extLst>
+          </p:cNvPr>
+          <p:cNvSpPr>
+            <a:spLocks noGrp="1"/>
+          </p:cNvSpPr>
+          <p:nvPr>
+            <p:ph sz="half" idx="14"/>
+          </p:nvPr>
+        </p:nvSpPr>
+        <p:spPr>
+          <a:xfrm>
+            <a:off x="6298608" y="3715173"/>
+            <a:ext cx="2330726" cy="2250650"/>
+          </a:xfrm>
+        </p:spPr>
+        <p:txBody>
+          <a:bodyPr>
+            <a:normAutofit/>
+          </a:bodyPr>
+          <a:lstStyle/>
+          <a:p>
+            <a:r>
+              <a:rPr lang="en-US" b="1" noProof="1"/>
+              <a:t>Storage and Retrieval</a:t>
+            </a:r>
+          </a:p>
+          <a:p>
+            <a:r>
+              <a:rPr lang="en-US" noProof="1"/>
+              <a:t>Storing large datasets can be challenging, especially if frequent backups are needed.</a:t>
+            </a:r>
+          </a:p>
+          <a:p>
+            <a:r>
+              <a:rPr lang="en-US" noProof="1"/>
+              <a:t>Accessing specific subsets of data from large datasets might become slow.</a:t>
+            </a:r>
+          </a:p>
+        </p:txBody>
+      </p:sp>
+      <p:sp>
+        <p:nvSpPr>
+          <p:cNvPr id="13" name="Content Placeholder 12">
+            <a:extLst>
+              <a:ext uri="{FF2B5EF4-FFF2-40B4-BE49-F238E27FC236}">
+                <a16:creationId xmlns:a16="http://schemas.microsoft.com/office/drawing/2014/main" id="{69F9DEC9-77BC-482D-ACFB-0F2B6DC65F9F}"/>
+              </a:ext>
+            </a:extLst>
+          </p:cNvPr>
+          <p:cNvSpPr>
+            <a:spLocks noGrp="1"/>
+          </p:cNvSpPr>
+          <p:nvPr>
+            <p:ph sz="half" idx="16"/>
+          </p:nvPr>
+        </p:nvSpPr>
+        <p:spPr>
+          <a:xfrm>
+            <a:off x="9023074" y="3715173"/>
+            <a:ext cx="2330726" cy="2250650"/>
+          </a:xfrm>
+        </p:spPr>
+        <p:txBody>
+          <a:bodyPr>
+            <a:normAutofit/>
+          </a:bodyPr>
+          <a:lstStyle/>
+          <a:p>
+            <a:r>
+              <a:rPr lang="en-US" b="1" dirty="0"/>
+              <a:t>Real–Time Processing</a:t>
+            </a:r>
+          </a:p>
+          <a:p>
+            <a:r>
+              <a:rPr lang="en-US" dirty="0"/>
+              <a:t>For applications requiring real–time predictions, handling large datasets in real–time can be a significant challenge</a:t>
+            </a:r>
+          </a:p>
+        </p:txBody>
+      </p:sp>
+      <p:sp>
+        <p:nvSpPr>
+          <p:cNvPr id="9" name="Slide Number Placeholder 8">
+            <a:extLst>
+              <a:ext uri="{FF2B5EF4-FFF2-40B4-BE49-F238E27FC236}">
+                <a16:creationId xmlns:a16="http://schemas.microsoft.com/office/drawing/2014/main" id="{9BFC0B64-8F13-426F-B6C5-9C9427ACAD7E}"/>
               </a:ext>
             </a:extLst>
           </p:cNvPr>
@@ -22851,10 +21425,39 @@
           </a:p>
         </p:txBody>
       </p:sp>
+      <p:pic>
+        <p:nvPicPr>
+          <p:cNvPr id="33" name="Content Placeholder 32">
+            <a:extLst>
+              <a:ext uri="{FF2B5EF4-FFF2-40B4-BE49-F238E27FC236}">
+                <a16:creationId xmlns:a16="http://schemas.microsoft.com/office/drawing/2014/main" id="{6CAC0C91-59AE-1FE8-7365-F1392E1ECA38}"/>
+              </a:ext>
+            </a:extLst>
+          </p:cNvPr>
+          <p:cNvPicPr>
+            <a:picLocks noGrp="1" noChangeAspect="1"/>
+          </p:cNvPicPr>
+          <p:nvPr>
+            <p:ph sz="quarter" idx="21"/>
+          </p:nvPr>
+        </p:nvPicPr>
+        <p:blipFill>
+          <a:blip r:embed="rId2"/>
+          <a:stretch>
+            <a:fillRect/>
+          </a:stretch>
+        </p:blipFill>
+        <p:spPr>
+          <a:xfrm>
+            <a:off x="2136758" y="2435147"/>
+            <a:ext cx="8323701" cy="707681"/>
+          </a:xfrm>
+        </p:spPr>
+      </p:pic>
     </p:spTree>
     <p:extLst>
       <p:ext uri="{BB962C8B-B14F-4D97-AF65-F5344CB8AC3E}">
-        <p14:creationId xmlns:p14="http://schemas.microsoft.com/office/powerpoint/2010/main" val="920173932"/>
+        <p14:creationId xmlns:p14="http://schemas.microsoft.com/office/powerpoint/2010/main" val="1177824853"/>
       </p:ext>
     </p:extLst>
   </p:cSld>
@@ -22886,93 +21489,421 @@
           <p:cNvPr id="2" name="Title 1">
             <a:extLst>
               <a:ext uri="{FF2B5EF4-FFF2-40B4-BE49-F238E27FC236}">
-                <a16:creationId xmlns:a16="http://schemas.microsoft.com/office/drawing/2014/main" id="{BCCAEE93-8585-46D4-A7EC-F184E317CB2E}"/>
-              </a:ext>
-            </a:extLst>
-          </p:cNvPr>
-          <p:cNvSpPr>
-            <a:spLocks noGrp="1"/>
-          </p:cNvSpPr>
-          <p:nvPr>
-            <p:ph type="ctrTitle"/>
-          </p:nvPr>
-        </p:nvSpPr>
-        <p:spPr>
-          <a:xfrm>
-            <a:off x="4267200" y="1615736"/>
-            <a:ext cx="4179570" cy="1524735"/>
-          </a:xfrm>
-        </p:spPr>
+                <a16:creationId xmlns:a16="http://schemas.microsoft.com/office/drawing/2014/main" id="{245014CE-66BB-E939-40CD-56ACB9CC4973}"/>
+              </a:ext>
+            </a:extLst>
+          </p:cNvPr>
+          <p:cNvSpPr>
+            <a:spLocks noGrp="1"/>
+          </p:cNvSpPr>
+          <p:nvPr>
+            <p:ph type="title"/>
+          </p:nvPr>
+        </p:nvSpPr>
+        <p:spPr/>
         <p:txBody>
           <a:bodyPr/>
           <a:lstStyle/>
           <a:p>
             <a:r>
               <a:rPr lang="en-US" dirty="0"/>
-              <a:t>THANK YOU</a:t>
-            </a:r>
-          </a:p>
-        </p:txBody>
-      </p:sp>
-      <p:sp>
-        <p:nvSpPr>
-          <p:cNvPr id="3" name="Content Placeholder 2">
-            <a:extLst>
-              <a:ext uri="{FF2B5EF4-FFF2-40B4-BE49-F238E27FC236}">
-                <a16:creationId xmlns:a16="http://schemas.microsoft.com/office/drawing/2014/main" id="{24AFFC60-19C3-4901-93F7-7AAF4C09F8C6}"/>
-              </a:ext>
-            </a:extLst>
-          </p:cNvPr>
-          <p:cNvSpPr>
-            <a:spLocks noGrp="1"/>
-          </p:cNvSpPr>
-          <p:nvPr>
-            <p:ph type="subTitle" idx="1"/>
-          </p:nvPr>
-        </p:nvSpPr>
-        <p:spPr>
-          <a:xfrm>
-            <a:off x="4267200" y="3238103"/>
-            <a:ext cx="4179570" cy="2004161"/>
+              <a:t>Solution </a:t>
+            </a:r>
+            <a:endParaRPr lang="en-IN" dirty="0"/>
+          </a:p>
+        </p:txBody>
+      </p:sp>
+      <p:pic>
+        <p:nvPicPr>
+          <p:cNvPr id="11" name="Content Placeholder 10">
+            <a:extLst>
+              <a:ext uri="{FF2B5EF4-FFF2-40B4-BE49-F238E27FC236}">
+                <a16:creationId xmlns:a16="http://schemas.microsoft.com/office/drawing/2014/main" id="{36792CB2-4C62-9D40-C569-CEA30D28613E}"/>
+              </a:ext>
+            </a:extLst>
+          </p:cNvPr>
+          <p:cNvPicPr>
+            <a:picLocks noGrp="1" noChangeAspect="1"/>
+          </p:cNvPicPr>
+          <p:nvPr>
+            <p:ph sz="half" idx="2"/>
+          </p:nvPr>
+        </p:nvPicPr>
+        <p:blipFill>
+          <a:blip r:embed="rId2"/>
+          <a:stretch>
+            <a:fillRect/>
+          </a:stretch>
+        </p:blipFill>
+        <p:spPr>
+          <a:xfrm>
+            <a:off x="2368920" y="4408457"/>
+            <a:ext cx="7454157" cy="699323"/>
+          </a:xfrm>
+        </p:spPr>
+      </p:pic>
+      <p:sp>
+        <p:nvSpPr>
+          <p:cNvPr id="6" name="Content Placeholder 5">
+            <a:extLst>
+              <a:ext uri="{FF2B5EF4-FFF2-40B4-BE49-F238E27FC236}">
+                <a16:creationId xmlns:a16="http://schemas.microsoft.com/office/drawing/2014/main" id="{AC4DF9FF-4539-151A-3F0D-CE704DBA9E23}"/>
+              </a:ext>
+            </a:extLst>
+          </p:cNvPr>
+          <p:cNvSpPr>
+            <a:spLocks noGrp="1"/>
+          </p:cNvSpPr>
+          <p:nvPr>
+            <p:ph sz="quarter" idx="4"/>
+          </p:nvPr>
+        </p:nvSpPr>
+        <p:spPr>
+          <a:xfrm>
+            <a:off x="1243104" y="2226470"/>
+            <a:ext cx="9705791" cy="1466055"/>
           </a:xfrm>
         </p:spPr>
         <p:txBody>
           <a:bodyPr>
+            <a:normAutofit lnSpcReduction="10000"/>
+          </a:bodyPr>
+          <a:lstStyle/>
+          <a:p>
+            <a:r>
+              <a:rPr lang="en-US" dirty="0"/>
+              <a:t>I employed trail and error method for feature selection. Recognizing the impact of certain features on the efficiency of the dataset, removed variables to gauge their influence on the overall performance. Through this iterative process, I successfully identified and eliminated features that contributed minimal values or introduced noise to dataset.</a:t>
+            </a:r>
+          </a:p>
+          <a:p>
+            <a:r>
+              <a:rPr lang="en-US" dirty="0"/>
+              <a:t>This approach made my models more efficient considering storage and time. This drop storage from 64 MB to 24 MB reducing it to around 62.5%. </a:t>
+            </a:r>
+            <a:endParaRPr lang="en-IN" dirty="0"/>
+          </a:p>
+        </p:txBody>
+      </p:sp>
+      <p:sp>
+        <p:nvSpPr>
+          <p:cNvPr id="9" name="Slide Number Placeholder 8">
+            <a:extLst>
+              <a:ext uri="{FF2B5EF4-FFF2-40B4-BE49-F238E27FC236}">
+                <a16:creationId xmlns:a16="http://schemas.microsoft.com/office/drawing/2014/main" id="{0836EC42-1E92-0729-EB7C-4E233B32004C}"/>
+              </a:ext>
+            </a:extLst>
+          </p:cNvPr>
+          <p:cNvSpPr>
+            <a:spLocks noGrp="1"/>
+          </p:cNvSpPr>
+          <p:nvPr>
+            <p:ph type="sldNum" sz="quarter" idx="12"/>
+          </p:nvPr>
+        </p:nvSpPr>
+        <p:spPr/>
+        <p:txBody>
+          <a:bodyPr/>
+          <a:lstStyle/>
+          <a:p>
+            <a:fld id="{B5CEABB6-07DC-46E8-9B57-56EC44A396E5}" type="slidenum">
+              <a:rPr lang="en-US" smtClean="0"/>
+              <a:t>26</a:t>
+            </a:fld>
+            <a:endParaRPr lang="en-US" dirty="0"/>
+          </a:p>
+        </p:txBody>
+      </p:sp>
+    </p:spTree>
+    <p:extLst>
+      <p:ext uri="{BB962C8B-B14F-4D97-AF65-F5344CB8AC3E}">
+        <p14:creationId xmlns:p14="http://schemas.microsoft.com/office/powerpoint/2010/main" val="2170814249"/>
+      </p:ext>
+    </p:extLst>
+  </p:cSld>
+  <p:clrMapOvr>
+    <a:masterClrMapping/>
+  </p:clrMapOvr>
+</p:sld>
+</file>
+
+<file path=ppt/slides/slide27.xml><?xml version="1.0" encoding="utf-8"?>
+<p:sld xmlns:a="http://schemas.openxmlformats.org/drawingml/2006/main" xmlns:r="http://schemas.openxmlformats.org/officeDocument/2006/relationships" xmlns:p="http://schemas.openxmlformats.org/presentationml/2006/main">
+  <p:cSld>
+    <p:spTree>
+      <p:nvGrpSpPr>
+        <p:cNvPr id="1" name=""/>
+        <p:cNvGrpSpPr/>
+        <p:nvPr/>
+      </p:nvGrpSpPr>
+      <p:grpSpPr>
+        <a:xfrm>
+          <a:off x="0" y="0"/>
+          <a:ext cx="0" cy="0"/>
+          <a:chOff x="0" y="0"/>
+          <a:chExt cx="0" cy="0"/>
+        </a:xfrm>
+      </p:grpSpPr>
+      <p:sp>
+        <p:nvSpPr>
+          <p:cNvPr id="2" name="Title 1">
+            <a:extLst>
+              <a:ext uri="{FF2B5EF4-FFF2-40B4-BE49-F238E27FC236}">
+                <a16:creationId xmlns:a16="http://schemas.microsoft.com/office/drawing/2014/main" id="{1A47FBC9-48D3-FEBD-9FC8-246BB10CB0DA}"/>
+              </a:ext>
+            </a:extLst>
+          </p:cNvPr>
+          <p:cNvSpPr>
+            <a:spLocks noGrp="1"/>
+          </p:cNvSpPr>
+          <p:nvPr>
+            <p:ph type="title"/>
+          </p:nvPr>
+        </p:nvSpPr>
+        <p:spPr>
+          <a:xfrm>
+            <a:off x="2932112" y="1631963"/>
+            <a:ext cx="8156058" cy="962023"/>
+          </a:xfrm>
+        </p:spPr>
+        <p:txBody>
+          <a:bodyPr/>
+          <a:lstStyle/>
+          <a:p>
+            <a:pPr algn="ctr"/>
+            <a:r>
+              <a:rPr lang="en-US" dirty="0"/>
+              <a:t>Test accuracy for updated data</a:t>
+            </a:r>
+            <a:endParaRPr lang="en-IN" dirty="0"/>
+          </a:p>
+        </p:txBody>
+      </p:sp>
+      <p:sp>
+        <p:nvSpPr>
+          <p:cNvPr id="3" name="Text Placeholder 2">
+            <a:extLst>
+              <a:ext uri="{FF2B5EF4-FFF2-40B4-BE49-F238E27FC236}">
+                <a16:creationId xmlns:a16="http://schemas.microsoft.com/office/drawing/2014/main" id="{DB5F4A26-ED4D-3644-B3DF-DCBAF425BF61}"/>
+              </a:ext>
+            </a:extLst>
+          </p:cNvPr>
+          <p:cNvSpPr>
+            <a:spLocks noGrp="1"/>
+          </p:cNvSpPr>
+          <p:nvPr>
+            <p:ph type="body" idx="1"/>
+          </p:nvPr>
+        </p:nvSpPr>
+        <p:spPr>
+          <a:xfrm>
+            <a:off x="2933700" y="5226037"/>
+            <a:ext cx="3924300" cy="823912"/>
+          </a:xfrm>
+        </p:spPr>
+        <p:txBody>
+          <a:bodyPr/>
+          <a:lstStyle/>
+          <a:p>
+            <a:pPr algn="ctr"/>
+            <a:r>
+              <a:rPr lang="en-US" dirty="0"/>
+              <a:t>Bar Chart</a:t>
+            </a:r>
+            <a:endParaRPr lang="en-IN" dirty="0"/>
+          </a:p>
+        </p:txBody>
+      </p:sp>
+      <p:pic>
+        <p:nvPicPr>
+          <p:cNvPr id="9" name="Content Placeholder 8">
+            <a:extLst>
+              <a:ext uri="{FF2B5EF4-FFF2-40B4-BE49-F238E27FC236}">
+                <a16:creationId xmlns:a16="http://schemas.microsoft.com/office/drawing/2014/main" id="{F5C7F26D-DE5D-3CA9-0AC7-72DDE0693892}"/>
+              </a:ext>
+            </a:extLst>
+          </p:cNvPr>
+          <p:cNvPicPr>
+            <a:picLocks noGrp="1" noChangeAspect="1"/>
+          </p:cNvPicPr>
+          <p:nvPr>
+            <p:ph sz="half" idx="2"/>
+          </p:nvPr>
+        </p:nvPicPr>
+        <p:blipFill>
+          <a:blip r:embed="rId2"/>
+          <a:srcRect/>
+          <a:stretch/>
+        </p:blipFill>
+        <p:spPr>
+          <a:xfrm>
+            <a:off x="2933700" y="2776936"/>
+            <a:ext cx="3924299" cy="2421852"/>
+          </a:xfrm>
+        </p:spPr>
+      </p:pic>
+      <p:sp>
+        <p:nvSpPr>
+          <p:cNvPr id="5" name="Text Placeholder 4">
+            <a:extLst>
+              <a:ext uri="{FF2B5EF4-FFF2-40B4-BE49-F238E27FC236}">
+                <a16:creationId xmlns:a16="http://schemas.microsoft.com/office/drawing/2014/main" id="{6B895024-500A-80E8-33C9-BF9A849937D6}"/>
+              </a:ext>
+            </a:extLst>
+          </p:cNvPr>
+          <p:cNvSpPr>
+            <a:spLocks noGrp="1"/>
+          </p:cNvSpPr>
+          <p:nvPr>
+            <p:ph type="body" sz="quarter" idx="3"/>
+          </p:nvPr>
+        </p:nvSpPr>
+        <p:spPr>
+          <a:xfrm>
+            <a:off x="7144544" y="5226037"/>
+            <a:ext cx="3943627" cy="823912"/>
+          </a:xfrm>
+        </p:spPr>
+        <p:txBody>
+          <a:bodyPr/>
+          <a:lstStyle/>
+          <a:p>
+            <a:pPr algn="ctr"/>
+            <a:r>
+              <a:rPr lang="en-US" dirty="0"/>
+              <a:t>Scatter Plot</a:t>
+            </a:r>
+            <a:endParaRPr lang="en-IN" dirty="0"/>
+          </a:p>
+        </p:txBody>
+      </p:sp>
+      <p:pic>
+        <p:nvPicPr>
+          <p:cNvPr id="11" name="Content Placeholder 10">
+            <a:extLst>
+              <a:ext uri="{FF2B5EF4-FFF2-40B4-BE49-F238E27FC236}">
+                <a16:creationId xmlns:a16="http://schemas.microsoft.com/office/drawing/2014/main" id="{7BC39E65-ED21-94FF-ED2E-26D7296F4D3A}"/>
+              </a:ext>
+            </a:extLst>
+          </p:cNvPr>
+          <p:cNvPicPr>
+            <a:picLocks noGrp="1" noChangeAspect="1"/>
+          </p:cNvPicPr>
+          <p:nvPr>
+            <p:ph sz="quarter" idx="4"/>
+          </p:nvPr>
+        </p:nvPicPr>
+        <p:blipFill>
+          <a:blip r:embed="rId3"/>
+          <a:srcRect/>
+          <a:stretch/>
+        </p:blipFill>
+        <p:spPr>
+          <a:xfrm>
+            <a:off x="7144544" y="2792256"/>
+            <a:ext cx="3943626" cy="2433781"/>
+          </a:xfrm>
+        </p:spPr>
+      </p:pic>
+      <p:sp>
+        <p:nvSpPr>
+          <p:cNvPr id="7" name="Slide Number Placeholder 6">
+            <a:extLst>
+              <a:ext uri="{FF2B5EF4-FFF2-40B4-BE49-F238E27FC236}">
+                <a16:creationId xmlns:a16="http://schemas.microsoft.com/office/drawing/2014/main" id="{C2DC2508-55B6-9BBF-BBFC-51DC5A5CB9F9}"/>
+              </a:ext>
+            </a:extLst>
+          </p:cNvPr>
+          <p:cNvSpPr>
+            <a:spLocks noGrp="1"/>
+          </p:cNvSpPr>
+          <p:nvPr>
+            <p:ph type="sldNum" sz="quarter" idx="12"/>
+          </p:nvPr>
+        </p:nvSpPr>
+        <p:spPr/>
+        <p:txBody>
+          <a:bodyPr/>
+          <a:lstStyle/>
+          <a:p>
+            <a:fld id="{B5CEABB6-07DC-46E8-9B57-56EC44A396E5}" type="slidenum">
+              <a:rPr lang="en-US" smtClean="0"/>
+              <a:t>27</a:t>
+            </a:fld>
+            <a:endParaRPr lang="en-US" dirty="0"/>
+          </a:p>
+        </p:txBody>
+      </p:sp>
+    </p:spTree>
+    <p:extLst>
+      <p:ext uri="{BB962C8B-B14F-4D97-AF65-F5344CB8AC3E}">
+        <p14:creationId xmlns:p14="http://schemas.microsoft.com/office/powerpoint/2010/main" val="4035380318"/>
+      </p:ext>
+    </p:extLst>
+  </p:cSld>
+  <p:clrMapOvr>
+    <a:masterClrMapping/>
+  </p:clrMapOvr>
+</p:sld>
+</file>
+
+<file path=ppt/slides/slide28.xml><?xml version="1.0" encoding="utf-8"?>
+<p:sld xmlns:a="http://schemas.openxmlformats.org/drawingml/2006/main" xmlns:r="http://schemas.openxmlformats.org/officeDocument/2006/relationships" xmlns:p="http://schemas.openxmlformats.org/presentationml/2006/main">
+  <p:cSld>
+    <p:spTree>
+      <p:nvGrpSpPr>
+        <p:cNvPr id="1" name=""/>
+        <p:cNvGrpSpPr/>
+        <p:nvPr/>
+      </p:nvGrpSpPr>
+      <p:grpSpPr>
+        <a:xfrm>
+          <a:off x="0" y="0"/>
+          <a:ext cx="0" cy="0"/>
+          <a:chOff x="0" y="0"/>
+          <a:chExt cx="0" cy="0"/>
+        </a:xfrm>
+      </p:grpSpPr>
+      <p:sp>
+        <p:nvSpPr>
+          <p:cNvPr id="11" name="Title 10">
+            <a:extLst>
+              <a:ext uri="{FF2B5EF4-FFF2-40B4-BE49-F238E27FC236}">
+                <a16:creationId xmlns:a16="http://schemas.microsoft.com/office/drawing/2014/main" id="{B1B29E87-9C2C-400B-834D-4E4BD6E944D0}"/>
+              </a:ext>
+            </a:extLst>
+          </p:cNvPr>
+          <p:cNvSpPr>
+            <a:spLocks noGrp="1"/>
+          </p:cNvSpPr>
+          <p:nvPr>
+            <p:ph type="title"/>
+          </p:nvPr>
+        </p:nvSpPr>
+        <p:spPr>
+          <a:xfrm>
+            <a:off x="838200" y="365125"/>
+            <a:ext cx="10515600" cy="1325563"/>
+          </a:xfrm>
+        </p:spPr>
+        <p:txBody>
+          <a:bodyPr anchor="ctr">
             <a:normAutofit/>
           </a:bodyPr>
           <a:lstStyle/>
           <a:p>
             <a:r>
               <a:rPr lang="en-US" dirty="0"/>
-              <a:t>Mirjam Nilsson​</a:t>
-            </a:r>
-          </a:p>
-          <a:p>
-            <a:r>
-              <a:rPr lang="en-US" dirty="0"/>
-              <a:t>206-555-0146</a:t>
-            </a:r>
-          </a:p>
-          <a:p>
-            <a:r>
-              <a:rPr lang="en-US" dirty="0"/>
-              <a:t>mirjam@contoso.com</a:t>
-            </a:r>
-          </a:p>
-          <a:p>
-            <a:r>
-              <a:rPr lang="en-US" dirty="0"/>
-              <a:t>www.contoso.com</a:t>
-            </a:r>
-          </a:p>
-        </p:txBody>
-      </p:sp>
-      <p:sp>
-        <p:nvSpPr>
-          <p:cNvPr id="6" name="Slide Number Placeholder 5">
-            <a:extLst>
-              <a:ext uri="{FF2B5EF4-FFF2-40B4-BE49-F238E27FC236}">
-                <a16:creationId xmlns:a16="http://schemas.microsoft.com/office/drawing/2014/main" id="{5EDCFF82-B70F-4971-9182-7C3AEA3CFD26}"/>
+              <a:t>Sample result Dataset</a:t>
+            </a:r>
+          </a:p>
+        </p:txBody>
+      </p:sp>
+      <p:sp>
+        <p:nvSpPr>
+          <p:cNvPr id="4" name="Slide Number Placeholder 3">
+            <a:extLst>
+              <a:ext uri="{FF2B5EF4-FFF2-40B4-BE49-F238E27FC236}">
+                <a16:creationId xmlns:a16="http://schemas.microsoft.com/office/drawing/2014/main" id="{A8597536-70D1-46C0-A2A2-51A6BB21DB20}"/>
               </a:ext>
             </a:extLst>
           </p:cNvPr>
@@ -22985,8 +21916,8 @@
         </p:nvSpPr>
         <p:spPr>
           <a:xfrm>
-            <a:off x="9579428" y="6356350"/>
-            <a:ext cx="1774371" cy="365125"/>
+            <a:off x="8610600" y="6356350"/>
+            <a:ext cx="2743200" cy="365125"/>
           </a:xfrm>
         </p:spPr>
         <p:txBody>
@@ -22996,16 +21927,2478 @@
             <a:fld id="{B5CEABB6-07DC-46E8-9B57-56EC44A396E5}" type="slidenum">
               <a:rPr lang="en-US" smtClean="0"/>
               <a:pPr/>
-              <a:t>26</a:t>
+              <a:t>28</a:t>
             </a:fld>
             <a:endParaRPr lang="en-US" dirty="0"/>
           </a:p>
         </p:txBody>
       </p:sp>
+      <p:graphicFrame>
+        <p:nvGraphicFramePr>
+          <p:cNvPr id="17" name="Table 9">
+            <a:extLst>
+              <a:ext uri="{FF2B5EF4-FFF2-40B4-BE49-F238E27FC236}">
+                <a16:creationId xmlns:a16="http://schemas.microsoft.com/office/drawing/2014/main" id="{D6E90A56-AF21-45DC-A08C-27875260C7CB}"/>
+              </a:ext>
+            </a:extLst>
+          </p:cNvPr>
+          <p:cNvGraphicFramePr>
+            <a:graphicFrameLocks noGrp="1"/>
+          </p:cNvGraphicFramePr>
+          <p:nvPr>
+            <p:ph sz="quarter" idx="16"/>
+            <p:extLst>
+              <p:ext uri="{D42A27DB-BD31-4B8C-83A1-F6EECF244321}">
+                <p14:modId xmlns:p14="http://schemas.microsoft.com/office/powerpoint/2010/main" val="257714534"/>
+              </p:ext>
+            </p:extLst>
+          </p:nvPr>
+        </p:nvGraphicFramePr>
+        <p:xfrm>
+          <a:off x="838200" y="1825625"/>
+          <a:ext cx="9348955" cy="3138102"/>
+        </p:xfrm>
+        <a:graphic>
+          <a:graphicData uri="http://schemas.openxmlformats.org/drawingml/2006/table">
+            <a:tbl>
+              <a:tblPr firstRow="1" bandRow="1">
+                <a:tableStyleId>{5C22544A-7EE6-4342-B048-85BDC9FD1C3A}</a:tableStyleId>
+              </a:tblPr>
+              <a:tblGrid>
+                <a:gridCol w="1447800">
+                  <a:extLst>
+                    <a:ext uri="{9D8B030D-6E8A-4147-A177-3AD203B41FA5}">
+                      <a16:colId xmlns:a16="http://schemas.microsoft.com/office/drawing/2014/main" val="3446012419"/>
+                    </a:ext>
+                  </a:extLst>
+                </a:gridCol>
+                <a:gridCol w="3412067">
+                  <a:extLst>
+                    <a:ext uri="{9D8B030D-6E8A-4147-A177-3AD203B41FA5}">
+                      <a16:colId xmlns:a16="http://schemas.microsoft.com/office/drawing/2014/main" val="4052646397"/>
+                    </a:ext>
+                  </a:extLst>
+                </a:gridCol>
+                <a:gridCol w="2211297">
+                  <a:extLst>
+                    <a:ext uri="{9D8B030D-6E8A-4147-A177-3AD203B41FA5}">
+                      <a16:colId xmlns:a16="http://schemas.microsoft.com/office/drawing/2014/main" val="1935352797"/>
+                    </a:ext>
+                  </a:extLst>
+                </a:gridCol>
+                <a:gridCol w="2277791">
+                  <a:extLst>
+                    <a:ext uri="{9D8B030D-6E8A-4147-A177-3AD203B41FA5}">
+                      <a16:colId xmlns:a16="http://schemas.microsoft.com/office/drawing/2014/main" val="1218263486"/>
+                    </a:ext>
+                  </a:extLst>
+                </a:gridCol>
+              </a:tblGrid>
+              <a:tr h="291042">
+                <a:tc>
+                  <a:txBody>
+                    <a:bodyPr/>
+                    <a:lstStyle/>
+                    <a:p>
+                      <a:pPr algn="l" fontAlgn="b"/>
+                      <a:r>
+                        <a:rPr lang="en-US" sz="1200" b="0" i="0" u="none" strike="noStrike" dirty="0" err="1">
+                          <a:solidFill>
+                            <a:schemeClr val="tx1">
+                              <a:lumMod val="75000"/>
+                              <a:lumOff val="25000"/>
+                            </a:schemeClr>
+                          </a:solidFill>
+                          <a:effectLst/>
+                          <a:latin typeface="+mn-lt"/>
+                        </a:rPr>
+                        <a:t>Dataset_Number</a:t>
+                      </a:r>
+                      <a:endParaRPr lang="en-US" sz="1200" b="0" i="0" u="none" strike="noStrike" dirty="0">
+                        <a:solidFill>
+                          <a:schemeClr val="tx1">
+                            <a:lumMod val="75000"/>
+                            <a:lumOff val="25000"/>
+                          </a:schemeClr>
+                        </a:solidFill>
+                        <a:effectLst/>
+                        <a:latin typeface="+mn-lt"/>
+                      </a:endParaRPr>
+                    </a:p>
+                  </a:txBody>
+                  <a:tcPr marL="240191" marR="76261" marT="38130" marB="38130" anchor="ctr">
+                    <a:lnL w="12700" cmpd="sng">
+                      <a:noFill/>
+                    </a:lnL>
+                    <a:lnR w="12700" cmpd="sng">
+                      <a:noFill/>
+                    </a:lnR>
+                    <a:lnT w="12700" cmpd="sng">
+                      <a:noFill/>
+                    </a:lnT>
+                    <a:lnB w="38100" cmpd="sng">
+                      <a:noFill/>
+                    </a:lnB>
+                    <a:lnTlToBr w="12700" cmpd="sng">
+                      <a:noFill/>
+                      <a:prstDash val="solid"/>
+                    </a:lnTlToBr>
+                    <a:lnBlToTr w="12700" cmpd="sng">
+                      <a:noFill/>
+                      <a:prstDash val="solid"/>
+                    </a:lnBlToTr>
+                    <a:solidFill>
+                      <a:schemeClr val="accent1">
+                        <a:lumMod val="75000"/>
+                      </a:schemeClr>
+                    </a:solidFill>
+                  </a:tcPr>
+                </a:tc>
+                <a:tc>
+                  <a:txBody>
+                    <a:bodyPr/>
+                    <a:lstStyle/>
+                    <a:p>
+                      <a:pPr algn="r" fontAlgn="b"/>
+                      <a:r>
+                        <a:rPr lang="en-US" sz="1200" b="1" i="0" u="none" strike="noStrike" dirty="0">
+                          <a:solidFill>
+                            <a:schemeClr val="tx1">
+                              <a:lumMod val="75000"/>
+                              <a:lumOff val="25000"/>
+                            </a:schemeClr>
+                          </a:solidFill>
+                          <a:effectLst/>
+                          <a:latin typeface="+mn-lt"/>
+                        </a:rPr>
+                        <a:t>Model</a:t>
+                      </a:r>
+                    </a:p>
+                  </a:txBody>
+                  <a:tcPr marL="76261" marR="76261" marT="38130" marB="38130" anchor="ctr">
+                    <a:lnL w="12700" cmpd="sng">
+                      <a:noFill/>
+                    </a:lnL>
+                    <a:lnR w="12700" cmpd="sng">
+                      <a:noFill/>
+                    </a:lnR>
+                    <a:lnT w="12700" cmpd="sng">
+                      <a:noFill/>
+                    </a:lnT>
+                    <a:lnB w="38100" cmpd="sng">
+                      <a:noFill/>
+                    </a:lnB>
+                    <a:lnTlToBr w="12700" cmpd="sng">
+                      <a:noFill/>
+                      <a:prstDash val="solid"/>
+                    </a:lnTlToBr>
+                    <a:lnBlToTr w="12700" cmpd="sng">
+                      <a:noFill/>
+                      <a:prstDash val="solid"/>
+                    </a:lnBlToTr>
+                    <a:solidFill>
+                      <a:schemeClr val="accent1">
+                        <a:lumMod val="75000"/>
+                      </a:schemeClr>
+                    </a:solidFill>
+                  </a:tcPr>
+                </a:tc>
+                <a:tc>
+                  <a:txBody>
+                    <a:bodyPr/>
+                    <a:lstStyle/>
+                    <a:p>
+                      <a:pPr algn="r" fontAlgn="b"/>
+                      <a:r>
+                        <a:rPr lang="en-US" sz="1200" b="1" i="0" u="none" strike="noStrike" dirty="0" err="1">
+                          <a:solidFill>
+                            <a:schemeClr val="tx1">
+                              <a:lumMod val="75000"/>
+                              <a:lumOff val="25000"/>
+                            </a:schemeClr>
+                          </a:solidFill>
+                          <a:effectLst/>
+                          <a:latin typeface="+mn-lt"/>
+                        </a:rPr>
+                        <a:t>Train_Accuracy</a:t>
+                      </a:r>
+                      <a:endParaRPr lang="en-US" sz="1200" b="1" i="0" u="none" strike="noStrike" dirty="0">
+                        <a:solidFill>
+                          <a:schemeClr val="tx1">
+                            <a:lumMod val="75000"/>
+                            <a:lumOff val="25000"/>
+                          </a:schemeClr>
+                        </a:solidFill>
+                        <a:effectLst/>
+                        <a:latin typeface="+mn-lt"/>
+                      </a:endParaRPr>
+                    </a:p>
+                  </a:txBody>
+                  <a:tcPr marL="76261" marR="76261" marT="38130" marB="38130" anchor="ctr">
+                    <a:lnL w="12700" cmpd="sng">
+                      <a:noFill/>
+                    </a:lnL>
+                    <a:lnR w="12700" cmpd="sng">
+                      <a:noFill/>
+                    </a:lnR>
+                    <a:lnT w="12700" cmpd="sng">
+                      <a:noFill/>
+                    </a:lnT>
+                    <a:lnB w="38100" cmpd="sng">
+                      <a:noFill/>
+                    </a:lnB>
+                    <a:lnTlToBr w="12700" cmpd="sng">
+                      <a:noFill/>
+                      <a:prstDash val="solid"/>
+                    </a:lnTlToBr>
+                    <a:lnBlToTr w="12700" cmpd="sng">
+                      <a:noFill/>
+                      <a:prstDash val="solid"/>
+                    </a:lnBlToTr>
+                    <a:solidFill>
+                      <a:schemeClr val="accent1">
+                        <a:lumMod val="75000"/>
+                      </a:schemeClr>
+                    </a:solidFill>
+                  </a:tcPr>
+                </a:tc>
+                <a:tc>
+                  <a:txBody>
+                    <a:bodyPr/>
+                    <a:lstStyle/>
+                    <a:p>
+                      <a:pPr algn="r" fontAlgn="b"/>
+                      <a:r>
+                        <a:rPr lang="en-US" sz="1200" b="1" i="0" u="none" strike="noStrike" dirty="0" err="1">
+                          <a:solidFill>
+                            <a:schemeClr val="tx1">
+                              <a:lumMod val="75000"/>
+                              <a:lumOff val="25000"/>
+                            </a:schemeClr>
+                          </a:solidFill>
+                          <a:effectLst/>
+                          <a:latin typeface="+mn-lt"/>
+                        </a:rPr>
+                        <a:t>Test_Accuracy</a:t>
+                      </a:r>
+                      <a:endParaRPr lang="en-US" sz="1200" b="1" i="0" u="none" strike="noStrike" dirty="0">
+                        <a:solidFill>
+                          <a:schemeClr val="tx1">
+                            <a:lumMod val="75000"/>
+                            <a:lumOff val="25000"/>
+                          </a:schemeClr>
+                        </a:solidFill>
+                        <a:effectLst/>
+                        <a:latin typeface="+mn-lt"/>
+                      </a:endParaRPr>
+                    </a:p>
+                  </a:txBody>
+                  <a:tcPr marL="76261" marR="76261" marT="38130" marB="38130" anchor="ctr">
+                    <a:lnL w="12700" cmpd="sng">
+                      <a:noFill/>
+                    </a:lnL>
+                    <a:lnR w="12700" cmpd="sng">
+                      <a:noFill/>
+                    </a:lnR>
+                    <a:lnT w="12700" cmpd="sng">
+                      <a:noFill/>
+                    </a:lnT>
+                    <a:lnB w="38100" cmpd="sng">
+                      <a:noFill/>
+                    </a:lnB>
+                    <a:lnTlToBr w="12700" cmpd="sng">
+                      <a:noFill/>
+                      <a:prstDash val="solid"/>
+                    </a:lnTlToBr>
+                    <a:lnBlToTr w="12700" cmpd="sng">
+                      <a:noFill/>
+                      <a:prstDash val="solid"/>
+                    </a:lnBlToTr>
+                    <a:solidFill>
+                      <a:schemeClr val="accent1">
+                        <a:lumMod val="75000"/>
+                      </a:schemeClr>
+                    </a:solidFill>
+                  </a:tcPr>
+                </a:tc>
+                <a:extLst>
+                  <a:ext uri="{0D108BD9-81ED-4DB2-BD59-A6C34878D82A}">
+                    <a16:rowId xmlns:a16="http://schemas.microsoft.com/office/drawing/2014/main" val="4140773105"/>
+                  </a:ext>
+                </a:extLst>
+              </a:tr>
+              <a:tr h="284706">
+                <a:tc>
+                  <a:txBody>
+                    <a:bodyPr/>
+                    <a:lstStyle/>
+                    <a:p>
+                      <a:pPr algn="ctr" fontAlgn="b"/>
+                      <a:r>
+                        <a:rPr lang="en-US" sz="1200" b="0" i="0" u="none" strike="noStrike" dirty="0">
+                          <a:solidFill>
+                            <a:schemeClr val="tx1"/>
+                          </a:solidFill>
+                          <a:effectLst/>
+                          <a:latin typeface="+mn-lt"/>
+                        </a:rPr>
+                        <a:t>            1</a:t>
+                      </a:r>
+                    </a:p>
+                  </a:txBody>
+                  <a:tcPr marL="240191" marR="76261" marT="38130" marB="38130" anchor="ctr">
+                    <a:lnL w="12700" cmpd="sng">
+                      <a:noFill/>
+                    </a:lnL>
+                    <a:lnR w="12700" cmpd="sng">
+                      <a:noFill/>
+                    </a:lnR>
+                    <a:lnT w="38100" cmpd="sng">
+                      <a:noFill/>
+                    </a:lnT>
+                    <a:lnB w="12700" cmpd="sng">
+                      <a:noFill/>
+                    </a:lnB>
+                    <a:lnTlToBr w="12700" cmpd="sng">
+                      <a:noFill/>
+                      <a:prstDash val="solid"/>
+                    </a:lnTlToBr>
+                    <a:lnBlToTr w="12700" cmpd="sng">
+                      <a:noFill/>
+                      <a:prstDash val="solid"/>
+                    </a:lnBlToTr>
+                    <a:noFill/>
+                  </a:tcPr>
+                </a:tc>
+                <a:tc>
+                  <a:txBody>
+                    <a:bodyPr/>
+                    <a:lstStyle/>
+                    <a:p>
+                      <a:pPr algn="r" fontAlgn="b"/>
+                      <a:r>
+                        <a:rPr lang="en-US" sz="1200" b="0" i="0" u="none" strike="noStrike" dirty="0" err="1">
+                          <a:solidFill>
+                            <a:schemeClr val="tx1"/>
+                          </a:solidFill>
+                          <a:effectLst/>
+                          <a:latin typeface="+mn-lt"/>
+                        </a:rPr>
+                        <a:t>Decision_Tree</a:t>
+                      </a:r>
+                      <a:endParaRPr lang="en-US" sz="1200" b="0" i="0" u="none" strike="noStrike" dirty="0">
+                        <a:solidFill>
+                          <a:schemeClr val="tx1"/>
+                        </a:solidFill>
+                        <a:effectLst/>
+                        <a:latin typeface="+mn-lt"/>
+                      </a:endParaRPr>
+                    </a:p>
+                  </a:txBody>
+                  <a:tcPr marL="76261" marR="76261" marT="38130" marB="38130" anchor="ctr">
+                    <a:lnL w="12700" cmpd="sng">
+                      <a:noFill/>
+                    </a:lnL>
+                    <a:lnR w="12700" cmpd="sng">
+                      <a:noFill/>
+                    </a:lnR>
+                    <a:lnT w="38100" cmpd="sng">
+                      <a:noFill/>
+                    </a:lnT>
+                    <a:lnB w="12700" cmpd="sng">
+                      <a:noFill/>
+                    </a:lnB>
+                    <a:lnTlToBr w="12700" cmpd="sng">
+                      <a:noFill/>
+                      <a:prstDash val="solid"/>
+                    </a:lnTlToBr>
+                    <a:lnBlToTr w="12700" cmpd="sng">
+                      <a:noFill/>
+                      <a:prstDash val="solid"/>
+                    </a:lnBlToTr>
+                    <a:noFill/>
+                  </a:tcPr>
+                </a:tc>
+                <a:tc>
+                  <a:txBody>
+                    <a:bodyPr/>
+                    <a:lstStyle/>
+                    <a:p>
+                      <a:pPr algn="r" fontAlgn="b"/>
+                      <a:r>
+                        <a:rPr lang="en-US" sz="1200" b="0" i="0" u="none" strike="noStrike" dirty="0">
+                          <a:solidFill>
+                            <a:schemeClr val="tx1"/>
+                          </a:solidFill>
+                          <a:effectLst/>
+                          <a:latin typeface="+mn-lt"/>
+                        </a:rPr>
+                        <a:t>0.839</a:t>
+                      </a:r>
+                    </a:p>
+                  </a:txBody>
+                  <a:tcPr marL="76261" marR="76261" marT="38130" marB="38130" anchor="ctr">
+                    <a:lnL w="12700" cmpd="sng">
+                      <a:noFill/>
+                    </a:lnL>
+                    <a:lnR w="12700" cmpd="sng">
+                      <a:noFill/>
+                    </a:lnR>
+                    <a:lnT w="38100" cmpd="sng">
+                      <a:noFill/>
+                    </a:lnT>
+                    <a:lnB w="12700" cmpd="sng">
+                      <a:noFill/>
+                    </a:lnB>
+                    <a:lnTlToBr w="12700" cmpd="sng">
+                      <a:noFill/>
+                      <a:prstDash val="solid"/>
+                    </a:lnTlToBr>
+                    <a:lnBlToTr w="12700" cmpd="sng">
+                      <a:noFill/>
+                      <a:prstDash val="solid"/>
+                    </a:lnBlToTr>
+                    <a:noFill/>
+                  </a:tcPr>
+                </a:tc>
+                <a:tc>
+                  <a:txBody>
+                    <a:bodyPr/>
+                    <a:lstStyle/>
+                    <a:p>
+                      <a:pPr algn="r" fontAlgn="b"/>
+                      <a:r>
+                        <a:rPr lang="en-US" sz="1200" b="0" i="0" u="none" strike="noStrike" dirty="0">
+                          <a:solidFill>
+                            <a:schemeClr val="tx1"/>
+                          </a:solidFill>
+                          <a:effectLst/>
+                          <a:latin typeface="+mn-lt"/>
+                        </a:rPr>
+                        <a:t>0.836</a:t>
+                      </a:r>
+                    </a:p>
+                  </a:txBody>
+                  <a:tcPr marL="76261" marR="76261" marT="38130" marB="38130" anchor="ctr">
+                    <a:lnL w="12700" cmpd="sng">
+                      <a:noFill/>
+                    </a:lnL>
+                    <a:lnR w="12700" cmpd="sng">
+                      <a:noFill/>
+                    </a:lnR>
+                    <a:lnT w="38100" cmpd="sng">
+                      <a:noFill/>
+                    </a:lnT>
+                    <a:lnB w="12700" cmpd="sng">
+                      <a:noFill/>
+                    </a:lnB>
+                    <a:lnTlToBr w="12700" cmpd="sng">
+                      <a:noFill/>
+                      <a:prstDash val="solid"/>
+                    </a:lnTlToBr>
+                    <a:lnBlToTr w="12700" cmpd="sng">
+                      <a:noFill/>
+                      <a:prstDash val="solid"/>
+                    </a:lnBlToTr>
+                    <a:noFill/>
+                  </a:tcPr>
+                </a:tc>
+                <a:extLst>
+                  <a:ext uri="{0D108BD9-81ED-4DB2-BD59-A6C34878D82A}">
+                    <a16:rowId xmlns:a16="http://schemas.microsoft.com/office/drawing/2014/main" val="4142911372"/>
+                  </a:ext>
+                </a:extLst>
+              </a:tr>
+              <a:tr h="284706">
+                <a:tc>
+                  <a:txBody>
+                    <a:bodyPr/>
+                    <a:lstStyle/>
+                    <a:p>
+                      <a:pPr lvl="1" algn="ctr" fontAlgn="b"/>
+                      <a:r>
+                        <a:rPr lang="en-US" sz="1200" b="0" i="0" u="none" strike="noStrike" dirty="0">
+                          <a:solidFill>
+                            <a:schemeClr val="tx1"/>
+                          </a:solidFill>
+                          <a:effectLst/>
+                          <a:latin typeface="+mn-lt"/>
+                        </a:rPr>
+                        <a:t>2</a:t>
+                      </a:r>
+                    </a:p>
+                  </a:txBody>
+                  <a:tcPr marL="240191" marR="76261" marT="38130" marB="38130" anchor="ctr">
+                    <a:lnL w="12700" cmpd="sng">
+                      <a:noFill/>
+                    </a:lnL>
+                    <a:lnR w="12700" cmpd="sng">
+                      <a:noFill/>
+                    </a:lnR>
+                    <a:lnT w="12700" cmpd="sng">
+                      <a:noFill/>
+                    </a:lnT>
+                    <a:lnB w="12700" cmpd="sng">
+                      <a:noFill/>
+                    </a:lnB>
+                    <a:lnTlToBr w="12700" cmpd="sng">
+                      <a:noFill/>
+                      <a:prstDash val="solid"/>
+                    </a:lnTlToBr>
+                    <a:lnBlToTr w="12700" cmpd="sng">
+                      <a:noFill/>
+                      <a:prstDash val="solid"/>
+                    </a:lnBlToTr>
+                    <a:noFill/>
+                  </a:tcPr>
+                </a:tc>
+                <a:tc>
+                  <a:txBody>
+                    <a:bodyPr/>
+                    <a:lstStyle/>
+                    <a:p>
+                      <a:pPr algn="r" fontAlgn="b"/>
+                      <a:r>
+                        <a:rPr lang="en-US" sz="1200" b="0" i="0" u="none" strike="noStrike" dirty="0" err="1">
+                          <a:solidFill>
+                            <a:schemeClr val="tx1"/>
+                          </a:solidFill>
+                          <a:effectLst/>
+                          <a:latin typeface="+mn-lt"/>
+                        </a:rPr>
+                        <a:t>Decision_Tree</a:t>
+                      </a:r>
+                      <a:endParaRPr lang="en-US" sz="1200" b="0" i="0" u="none" strike="noStrike" dirty="0">
+                        <a:solidFill>
+                          <a:schemeClr val="tx1"/>
+                        </a:solidFill>
+                        <a:effectLst/>
+                        <a:latin typeface="+mn-lt"/>
+                      </a:endParaRPr>
+                    </a:p>
+                  </a:txBody>
+                  <a:tcPr marL="76261" marR="76261" marT="38130" marB="38130" anchor="ctr">
+                    <a:lnL w="12700" cmpd="sng">
+                      <a:noFill/>
+                    </a:lnL>
+                    <a:lnR w="12700" cmpd="sng">
+                      <a:noFill/>
+                    </a:lnR>
+                    <a:lnT w="12700" cmpd="sng">
+                      <a:noFill/>
+                    </a:lnT>
+                    <a:lnB w="12700" cmpd="sng">
+                      <a:noFill/>
+                    </a:lnB>
+                    <a:lnTlToBr w="12700" cmpd="sng">
+                      <a:noFill/>
+                      <a:prstDash val="solid"/>
+                    </a:lnTlToBr>
+                    <a:lnBlToTr w="12700" cmpd="sng">
+                      <a:noFill/>
+                      <a:prstDash val="solid"/>
+                    </a:lnBlToTr>
+                    <a:noFill/>
+                  </a:tcPr>
+                </a:tc>
+                <a:tc>
+                  <a:txBody>
+                    <a:bodyPr/>
+                    <a:lstStyle/>
+                    <a:p>
+                      <a:pPr algn="r" fontAlgn="b"/>
+                      <a:r>
+                        <a:rPr lang="en-US" sz="1200" b="0" i="0" u="none" strike="noStrike" dirty="0">
+                          <a:solidFill>
+                            <a:schemeClr val="tx1"/>
+                          </a:solidFill>
+                          <a:effectLst/>
+                          <a:latin typeface="+mn-lt"/>
+                        </a:rPr>
+                        <a:t>0.839</a:t>
+                      </a:r>
+                    </a:p>
+                  </a:txBody>
+                  <a:tcPr marL="76261" marR="76261" marT="38130" marB="38130" anchor="ctr">
+                    <a:lnL w="12700" cmpd="sng">
+                      <a:noFill/>
+                    </a:lnL>
+                    <a:lnR w="12700" cmpd="sng">
+                      <a:noFill/>
+                    </a:lnR>
+                    <a:lnT w="12700" cmpd="sng">
+                      <a:noFill/>
+                    </a:lnT>
+                    <a:lnB w="12700" cmpd="sng">
+                      <a:noFill/>
+                    </a:lnB>
+                    <a:lnTlToBr w="12700" cmpd="sng">
+                      <a:noFill/>
+                      <a:prstDash val="solid"/>
+                    </a:lnTlToBr>
+                    <a:lnBlToTr w="12700" cmpd="sng">
+                      <a:noFill/>
+                      <a:prstDash val="solid"/>
+                    </a:lnBlToTr>
+                    <a:noFill/>
+                  </a:tcPr>
+                </a:tc>
+                <a:tc>
+                  <a:txBody>
+                    <a:bodyPr/>
+                    <a:lstStyle/>
+                    <a:p>
+                      <a:pPr algn="r" fontAlgn="b"/>
+                      <a:r>
+                        <a:rPr lang="en-US" sz="1200" b="0" i="0" u="none" strike="noStrike" dirty="0">
+                          <a:solidFill>
+                            <a:schemeClr val="tx1"/>
+                          </a:solidFill>
+                          <a:effectLst/>
+                          <a:latin typeface="+mn-lt"/>
+                        </a:rPr>
+                        <a:t>0.835</a:t>
+                      </a:r>
+                    </a:p>
+                  </a:txBody>
+                  <a:tcPr marL="76261" marR="76261" marT="38130" marB="38130" anchor="ctr">
+                    <a:lnL w="12700" cmpd="sng">
+                      <a:noFill/>
+                    </a:lnL>
+                    <a:lnR w="12700" cmpd="sng">
+                      <a:noFill/>
+                    </a:lnR>
+                    <a:lnT w="12700" cmpd="sng">
+                      <a:noFill/>
+                    </a:lnT>
+                    <a:lnB w="12700" cmpd="sng">
+                      <a:noFill/>
+                    </a:lnB>
+                    <a:lnTlToBr w="12700" cmpd="sng">
+                      <a:noFill/>
+                      <a:prstDash val="solid"/>
+                    </a:lnTlToBr>
+                    <a:lnBlToTr w="12700" cmpd="sng">
+                      <a:noFill/>
+                      <a:prstDash val="solid"/>
+                    </a:lnBlToTr>
+                    <a:noFill/>
+                  </a:tcPr>
+                </a:tc>
+                <a:extLst>
+                  <a:ext uri="{0D108BD9-81ED-4DB2-BD59-A6C34878D82A}">
+                    <a16:rowId xmlns:a16="http://schemas.microsoft.com/office/drawing/2014/main" val="1543393929"/>
+                  </a:ext>
+                </a:extLst>
+              </a:tr>
+              <a:tr h="284706">
+                <a:tc>
+                  <a:txBody>
+                    <a:bodyPr/>
+                    <a:lstStyle/>
+                    <a:p>
+                      <a:pPr lvl="1" algn="ctr" fontAlgn="b"/>
+                      <a:r>
+                        <a:rPr lang="en-US" sz="1200" b="0" i="0" u="none" strike="noStrike" dirty="0">
+                          <a:solidFill>
+                            <a:schemeClr val="tx1"/>
+                          </a:solidFill>
+                          <a:effectLst/>
+                          <a:latin typeface="+mn-lt"/>
+                        </a:rPr>
+                        <a:t>1</a:t>
+                      </a:r>
+                    </a:p>
+                  </a:txBody>
+                  <a:tcPr marL="240191" marR="76261" marT="38130" marB="38130" anchor="ctr">
+                    <a:lnL w="12700" cmpd="sng">
+                      <a:noFill/>
+                    </a:lnL>
+                    <a:lnR w="12700" cmpd="sng">
+                      <a:noFill/>
+                    </a:lnR>
+                    <a:lnT w="12700" cmpd="sng">
+                      <a:noFill/>
+                    </a:lnT>
+                    <a:lnB w="12700" cmpd="sng">
+                      <a:noFill/>
+                    </a:lnB>
+                    <a:lnTlToBr w="12700" cmpd="sng">
+                      <a:noFill/>
+                      <a:prstDash val="solid"/>
+                    </a:lnTlToBr>
+                    <a:lnBlToTr w="12700" cmpd="sng">
+                      <a:noFill/>
+                      <a:prstDash val="solid"/>
+                    </a:lnBlToTr>
+                    <a:noFill/>
+                  </a:tcPr>
+                </a:tc>
+                <a:tc>
+                  <a:txBody>
+                    <a:bodyPr/>
+                    <a:lstStyle/>
+                    <a:p>
+                      <a:pPr algn="r" fontAlgn="b"/>
+                      <a:r>
+                        <a:rPr lang="en-US" sz="1200" b="0" i="0" u="none" strike="noStrike" dirty="0" err="1">
+                          <a:solidFill>
+                            <a:schemeClr val="tx1"/>
+                          </a:solidFill>
+                          <a:effectLst/>
+                          <a:latin typeface="+mn-lt"/>
+                        </a:rPr>
+                        <a:t>Random_Forest</a:t>
+                      </a:r>
+                      <a:endParaRPr lang="en-US" sz="1200" b="0" i="0" u="none" strike="noStrike" dirty="0">
+                        <a:solidFill>
+                          <a:schemeClr val="tx1"/>
+                        </a:solidFill>
+                        <a:effectLst/>
+                        <a:latin typeface="+mn-lt"/>
+                      </a:endParaRPr>
+                    </a:p>
+                  </a:txBody>
+                  <a:tcPr marL="76261" marR="76261" marT="38130" marB="38130" anchor="ctr">
+                    <a:lnL w="12700" cmpd="sng">
+                      <a:noFill/>
+                    </a:lnL>
+                    <a:lnR w="12700" cmpd="sng">
+                      <a:noFill/>
+                    </a:lnR>
+                    <a:lnT w="12700" cmpd="sng">
+                      <a:noFill/>
+                    </a:lnT>
+                    <a:lnB w="12700" cmpd="sng">
+                      <a:noFill/>
+                    </a:lnB>
+                    <a:lnTlToBr w="12700" cmpd="sng">
+                      <a:noFill/>
+                      <a:prstDash val="solid"/>
+                    </a:lnTlToBr>
+                    <a:lnBlToTr w="12700" cmpd="sng">
+                      <a:noFill/>
+                      <a:prstDash val="solid"/>
+                    </a:lnBlToTr>
+                    <a:noFill/>
+                  </a:tcPr>
+                </a:tc>
+                <a:tc>
+                  <a:txBody>
+                    <a:bodyPr/>
+                    <a:lstStyle/>
+                    <a:p>
+                      <a:pPr algn="r" fontAlgn="b"/>
+                      <a:r>
+                        <a:rPr lang="en-US" sz="1200" b="0" i="0" u="none" strike="noStrike" dirty="0">
+                          <a:solidFill>
+                            <a:schemeClr val="tx1"/>
+                          </a:solidFill>
+                          <a:effectLst/>
+                          <a:latin typeface="+mn-lt"/>
+                        </a:rPr>
+                        <a:t>0.841</a:t>
+                      </a:r>
+                    </a:p>
+                  </a:txBody>
+                  <a:tcPr marL="76261" marR="76261" marT="38130" marB="38130" anchor="ctr">
+                    <a:lnL w="12700" cmpd="sng">
+                      <a:noFill/>
+                    </a:lnL>
+                    <a:lnR w="12700" cmpd="sng">
+                      <a:noFill/>
+                    </a:lnR>
+                    <a:lnT w="12700" cmpd="sng">
+                      <a:noFill/>
+                    </a:lnT>
+                    <a:lnB w="12700" cmpd="sng">
+                      <a:noFill/>
+                    </a:lnB>
+                    <a:lnTlToBr w="12700" cmpd="sng">
+                      <a:noFill/>
+                      <a:prstDash val="solid"/>
+                    </a:lnTlToBr>
+                    <a:lnBlToTr w="12700" cmpd="sng">
+                      <a:noFill/>
+                      <a:prstDash val="solid"/>
+                    </a:lnBlToTr>
+                    <a:noFill/>
+                  </a:tcPr>
+                </a:tc>
+                <a:tc>
+                  <a:txBody>
+                    <a:bodyPr/>
+                    <a:lstStyle/>
+                    <a:p>
+                      <a:pPr algn="r" fontAlgn="b"/>
+                      <a:r>
+                        <a:rPr lang="en-US" sz="1200" b="0" i="0" u="none" strike="noStrike" dirty="0">
+                          <a:solidFill>
+                            <a:schemeClr val="tx1"/>
+                          </a:solidFill>
+                          <a:effectLst/>
+                          <a:latin typeface="+mn-lt"/>
+                        </a:rPr>
+                        <a:t>0.832</a:t>
+                      </a:r>
+                    </a:p>
+                  </a:txBody>
+                  <a:tcPr marL="76261" marR="76261" marT="38130" marB="38130" anchor="ctr">
+                    <a:lnL w="12700" cmpd="sng">
+                      <a:noFill/>
+                    </a:lnL>
+                    <a:lnR w="12700" cmpd="sng">
+                      <a:noFill/>
+                    </a:lnR>
+                    <a:lnT w="12700" cmpd="sng">
+                      <a:noFill/>
+                    </a:lnT>
+                    <a:lnB w="12700" cmpd="sng">
+                      <a:noFill/>
+                    </a:lnB>
+                    <a:lnTlToBr w="12700" cmpd="sng">
+                      <a:noFill/>
+                      <a:prstDash val="solid"/>
+                    </a:lnTlToBr>
+                    <a:lnBlToTr w="12700" cmpd="sng">
+                      <a:noFill/>
+                      <a:prstDash val="solid"/>
+                    </a:lnBlToTr>
+                    <a:noFill/>
+                  </a:tcPr>
+                </a:tc>
+                <a:extLst>
+                  <a:ext uri="{0D108BD9-81ED-4DB2-BD59-A6C34878D82A}">
+                    <a16:rowId xmlns:a16="http://schemas.microsoft.com/office/drawing/2014/main" val="255711469"/>
+                  </a:ext>
+                </a:extLst>
+              </a:tr>
+              <a:tr h="284706">
+                <a:tc>
+                  <a:txBody>
+                    <a:bodyPr/>
+                    <a:lstStyle/>
+                    <a:p>
+                      <a:pPr lvl="1" algn="ctr" fontAlgn="b"/>
+                      <a:r>
+                        <a:rPr lang="en-US" sz="1200" b="0" u="none" strike="noStrike" dirty="0">
+                          <a:solidFill>
+                            <a:schemeClr val="tx1"/>
+                          </a:solidFill>
+                          <a:effectLst/>
+                        </a:rPr>
+                        <a:t>2</a:t>
+                      </a:r>
+                      <a:endParaRPr lang="en-US" sz="1200" b="0" i="0" u="none" strike="noStrike" dirty="0">
+                        <a:solidFill>
+                          <a:schemeClr val="tx1"/>
+                        </a:solidFill>
+                        <a:effectLst/>
+                        <a:latin typeface="+mn-lt"/>
+                      </a:endParaRPr>
+                    </a:p>
+                  </a:txBody>
+                  <a:tcPr marL="240191" marR="76261" marT="38130" marB="38130" anchor="ctr">
+                    <a:lnL w="12700" cmpd="sng">
+                      <a:noFill/>
+                    </a:lnL>
+                    <a:lnR w="12700" cmpd="sng">
+                      <a:noFill/>
+                    </a:lnR>
+                    <a:lnT w="12700" cmpd="sng">
+                      <a:noFill/>
+                    </a:lnT>
+                    <a:lnB w="12700" cmpd="sng">
+                      <a:noFill/>
+                    </a:lnB>
+                    <a:lnTlToBr w="12700" cmpd="sng">
+                      <a:noFill/>
+                      <a:prstDash val="solid"/>
+                    </a:lnTlToBr>
+                    <a:lnBlToTr w="12700" cmpd="sng">
+                      <a:noFill/>
+                      <a:prstDash val="solid"/>
+                    </a:lnBlToTr>
+                    <a:noFill/>
+                  </a:tcPr>
+                </a:tc>
+                <a:tc>
+                  <a:txBody>
+                    <a:bodyPr/>
+                    <a:lstStyle/>
+                    <a:p>
+                      <a:pPr algn="r" fontAlgn="b"/>
+                      <a:r>
+                        <a:rPr lang="en-US" sz="1200" b="0" i="0" u="none" strike="noStrike" dirty="0" err="1">
+                          <a:solidFill>
+                            <a:schemeClr val="tx1"/>
+                          </a:solidFill>
+                          <a:effectLst/>
+                          <a:latin typeface="+mn-lt"/>
+                        </a:rPr>
+                        <a:t>Random_Forest</a:t>
+                      </a:r>
+                      <a:endParaRPr lang="en-US" sz="1200" b="0" i="0" u="none" strike="noStrike" dirty="0">
+                        <a:solidFill>
+                          <a:schemeClr val="tx1"/>
+                        </a:solidFill>
+                        <a:effectLst/>
+                        <a:latin typeface="+mn-lt"/>
+                      </a:endParaRPr>
+                    </a:p>
+                  </a:txBody>
+                  <a:tcPr marL="76261" marR="76261" marT="38130" marB="38130" anchor="ctr">
+                    <a:lnL w="12700" cmpd="sng">
+                      <a:noFill/>
+                    </a:lnL>
+                    <a:lnR w="12700" cmpd="sng">
+                      <a:noFill/>
+                    </a:lnR>
+                    <a:lnT w="12700" cmpd="sng">
+                      <a:noFill/>
+                    </a:lnT>
+                    <a:lnB w="12700" cmpd="sng">
+                      <a:noFill/>
+                    </a:lnB>
+                    <a:lnTlToBr w="12700" cmpd="sng">
+                      <a:noFill/>
+                      <a:prstDash val="solid"/>
+                    </a:lnTlToBr>
+                    <a:lnBlToTr w="12700" cmpd="sng">
+                      <a:noFill/>
+                      <a:prstDash val="solid"/>
+                    </a:lnBlToTr>
+                    <a:noFill/>
+                  </a:tcPr>
+                </a:tc>
+                <a:tc>
+                  <a:txBody>
+                    <a:bodyPr/>
+                    <a:lstStyle/>
+                    <a:p>
+                      <a:pPr algn="r" fontAlgn="b"/>
+                      <a:r>
+                        <a:rPr lang="en-US" sz="1200" b="0" i="0" u="none" strike="noStrike" dirty="0">
+                          <a:solidFill>
+                            <a:schemeClr val="tx1"/>
+                          </a:solidFill>
+                          <a:effectLst/>
+                          <a:latin typeface="+mn-lt"/>
+                        </a:rPr>
+                        <a:t>0.841</a:t>
+                      </a:r>
+                    </a:p>
+                  </a:txBody>
+                  <a:tcPr marL="76261" marR="76261" marT="38130" marB="38130" anchor="ctr">
+                    <a:lnL w="12700" cmpd="sng">
+                      <a:noFill/>
+                    </a:lnL>
+                    <a:lnR w="12700" cmpd="sng">
+                      <a:noFill/>
+                    </a:lnR>
+                    <a:lnT w="12700" cmpd="sng">
+                      <a:noFill/>
+                    </a:lnT>
+                    <a:lnB w="12700" cmpd="sng">
+                      <a:noFill/>
+                    </a:lnB>
+                    <a:lnTlToBr w="12700" cmpd="sng">
+                      <a:noFill/>
+                      <a:prstDash val="solid"/>
+                    </a:lnTlToBr>
+                    <a:lnBlToTr w="12700" cmpd="sng">
+                      <a:noFill/>
+                      <a:prstDash val="solid"/>
+                    </a:lnBlToTr>
+                    <a:noFill/>
+                  </a:tcPr>
+                </a:tc>
+                <a:tc>
+                  <a:txBody>
+                    <a:bodyPr/>
+                    <a:lstStyle/>
+                    <a:p>
+                      <a:pPr algn="r" fontAlgn="b"/>
+                      <a:r>
+                        <a:rPr lang="en-US" sz="1200" b="0" i="0" u="none" strike="noStrike" dirty="0">
+                          <a:solidFill>
+                            <a:schemeClr val="tx1"/>
+                          </a:solidFill>
+                          <a:effectLst/>
+                          <a:latin typeface="+mn-lt"/>
+                        </a:rPr>
+                        <a:t>0.828</a:t>
+                      </a:r>
+                    </a:p>
+                  </a:txBody>
+                  <a:tcPr marL="76261" marR="76261" marT="38130" marB="38130" anchor="ctr">
+                    <a:lnL w="12700" cmpd="sng">
+                      <a:noFill/>
+                    </a:lnL>
+                    <a:lnR w="12700" cmpd="sng">
+                      <a:noFill/>
+                    </a:lnR>
+                    <a:lnT w="12700" cmpd="sng">
+                      <a:noFill/>
+                    </a:lnT>
+                    <a:lnB w="12700" cmpd="sng">
+                      <a:noFill/>
+                    </a:lnB>
+                    <a:lnTlToBr w="12700" cmpd="sng">
+                      <a:noFill/>
+                      <a:prstDash val="solid"/>
+                    </a:lnTlToBr>
+                    <a:lnBlToTr w="12700" cmpd="sng">
+                      <a:noFill/>
+                      <a:prstDash val="solid"/>
+                    </a:lnBlToTr>
+                    <a:noFill/>
+                  </a:tcPr>
+                </a:tc>
+                <a:extLst>
+                  <a:ext uri="{0D108BD9-81ED-4DB2-BD59-A6C34878D82A}">
+                    <a16:rowId xmlns:a16="http://schemas.microsoft.com/office/drawing/2014/main" val="1498944196"/>
+                  </a:ext>
+                </a:extLst>
+              </a:tr>
+              <a:tr h="284706">
+                <a:tc>
+                  <a:txBody>
+                    <a:bodyPr/>
+                    <a:lstStyle/>
+                    <a:p>
+                      <a:pPr lvl="1" algn="ctr" fontAlgn="b"/>
+                      <a:r>
+                        <a:rPr lang="en-US" sz="1200" b="0" u="none" strike="noStrike" dirty="0">
+                          <a:solidFill>
+                            <a:schemeClr val="tx1"/>
+                          </a:solidFill>
+                          <a:effectLst/>
+                        </a:rPr>
+                        <a:t>1</a:t>
+                      </a:r>
+                      <a:endParaRPr lang="en-US" sz="1200" b="0" i="0" u="none" strike="noStrike" dirty="0">
+                        <a:solidFill>
+                          <a:schemeClr val="tx1"/>
+                        </a:solidFill>
+                        <a:effectLst/>
+                        <a:latin typeface="+mn-lt"/>
+                      </a:endParaRPr>
+                    </a:p>
+                  </a:txBody>
+                  <a:tcPr marL="240191" marR="76261" marT="38130" marB="38130" anchor="ctr">
+                    <a:lnL w="12700" cmpd="sng">
+                      <a:noFill/>
+                    </a:lnL>
+                    <a:lnR w="12700" cmpd="sng">
+                      <a:noFill/>
+                    </a:lnR>
+                    <a:lnT w="12700" cmpd="sng">
+                      <a:noFill/>
+                    </a:lnT>
+                    <a:lnB w="12700" cmpd="sng">
+                      <a:noFill/>
+                    </a:lnB>
+                    <a:lnTlToBr w="12700" cmpd="sng">
+                      <a:noFill/>
+                      <a:prstDash val="solid"/>
+                    </a:lnTlToBr>
+                    <a:lnBlToTr w="12700" cmpd="sng">
+                      <a:noFill/>
+                      <a:prstDash val="solid"/>
+                    </a:lnBlToTr>
+                    <a:noFill/>
+                  </a:tcPr>
+                </a:tc>
+                <a:tc>
+                  <a:txBody>
+                    <a:bodyPr/>
+                    <a:lstStyle/>
+                    <a:p>
+                      <a:pPr algn="r" fontAlgn="b"/>
+                      <a:r>
+                        <a:rPr lang="en-US" sz="1200" b="0" i="0" u="none" strike="noStrike" dirty="0" err="1">
+                          <a:solidFill>
+                            <a:schemeClr val="tx1"/>
+                          </a:solidFill>
+                          <a:effectLst/>
+                          <a:latin typeface="+mn-lt"/>
+                        </a:rPr>
+                        <a:t>Support_Vector</a:t>
+                      </a:r>
+                      <a:endParaRPr lang="en-US" sz="1200" b="0" i="0" u="none" strike="noStrike" dirty="0">
+                        <a:solidFill>
+                          <a:schemeClr val="tx1"/>
+                        </a:solidFill>
+                        <a:effectLst/>
+                        <a:latin typeface="+mn-lt"/>
+                      </a:endParaRPr>
+                    </a:p>
+                  </a:txBody>
+                  <a:tcPr marL="76261" marR="76261" marT="38130" marB="38130" anchor="ctr">
+                    <a:lnL w="12700" cmpd="sng">
+                      <a:noFill/>
+                    </a:lnL>
+                    <a:lnR w="12700" cmpd="sng">
+                      <a:noFill/>
+                    </a:lnR>
+                    <a:lnT w="12700" cmpd="sng">
+                      <a:noFill/>
+                    </a:lnT>
+                    <a:lnB w="12700" cmpd="sng">
+                      <a:noFill/>
+                    </a:lnB>
+                    <a:lnTlToBr w="12700" cmpd="sng">
+                      <a:noFill/>
+                      <a:prstDash val="solid"/>
+                    </a:lnTlToBr>
+                    <a:lnBlToTr w="12700" cmpd="sng">
+                      <a:noFill/>
+                      <a:prstDash val="solid"/>
+                    </a:lnBlToTr>
+                    <a:noFill/>
+                  </a:tcPr>
+                </a:tc>
+                <a:tc>
+                  <a:txBody>
+                    <a:bodyPr/>
+                    <a:lstStyle/>
+                    <a:p>
+                      <a:pPr algn="r" fontAlgn="b"/>
+                      <a:r>
+                        <a:rPr lang="en-US" sz="1200" b="0" i="0" u="none" strike="noStrike" dirty="0">
+                          <a:solidFill>
+                            <a:schemeClr val="tx1"/>
+                          </a:solidFill>
+                          <a:effectLst/>
+                          <a:latin typeface="+mn-lt"/>
+                        </a:rPr>
+                        <a:t>0.811</a:t>
+                      </a:r>
+                    </a:p>
+                  </a:txBody>
+                  <a:tcPr marL="76261" marR="76261" marT="38130" marB="38130" anchor="ctr">
+                    <a:lnL w="12700" cmpd="sng">
+                      <a:noFill/>
+                    </a:lnL>
+                    <a:lnR w="12700" cmpd="sng">
+                      <a:noFill/>
+                    </a:lnR>
+                    <a:lnT w="12700" cmpd="sng">
+                      <a:noFill/>
+                    </a:lnT>
+                    <a:lnB w="12700" cmpd="sng">
+                      <a:noFill/>
+                    </a:lnB>
+                    <a:lnTlToBr w="12700" cmpd="sng">
+                      <a:noFill/>
+                      <a:prstDash val="solid"/>
+                    </a:lnTlToBr>
+                    <a:lnBlToTr w="12700" cmpd="sng">
+                      <a:noFill/>
+                      <a:prstDash val="solid"/>
+                    </a:lnBlToTr>
+                    <a:noFill/>
+                  </a:tcPr>
+                </a:tc>
+                <a:tc>
+                  <a:txBody>
+                    <a:bodyPr/>
+                    <a:lstStyle/>
+                    <a:p>
+                      <a:pPr algn="r" fontAlgn="b"/>
+                      <a:r>
+                        <a:rPr lang="en-US" sz="1200" b="0" i="0" u="none" strike="noStrike" dirty="0">
+                          <a:solidFill>
+                            <a:schemeClr val="tx1"/>
+                          </a:solidFill>
+                          <a:effectLst/>
+                          <a:latin typeface="+mn-lt"/>
+                        </a:rPr>
+                        <a:t>0.810</a:t>
+                      </a:r>
+                    </a:p>
+                  </a:txBody>
+                  <a:tcPr marL="76261" marR="76261" marT="38130" marB="38130" anchor="ctr">
+                    <a:lnL w="12700" cmpd="sng">
+                      <a:noFill/>
+                    </a:lnL>
+                    <a:lnR w="12700" cmpd="sng">
+                      <a:noFill/>
+                    </a:lnR>
+                    <a:lnT w="12700" cmpd="sng">
+                      <a:noFill/>
+                    </a:lnT>
+                    <a:lnB w="12700" cmpd="sng">
+                      <a:noFill/>
+                    </a:lnB>
+                    <a:lnTlToBr w="12700" cmpd="sng">
+                      <a:noFill/>
+                      <a:prstDash val="solid"/>
+                    </a:lnTlToBr>
+                    <a:lnBlToTr w="12700" cmpd="sng">
+                      <a:noFill/>
+                      <a:prstDash val="solid"/>
+                    </a:lnBlToTr>
+                    <a:noFill/>
+                  </a:tcPr>
+                </a:tc>
+                <a:extLst>
+                  <a:ext uri="{0D108BD9-81ED-4DB2-BD59-A6C34878D82A}">
+                    <a16:rowId xmlns:a16="http://schemas.microsoft.com/office/drawing/2014/main" val="2561606819"/>
+                  </a:ext>
+                </a:extLst>
+              </a:tr>
+              <a:tr h="284706">
+                <a:tc>
+                  <a:txBody>
+                    <a:bodyPr/>
+                    <a:lstStyle/>
+                    <a:p>
+                      <a:pPr algn="ctr" fontAlgn="b"/>
+                      <a:r>
+                        <a:rPr lang="en-US" sz="1200" b="0" u="none" strike="noStrike" dirty="0">
+                          <a:solidFill>
+                            <a:schemeClr val="tx1"/>
+                          </a:solidFill>
+                          <a:effectLst/>
+                        </a:rPr>
+                        <a:t>            2</a:t>
+                      </a:r>
+                      <a:endParaRPr lang="en-US" sz="1200" b="0" i="0" u="none" strike="noStrike" dirty="0">
+                        <a:solidFill>
+                          <a:schemeClr val="tx1"/>
+                        </a:solidFill>
+                        <a:effectLst/>
+                        <a:latin typeface="+mn-lt"/>
+                      </a:endParaRPr>
+                    </a:p>
+                  </a:txBody>
+                  <a:tcPr marL="240191" marR="76261" marT="38130" marB="38130" anchor="ctr">
+                    <a:lnL w="12700" cmpd="sng">
+                      <a:noFill/>
+                    </a:lnL>
+                    <a:lnR w="12700" cmpd="sng">
+                      <a:noFill/>
+                    </a:lnR>
+                    <a:lnT w="12700" cmpd="sng">
+                      <a:noFill/>
+                    </a:lnT>
+                    <a:lnB w="12700" cmpd="sng">
+                      <a:noFill/>
+                    </a:lnB>
+                    <a:lnTlToBr w="12700" cmpd="sng">
+                      <a:noFill/>
+                      <a:prstDash val="solid"/>
+                    </a:lnTlToBr>
+                    <a:lnBlToTr w="12700" cmpd="sng">
+                      <a:noFill/>
+                      <a:prstDash val="solid"/>
+                    </a:lnBlToTr>
+                    <a:noFill/>
+                  </a:tcPr>
+                </a:tc>
+                <a:tc>
+                  <a:txBody>
+                    <a:bodyPr/>
+                    <a:lstStyle/>
+                    <a:p>
+                      <a:pPr algn="r" fontAlgn="b"/>
+                      <a:r>
+                        <a:rPr lang="en-US" sz="1200" b="0" i="0" u="none" strike="noStrike" dirty="0" err="1">
+                          <a:solidFill>
+                            <a:schemeClr val="tx1"/>
+                          </a:solidFill>
+                          <a:effectLst/>
+                          <a:latin typeface="+mn-lt"/>
+                        </a:rPr>
+                        <a:t>Support_Vector</a:t>
+                      </a:r>
+                      <a:endParaRPr lang="en-US" sz="1200" b="0" i="0" u="none" strike="noStrike" dirty="0">
+                        <a:solidFill>
+                          <a:schemeClr val="tx1"/>
+                        </a:solidFill>
+                        <a:effectLst/>
+                        <a:latin typeface="+mn-lt"/>
+                      </a:endParaRPr>
+                    </a:p>
+                  </a:txBody>
+                  <a:tcPr marL="76261" marR="76261" marT="38130" marB="38130" anchor="ctr">
+                    <a:lnL w="12700" cmpd="sng">
+                      <a:noFill/>
+                    </a:lnL>
+                    <a:lnR w="12700" cmpd="sng">
+                      <a:noFill/>
+                    </a:lnR>
+                    <a:lnT w="12700" cmpd="sng">
+                      <a:noFill/>
+                    </a:lnT>
+                    <a:lnB w="12700" cmpd="sng">
+                      <a:noFill/>
+                    </a:lnB>
+                    <a:lnTlToBr w="12700" cmpd="sng">
+                      <a:noFill/>
+                      <a:prstDash val="solid"/>
+                    </a:lnTlToBr>
+                    <a:lnBlToTr w="12700" cmpd="sng">
+                      <a:noFill/>
+                      <a:prstDash val="solid"/>
+                    </a:lnBlToTr>
+                    <a:noFill/>
+                  </a:tcPr>
+                </a:tc>
+                <a:tc>
+                  <a:txBody>
+                    <a:bodyPr/>
+                    <a:lstStyle/>
+                    <a:p>
+                      <a:pPr algn="r" fontAlgn="b"/>
+                      <a:r>
+                        <a:rPr lang="en-US" sz="1200" b="0" i="0" u="none" strike="noStrike" dirty="0">
+                          <a:solidFill>
+                            <a:schemeClr val="tx1"/>
+                          </a:solidFill>
+                          <a:effectLst/>
+                          <a:latin typeface="+mn-lt"/>
+                        </a:rPr>
+                        <a:t>0.811</a:t>
+                      </a:r>
+                    </a:p>
+                  </a:txBody>
+                  <a:tcPr marL="76261" marR="76261" marT="38130" marB="38130" anchor="ctr">
+                    <a:lnL w="12700" cmpd="sng">
+                      <a:noFill/>
+                    </a:lnL>
+                    <a:lnR w="12700" cmpd="sng">
+                      <a:noFill/>
+                    </a:lnR>
+                    <a:lnT w="12700" cmpd="sng">
+                      <a:noFill/>
+                    </a:lnT>
+                    <a:lnB w="12700" cmpd="sng">
+                      <a:noFill/>
+                    </a:lnB>
+                    <a:lnTlToBr w="12700" cmpd="sng">
+                      <a:noFill/>
+                      <a:prstDash val="solid"/>
+                    </a:lnTlToBr>
+                    <a:lnBlToTr w="12700" cmpd="sng">
+                      <a:noFill/>
+                      <a:prstDash val="solid"/>
+                    </a:lnBlToTr>
+                    <a:noFill/>
+                  </a:tcPr>
+                </a:tc>
+                <a:tc>
+                  <a:txBody>
+                    <a:bodyPr/>
+                    <a:lstStyle/>
+                    <a:p>
+                      <a:pPr algn="r" fontAlgn="b"/>
+                      <a:r>
+                        <a:rPr lang="en-US" sz="1200" b="0" i="0" u="none" strike="noStrike" dirty="0">
+                          <a:solidFill>
+                            <a:schemeClr val="tx1"/>
+                          </a:solidFill>
+                          <a:effectLst/>
+                          <a:latin typeface="+mn-lt"/>
+                        </a:rPr>
+                        <a:t>0.812</a:t>
+                      </a:r>
+                    </a:p>
+                  </a:txBody>
+                  <a:tcPr marL="76261" marR="76261" marT="38130" marB="38130" anchor="ctr">
+                    <a:lnL w="12700" cmpd="sng">
+                      <a:noFill/>
+                    </a:lnL>
+                    <a:lnR w="12700" cmpd="sng">
+                      <a:noFill/>
+                    </a:lnR>
+                    <a:lnT w="12700" cmpd="sng">
+                      <a:noFill/>
+                    </a:lnT>
+                    <a:lnB w="12700" cmpd="sng">
+                      <a:noFill/>
+                    </a:lnB>
+                    <a:lnTlToBr w="12700" cmpd="sng">
+                      <a:noFill/>
+                      <a:prstDash val="solid"/>
+                    </a:lnTlToBr>
+                    <a:lnBlToTr w="12700" cmpd="sng">
+                      <a:noFill/>
+                      <a:prstDash val="solid"/>
+                    </a:lnBlToTr>
+                    <a:noFill/>
+                  </a:tcPr>
+                </a:tc>
+                <a:extLst>
+                  <a:ext uri="{0D108BD9-81ED-4DB2-BD59-A6C34878D82A}">
+                    <a16:rowId xmlns:a16="http://schemas.microsoft.com/office/drawing/2014/main" val="365120011"/>
+                  </a:ext>
+                </a:extLst>
+              </a:tr>
+              <a:tr h="284706">
+                <a:tc>
+                  <a:txBody>
+                    <a:bodyPr/>
+                    <a:lstStyle/>
+                    <a:p>
+                      <a:pPr algn="ctr" fontAlgn="b"/>
+                      <a:r>
+                        <a:rPr lang="en-US" sz="1200" b="0" u="none" strike="noStrike" dirty="0">
+                          <a:solidFill>
+                            <a:schemeClr val="tx1"/>
+                          </a:solidFill>
+                          <a:effectLst/>
+                        </a:rPr>
+                        <a:t>            1</a:t>
+                      </a:r>
+                      <a:endParaRPr lang="en-US" sz="1200" b="0" i="0" u="none" strike="noStrike" dirty="0">
+                        <a:solidFill>
+                          <a:schemeClr val="tx1"/>
+                        </a:solidFill>
+                        <a:effectLst/>
+                        <a:latin typeface="+mn-lt"/>
+                      </a:endParaRPr>
+                    </a:p>
+                  </a:txBody>
+                  <a:tcPr marL="240191" marR="76261" marT="38130" marB="38130" anchor="ctr">
+                    <a:lnL w="12700" cmpd="sng">
+                      <a:noFill/>
+                    </a:lnL>
+                    <a:lnR w="12700" cmpd="sng">
+                      <a:noFill/>
+                    </a:lnR>
+                    <a:lnT w="12700" cmpd="sng">
+                      <a:noFill/>
+                    </a:lnT>
+                    <a:lnB w="12700" cmpd="sng">
+                      <a:noFill/>
+                    </a:lnB>
+                    <a:lnTlToBr w="12700" cmpd="sng">
+                      <a:noFill/>
+                      <a:prstDash val="solid"/>
+                    </a:lnTlToBr>
+                    <a:lnBlToTr w="12700" cmpd="sng">
+                      <a:noFill/>
+                      <a:prstDash val="solid"/>
+                    </a:lnBlToTr>
+                    <a:noFill/>
+                  </a:tcPr>
+                </a:tc>
+                <a:tc>
+                  <a:txBody>
+                    <a:bodyPr/>
+                    <a:lstStyle/>
+                    <a:p>
+                      <a:pPr algn="r" fontAlgn="b"/>
+                      <a:r>
+                        <a:rPr lang="en-US" sz="1200" b="0" i="0" u="none" strike="noStrike" dirty="0" err="1">
+                          <a:solidFill>
+                            <a:schemeClr val="tx1"/>
+                          </a:solidFill>
+                          <a:effectLst/>
+                          <a:latin typeface="+mn-lt"/>
+                        </a:rPr>
+                        <a:t>Naïve_Bayes</a:t>
+                      </a:r>
+                      <a:endParaRPr lang="en-US" sz="1200" b="0" i="0" u="none" strike="noStrike" dirty="0">
+                        <a:solidFill>
+                          <a:schemeClr val="tx1"/>
+                        </a:solidFill>
+                        <a:effectLst/>
+                        <a:latin typeface="+mn-lt"/>
+                      </a:endParaRPr>
+                    </a:p>
+                  </a:txBody>
+                  <a:tcPr marL="76261" marR="76261" marT="38130" marB="38130" anchor="ctr">
+                    <a:lnL w="12700" cmpd="sng">
+                      <a:noFill/>
+                    </a:lnL>
+                    <a:lnR w="12700" cmpd="sng">
+                      <a:noFill/>
+                    </a:lnR>
+                    <a:lnT w="12700" cmpd="sng">
+                      <a:noFill/>
+                    </a:lnT>
+                    <a:lnB w="12700" cmpd="sng">
+                      <a:noFill/>
+                    </a:lnB>
+                    <a:lnTlToBr w="12700" cmpd="sng">
+                      <a:noFill/>
+                      <a:prstDash val="solid"/>
+                    </a:lnTlToBr>
+                    <a:lnBlToTr w="12700" cmpd="sng">
+                      <a:noFill/>
+                      <a:prstDash val="solid"/>
+                    </a:lnBlToTr>
+                    <a:noFill/>
+                  </a:tcPr>
+                </a:tc>
+                <a:tc>
+                  <a:txBody>
+                    <a:bodyPr/>
+                    <a:lstStyle/>
+                    <a:p>
+                      <a:pPr algn="r" fontAlgn="b"/>
+                      <a:r>
+                        <a:rPr lang="en-US" sz="1200" b="0" i="0" u="none" strike="noStrike" dirty="0">
+                          <a:solidFill>
+                            <a:schemeClr val="tx1"/>
+                          </a:solidFill>
+                          <a:effectLst/>
+                          <a:latin typeface="+mn-lt"/>
+                        </a:rPr>
+                        <a:t>0.780</a:t>
+                      </a:r>
+                    </a:p>
+                  </a:txBody>
+                  <a:tcPr marL="76261" marR="76261" marT="38130" marB="38130" anchor="ctr">
+                    <a:lnL w="12700" cmpd="sng">
+                      <a:noFill/>
+                    </a:lnL>
+                    <a:lnR w="12700" cmpd="sng">
+                      <a:noFill/>
+                    </a:lnR>
+                    <a:lnT w="12700" cmpd="sng">
+                      <a:noFill/>
+                    </a:lnT>
+                    <a:lnB w="12700" cmpd="sng">
+                      <a:noFill/>
+                    </a:lnB>
+                    <a:lnTlToBr w="12700" cmpd="sng">
+                      <a:noFill/>
+                      <a:prstDash val="solid"/>
+                    </a:lnTlToBr>
+                    <a:lnBlToTr w="12700" cmpd="sng">
+                      <a:noFill/>
+                      <a:prstDash val="solid"/>
+                    </a:lnBlToTr>
+                    <a:noFill/>
+                  </a:tcPr>
+                </a:tc>
+                <a:tc>
+                  <a:txBody>
+                    <a:bodyPr/>
+                    <a:lstStyle/>
+                    <a:p>
+                      <a:pPr algn="r" fontAlgn="b"/>
+                      <a:r>
+                        <a:rPr lang="en-US" sz="1200" b="0" i="0" u="none" strike="noStrike" dirty="0">
+                          <a:solidFill>
+                            <a:schemeClr val="tx1"/>
+                          </a:solidFill>
+                          <a:effectLst/>
+                          <a:latin typeface="+mn-lt"/>
+                        </a:rPr>
+                        <a:t>0.782</a:t>
+                      </a:r>
+                    </a:p>
+                  </a:txBody>
+                  <a:tcPr marL="76261" marR="76261" marT="38130" marB="38130" anchor="ctr">
+                    <a:lnL w="12700" cmpd="sng">
+                      <a:noFill/>
+                    </a:lnL>
+                    <a:lnR w="12700" cmpd="sng">
+                      <a:noFill/>
+                    </a:lnR>
+                    <a:lnT w="12700" cmpd="sng">
+                      <a:noFill/>
+                    </a:lnT>
+                    <a:lnB w="12700" cmpd="sng">
+                      <a:noFill/>
+                    </a:lnB>
+                    <a:lnTlToBr w="12700" cmpd="sng">
+                      <a:noFill/>
+                      <a:prstDash val="solid"/>
+                    </a:lnTlToBr>
+                    <a:lnBlToTr w="12700" cmpd="sng">
+                      <a:noFill/>
+                      <a:prstDash val="solid"/>
+                    </a:lnBlToTr>
+                    <a:noFill/>
+                  </a:tcPr>
+                </a:tc>
+                <a:extLst>
+                  <a:ext uri="{0D108BD9-81ED-4DB2-BD59-A6C34878D82A}">
+                    <a16:rowId xmlns:a16="http://schemas.microsoft.com/office/drawing/2014/main" val="4241422160"/>
+                  </a:ext>
+                </a:extLst>
+              </a:tr>
+              <a:tr h="284706">
+                <a:tc>
+                  <a:txBody>
+                    <a:bodyPr/>
+                    <a:lstStyle/>
+                    <a:p>
+                      <a:pPr marL="457200" lvl="1" indent="0" algn="ctr" fontAlgn="b">
+                        <a:buFont typeface="Arial" panose="020B0604020202020204" pitchFamily="34" charset="0"/>
+                        <a:buNone/>
+                      </a:pPr>
+                      <a:r>
+                        <a:rPr lang="en-US" sz="1200" b="0" u="none" strike="noStrike" dirty="0">
+                          <a:solidFill>
+                            <a:schemeClr val="tx1"/>
+                          </a:solidFill>
+                          <a:effectLst/>
+                        </a:rPr>
+                        <a:t>2</a:t>
+                      </a:r>
+                      <a:endParaRPr lang="en-US" sz="1200" b="0" i="0" u="none" strike="noStrike" dirty="0">
+                        <a:solidFill>
+                          <a:schemeClr val="tx1"/>
+                        </a:solidFill>
+                        <a:effectLst/>
+                        <a:latin typeface="+mn-lt"/>
+                      </a:endParaRPr>
+                    </a:p>
+                  </a:txBody>
+                  <a:tcPr marL="240191" marR="76261" marT="38130" marB="38130" anchor="ctr">
+                    <a:lnL w="12700" cmpd="sng">
+                      <a:noFill/>
+                    </a:lnL>
+                    <a:lnR w="12700" cmpd="sng">
+                      <a:noFill/>
+                    </a:lnR>
+                    <a:lnT w="12700" cmpd="sng">
+                      <a:noFill/>
+                    </a:lnT>
+                    <a:lnB w="12700" cmpd="sng">
+                      <a:noFill/>
+                    </a:lnB>
+                    <a:lnTlToBr w="12700" cmpd="sng">
+                      <a:noFill/>
+                      <a:prstDash val="solid"/>
+                    </a:lnTlToBr>
+                    <a:lnBlToTr w="12700" cmpd="sng">
+                      <a:noFill/>
+                      <a:prstDash val="solid"/>
+                    </a:lnBlToTr>
+                    <a:noFill/>
+                  </a:tcPr>
+                </a:tc>
+                <a:tc>
+                  <a:txBody>
+                    <a:bodyPr/>
+                    <a:lstStyle/>
+                    <a:p>
+                      <a:pPr algn="r" fontAlgn="b"/>
+                      <a:r>
+                        <a:rPr lang="en-US" sz="1200" b="0" i="0" u="none" strike="noStrike" dirty="0" err="1">
+                          <a:solidFill>
+                            <a:schemeClr val="tx1"/>
+                          </a:solidFill>
+                          <a:effectLst/>
+                          <a:latin typeface="+mn-lt"/>
+                        </a:rPr>
+                        <a:t>Naïve_Bayes</a:t>
+                      </a:r>
+                      <a:endParaRPr lang="en-US" sz="1200" b="0" i="0" u="none" strike="noStrike" dirty="0">
+                        <a:solidFill>
+                          <a:schemeClr val="tx1"/>
+                        </a:solidFill>
+                        <a:effectLst/>
+                        <a:latin typeface="+mn-lt"/>
+                      </a:endParaRPr>
+                    </a:p>
+                  </a:txBody>
+                  <a:tcPr marL="76261" marR="76261" marT="38130" marB="38130" anchor="ctr">
+                    <a:lnL w="12700" cmpd="sng">
+                      <a:noFill/>
+                    </a:lnL>
+                    <a:lnR w="12700" cmpd="sng">
+                      <a:noFill/>
+                    </a:lnR>
+                    <a:lnT w="12700" cmpd="sng">
+                      <a:noFill/>
+                    </a:lnT>
+                    <a:lnB w="12700" cmpd="sng">
+                      <a:noFill/>
+                    </a:lnB>
+                    <a:lnTlToBr w="12700" cmpd="sng">
+                      <a:noFill/>
+                      <a:prstDash val="solid"/>
+                    </a:lnTlToBr>
+                    <a:lnBlToTr w="12700" cmpd="sng">
+                      <a:noFill/>
+                      <a:prstDash val="solid"/>
+                    </a:lnBlToTr>
+                    <a:noFill/>
+                  </a:tcPr>
+                </a:tc>
+                <a:tc>
+                  <a:txBody>
+                    <a:bodyPr/>
+                    <a:lstStyle/>
+                    <a:p>
+                      <a:pPr algn="r" fontAlgn="b"/>
+                      <a:r>
+                        <a:rPr lang="en-US" sz="1200" b="0" i="0" u="none" strike="noStrike" dirty="0">
+                          <a:solidFill>
+                            <a:schemeClr val="tx1"/>
+                          </a:solidFill>
+                          <a:effectLst/>
+                          <a:latin typeface="+mn-lt"/>
+                        </a:rPr>
+                        <a:t>0.782</a:t>
+                      </a:r>
+                    </a:p>
+                  </a:txBody>
+                  <a:tcPr marL="76261" marR="76261" marT="38130" marB="38130" anchor="ctr">
+                    <a:lnL w="12700" cmpd="sng">
+                      <a:noFill/>
+                    </a:lnL>
+                    <a:lnR w="12700" cmpd="sng">
+                      <a:noFill/>
+                    </a:lnR>
+                    <a:lnT w="12700" cmpd="sng">
+                      <a:noFill/>
+                    </a:lnT>
+                    <a:lnB w="12700" cmpd="sng">
+                      <a:noFill/>
+                    </a:lnB>
+                    <a:lnTlToBr w="12700" cmpd="sng">
+                      <a:noFill/>
+                      <a:prstDash val="solid"/>
+                    </a:lnTlToBr>
+                    <a:lnBlToTr w="12700" cmpd="sng">
+                      <a:noFill/>
+                      <a:prstDash val="solid"/>
+                    </a:lnBlToTr>
+                    <a:noFill/>
+                  </a:tcPr>
+                </a:tc>
+                <a:tc>
+                  <a:txBody>
+                    <a:bodyPr/>
+                    <a:lstStyle/>
+                    <a:p>
+                      <a:pPr algn="r" fontAlgn="b"/>
+                      <a:r>
+                        <a:rPr lang="en-US" sz="1200" b="0" u="none" strike="noStrike" dirty="0">
+                          <a:solidFill>
+                            <a:schemeClr val="tx1"/>
+                          </a:solidFill>
+                          <a:effectLst/>
+                        </a:rPr>
+                        <a:t>0.785</a:t>
+                      </a:r>
+                      <a:endParaRPr lang="en-US" sz="1200" b="0" i="0" u="none" strike="noStrike" dirty="0">
+                        <a:solidFill>
+                          <a:schemeClr val="tx1"/>
+                        </a:solidFill>
+                        <a:effectLst/>
+                        <a:latin typeface="+mn-lt"/>
+                      </a:endParaRPr>
+                    </a:p>
+                  </a:txBody>
+                  <a:tcPr marL="76261" marR="76261" marT="38130" marB="38130" anchor="ctr">
+                    <a:lnL w="12700" cmpd="sng">
+                      <a:noFill/>
+                    </a:lnL>
+                    <a:lnR w="12700" cmpd="sng">
+                      <a:noFill/>
+                    </a:lnR>
+                    <a:lnT w="12700" cmpd="sng">
+                      <a:noFill/>
+                    </a:lnT>
+                    <a:lnB w="12700" cmpd="sng">
+                      <a:noFill/>
+                    </a:lnB>
+                    <a:lnTlToBr w="12700" cmpd="sng">
+                      <a:noFill/>
+                      <a:prstDash val="solid"/>
+                    </a:lnTlToBr>
+                    <a:lnBlToTr w="12700" cmpd="sng">
+                      <a:noFill/>
+                      <a:prstDash val="solid"/>
+                    </a:lnBlToTr>
+                    <a:noFill/>
+                  </a:tcPr>
+                </a:tc>
+                <a:extLst>
+                  <a:ext uri="{0D108BD9-81ED-4DB2-BD59-A6C34878D82A}">
+                    <a16:rowId xmlns:a16="http://schemas.microsoft.com/office/drawing/2014/main" val="2662407092"/>
+                  </a:ext>
+                </a:extLst>
+              </a:tr>
+              <a:tr h="284706">
+                <a:tc>
+                  <a:txBody>
+                    <a:bodyPr/>
+                    <a:lstStyle/>
+                    <a:p>
+                      <a:pPr marL="457200" lvl="1" indent="0" algn="ctr" fontAlgn="b">
+                        <a:buFont typeface="Arial" panose="020B0604020202020204" pitchFamily="34" charset="0"/>
+                        <a:buNone/>
+                      </a:pPr>
+                      <a:r>
+                        <a:rPr lang="en-US" sz="1200" b="0" u="none" strike="noStrike" dirty="0">
+                          <a:solidFill>
+                            <a:schemeClr val="tx1"/>
+                          </a:solidFill>
+                          <a:effectLst/>
+                        </a:rPr>
+                        <a:t>1</a:t>
+                      </a:r>
+                      <a:endParaRPr lang="en-US" sz="1200" b="0" i="0" u="none" strike="noStrike" dirty="0">
+                        <a:solidFill>
+                          <a:schemeClr val="tx1"/>
+                        </a:solidFill>
+                        <a:effectLst/>
+                        <a:latin typeface="+mn-lt"/>
+                      </a:endParaRPr>
+                    </a:p>
+                  </a:txBody>
+                  <a:tcPr marL="240191" marR="76261" marT="38130" marB="38130" anchor="ctr">
+                    <a:lnL w="12700" cmpd="sng">
+                      <a:noFill/>
+                    </a:lnL>
+                    <a:lnR w="12700" cmpd="sng">
+                      <a:noFill/>
+                    </a:lnR>
+                    <a:lnT w="12700" cmpd="sng">
+                      <a:noFill/>
+                    </a:lnT>
+                    <a:lnB w="12700" cmpd="sng">
+                      <a:noFill/>
+                    </a:lnB>
+                    <a:lnTlToBr w="12700" cmpd="sng">
+                      <a:noFill/>
+                      <a:prstDash val="solid"/>
+                    </a:lnTlToBr>
+                    <a:lnBlToTr w="12700" cmpd="sng">
+                      <a:noFill/>
+                      <a:prstDash val="solid"/>
+                    </a:lnBlToTr>
+                    <a:noFill/>
+                  </a:tcPr>
+                </a:tc>
+                <a:tc>
+                  <a:txBody>
+                    <a:bodyPr/>
+                    <a:lstStyle/>
+                    <a:p>
+                      <a:pPr algn="r" fontAlgn="b"/>
+                      <a:r>
+                        <a:rPr lang="en-US" sz="1200" b="0" i="0" u="none" strike="noStrike" dirty="0" err="1">
+                          <a:solidFill>
+                            <a:schemeClr val="tx1"/>
+                          </a:solidFill>
+                          <a:effectLst/>
+                          <a:latin typeface="+mn-lt"/>
+                        </a:rPr>
+                        <a:t>Logistic_Regression</a:t>
+                      </a:r>
+                      <a:endParaRPr lang="en-US" sz="1200" b="0" i="0" u="none" strike="noStrike" dirty="0">
+                        <a:solidFill>
+                          <a:schemeClr val="tx1"/>
+                        </a:solidFill>
+                        <a:effectLst/>
+                        <a:latin typeface="+mn-lt"/>
+                      </a:endParaRPr>
+                    </a:p>
+                  </a:txBody>
+                  <a:tcPr marL="76261" marR="76261" marT="38130" marB="38130" anchor="ctr">
+                    <a:lnL w="12700" cmpd="sng">
+                      <a:noFill/>
+                    </a:lnL>
+                    <a:lnR w="12700" cmpd="sng">
+                      <a:noFill/>
+                    </a:lnR>
+                    <a:lnT w="12700" cmpd="sng">
+                      <a:noFill/>
+                    </a:lnT>
+                    <a:lnB w="12700" cmpd="sng">
+                      <a:noFill/>
+                    </a:lnB>
+                    <a:lnTlToBr w="12700" cmpd="sng">
+                      <a:noFill/>
+                      <a:prstDash val="solid"/>
+                    </a:lnTlToBr>
+                    <a:lnBlToTr w="12700" cmpd="sng">
+                      <a:noFill/>
+                      <a:prstDash val="solid"/>
+                    </a:lnBlToTr>
+                    <a:noFill/>
+                  </a:tcPr>
+                </a:tc>
+                <a:tc>
+                  <a:txBody>
+                    <a:bodyPr/>
+                    <a:lstStyle/>
+                    <a:p>
+                      <a:pPr algn="r" fontAlgn="b"/>
+                      <a:r>
+                        <a:rPr lang="en-US" sz="1200" b="0" i="0" u="none" strike="noStrike" dirty="0">
+                          <a:solidFill>
+                            <a:schemeClr val="tx1"/>
+                          </a:solidFill>
+                          <a:effectLst/>
+                          <a:latin typeface="+mn-lt"/>
+                        </a:rPr>
+                        <a:t>0.817</a:t>
+                      </a:r>
+                    </a:p>
+                  </a:txBody>
+                  <a:tcPr marL="76261" marR="76261" marT="38130" marB="38130" anchor="ctr">
+                    <a:lnL w="12700" cmpd="sng">
+                      <a:noFill/>
+                    </a:lnL>
+                    <a:lnR w="12700" cmpd="sng">
+                      <a:noFill/>
+                    </a:lnR>
+                    <a:lnT w="12700" cmpd="sng">
+                      <a:noFill/>
+                    </a:lnT>
+                    <a:lnB w="12700" cmpd="sng">
+                      <a:noFill/>
+                    </a:lnB>
+                    <a:lnTlToBr w="12700" cmpd="sng">
+                      <a:noFill/>
+                      <a:prstDash val="solid"/>
+                    </a:lnTlToBr>
+                    <a:lnBlToTr w="12700" cmpd="sng">
+                      <a:noFill/>
+                      <a:prstDash val="solid"/>
+                    </a:lnBlToTr>
+                    <a:noFill/>
+                  </a:tcPr>
+                </a:tc>
+                <a:tc>
+                  <a:txBody>
+                    <a:bodyPr/>
+                    <a:lstStyle/>
+                    <a:p>
+                      <a:pPr algn="r" fontAlgn="b"/>
+                      <a:r>
+                        <a:rPr lang="en-US" sz="1200" b="0" u="none" strike="noStrike" dirty="0">
+                          <a:solidFill>
+                            <a:schemeClr val="tx1"/>
+                          </a:solidFill>
+                          <a:effectLst/>
+                        </a:rPr>
+                        <a:t>0.821</a:t>
+                      </a:r>
+                      <a:endParaRPr lang="en-US" sz="1200" b="0" i="0" u="none" strike="noStrike" dirty="0">
+                        <a:solidFill>
+                          <a:schemeClr val="tx1"/>
+                        </a:solidFill>
+                        <a:effectLst/>
+                        <a:latin typeface="+mn-lt"/>
+                      </a:endParaRPr>
+                    </a:p>
+                  </a:txBody>
+                  <a:tcPr marL="76261" marR="76261" marT="38130" marB="38130" anchor="ctr">
+                    <a:lnL w="12700" cmpd="sng">
+                      <a:noFill/>
+                    </a:lnL>
+                    <a:lnR w="12700" cmpd="sng">
+                      <a:noFill/>
+                    </a:lnR>
+                    <a:lnT w="12700" cmpd="sng">
+                      <a:noFill/>
+                    </a:lnT>
+                    <a:lnB w="12700" cmpd="sng">
+                      <a:noFill/>
+                    </a:lnB>
+                    <a:lnTlToBr w="12700" cmpd="sng">
+                      <a:noFill/>
+                      <a:prstDash val="solid"/>
+                    </a:lnTlToBr>
+                    <a:lnBlToTr w="12700" cmpd="sng">
+                      <a:noFill/>
+                      <a:prstDash val="solid"/>
+                    </a:lnBlToTr>
+                    <a:noFill/>
+                  </a:tcPr>
+                </a:tc>
+                <a:extLst>
+                  <a:ext uri="{0D108BD9-81ED-4DB2-BD59-A6C34878D82A}">
+                    <a16:rowId xmlns:a16="http://schemas.microsoft.com/office/drawing/2014/main" val="1806368409"/>
+                  </a:ext>
+                </a:extLst>
+              </a:tr>
+              <a:tr h="284706">
+                <a:tc>
+                  <a:txBody>
+                    <a:bodyPr/>
+                    <a:lstStyle/>
+                    <a:p>
+                      <a:pPr marL="457200" lvl="1" indent="0" algn="ctr" fontAlgn="b">
+                        <a:buFont typeface="Arial" panose="020B0604020202020204" pitchFamily="34" charset="0"/>
+                        <a:buNone/>
+                      </a:pPr>
+                      <a:r>
+                        <a:rPr lang="en-US" sz="1200" b="0" i="0" u="none" strike="noStrike" dirty="0">
+                          <a:solidFill>
+                            <a:schemeClr val="tx1"/>
+                          </a:solidFill>
+                          <a:effectLst/>
+                          <a:latin typeface="+mn-lt"/>
+                        </a:rPr>
+                        <a:t>2</a:t>
+                      </a:r>
+                    </a:p>
+                  </a:txBody>
+                  <a:tcPr marL="240191" marR="76261" marT="38130" marB="38130" anchor="ctr">
+                    <a:lnL w="12700" cmpd="sng">
+                      <a:noFill/>
+                    </a:lnL>
+                    <a:lnR w="12700" cmpd="sng">
+                      <a:noFill/>
+                    </a:lnR>
+                    <a:lnT w="12700" cmpd="sng">
+                      <a:noFill/>
+                    </a:lnT>
+                    <a:lnB w="12700" cmpd="sng">
+                      <a:noFill/>
+                    </a:lnB>
+                    <a:lnTlToBr w="12700" cmpd="sng">
+                      <a:noFill/>
+                      <a:prstDash val="solid"/>
+                    </a:lnTlToBr>
+                    <a:lnBlToTr w="12700" cmpd="sng">
+                      <a:noFill/>
+                      <a:prstDash val="solid"/>
+                    </a:lnBlToTr>
+                    <a:noFill/>
+                  </a:tcPr>
+                </a:tc>
+                <a:tc>
+                  <a:txBody>
+                    <a:bodyPr/>
+                    <a:lstStyle/>
+                    <a:p>
+                      <a:pPr marL="0" marR="0" lvl="0" indent="0" algn="r" defTabSz="914400" rtl="0" eaLnBrk="1" fontAlgn="b" latinLnBrk="0" hangingPunct="1">
+                        <a:lnSpc>
+                          <a:spcPct val="100000"/>
+                        </a:lnSpc>
+                        <a:spcBef>
+                          <a:spcPts val="0"/>
+                        </a:spcBef>
+                        <a:spcAft>
+                          <a:spcPts val="0"/>
+                        </a:spcAft>
+                        <a:buClrTx/>
+                        <a:buSzTx/>
+                        <a:buFontTx/>
+                        <a:buNone/>
+                        <a:tabLst/>
+                        <a:defRPr/>
+                      </a:pPr>
+                      <a:r>
+                        <a:rPr lang="en-US" sz="1200" b="0" i="0" u="none" strike="noStrike" dirty="0" err="1">
+                          <a:solidFill>
+                            <a:schemeClr val="tx1"/>
+                          </a:solidFill>
+                          <a:effectLst/>
+                          <a:latin typeface="+mn-lt"/>
+                        </a:rPr>
+                        <a:t>Logistic_Regression</a:t>
+                      </a:r>
+                      <a:endParaRPr lang="en-US" sz="1200" b="0" i="0" u="none" strike="noStrike" dirty="0">
+                        <a:solidFill>
+                          <a:schemeClr val="tx1"/>
+                        </a:solidFill>
+                        <a:effectLst/>
+                        <a:latin typeface="+mn-lt"/>
+                      </a:endParaRPr>
+                    </a:p>
+                  </a:txBody>
+                  <a:tcPr marL="76261" marR="76261" marT="38130" marB="38130" anchor="ctr">
+                    <a:lnL w="12700" cmpd="sng">
+                      <a:noFill/>
+                    </a:lnL>
+                    <a:lnR w="12700" cmpd="sng">
+                      <a:noFill/>
+                    </a:lnR>
+                    <a:lnT w="12700" cmpd="sng">
+                      <a:noFill/>
+                    </a:lnT>
+                    <a:lnB w="12700" cmpd="sng">
+                      <a:noFill/>
+                    </a:lnB>
+                    <a:lnTlToBr w="12700" cmpd="sng">
+                      <a:noFill/>
+                      <a:prstDash val="solid"/>
+                    </a:lnTlToBr>
+                    <a:lnBlToTr w="12700" cmpd="sng">
+                      <a:noFill/>
+                      <a:prstDash val="solid"/>
+                    </a:lnBlToTr>
+                    <a:noFill/>
+                  </a:tcPr>
+                </a:tc>
+                <a:tc>
+                  <a:txBody>
+                    <a:bodyPr/>
+                    <a:lstStyle/>
+                    <a:p>
+                      <a:pPr algn="r" fontAlgn="b"/>
+                      <a:r>
+                        <a:rPr lang="en-US" sz="1200" b="0" i="0" u="none" strike="noStrike" dirty="0">
+                          <a:solidFill>
+                            <a:schemeClr val="tx1"/>
+                          </a:solidFill>
+                          <a:effectLst/>
+                          <a:latin typeface="+mn-lt"/>
+                        </a:rPr>
+                        <a:t>0.819</a:t>
+                      </a:r>
+                    </a:p>
+                  </a:txBody>
+                  <a:tcPr marL="76261" marR="76261" marT="38130" marB="38130" anchor="ctr">
+                    <a:lnL w="12700" cmpd="sng">
+                      <a:noFill/>
+                    </a:lnL>
+                    <a:lnR w="12700" cmpd="sng">
+                      <a:noFill/>
+                    </a:lnR>
+                    <a:lnT w="12700" cmpd="sng">
+                      <a:noFill/>
+                    </a:lnT>
+                    <a:lnB w="12700" cmpd="sng">
+                      <a:noFill/>
+                    </a:lnB>
+                    <a:lnTlToBr w="12700" cmpd="sng">
+                      <a:noFill/>
+                      <a:prstDash val="solid"/>
+                    </a:lnTlToBr>
+                    <a:lnBlToTr w="12700" cmpd="sng">
+                      <a:noFill/>
+                      <a:prstDash val="solid"/>
+                    </a:lnBlToTr>
+                    <a:noFill/>
+                  </a:tcPr>
+                </a:tc>
+                <a:tc>
+                  <a:txBody>
+                    <a:bodyPr/>
+                    <a:lstStyle/>
+                    <a:p>
+                      <a:pPr algn="r" fontAlgn="b"/>
+                      <a:r>
+                        <a:rPr lang="en-US" sz="1200" b="0" u="none" strike="noStrike" dirty="0">
+                          <a:solidFill>
+                            <a:schemeClr val="tx1"/>
+                          </a:solidFill>
+                          <a:effectLst/>
+                        </a:rPr>
+                        <a:t>0.817</a:t>
+                      </a:r>
+                      <a:endParaRPr lang="en-US" sz="1200" b="0" i="0" u="none" strike="noStrike" dirty="0">
+                        <a:solidFill>
+                          <a:schemeClr val="tx1"/>
+                        </a:solidFill>
+                        <a:effectLst/>
+                        <a:latin typeface="+mn-lt"/>
+                      </a:endParaRPr>
+                    </a:p>
+                  </a:txBody>
+                  <a:tcPr marL="76261" marR="76261" marT="38130" marB="38130" anchor="ctr">
+                    <a:lnL w="12700" cmpd="sng">
+                      <a:noFill/>
+                    </a:lnL>
+                    <a:lnR w="12700" cmpd="sng">
+                      <a:noFill/>
+                    </a:lnR>
+                    <a:lnT w="12700" cmpd="sng">
+                      <a:noFill/>
+                    </a:lnT>
+                    <a:lnB w="12700" cmpd="sng">
+                      <a:noFill/>
+                    </a:lnB>
+                    <a:lnTlToBr w="12700" cmpd="sng">
+                      <a:noFill/>
+                      <a:prstDash val="solid"/>
+                    </a:lnTlToBr>
+                    <a:lnBlToTr w="12700" cmpd="sng">
+                      <a:noFill/>
+                      <a:prstDash val="solid"/>
+                    </a:lnBlToTr>
+                    <a:noFill/>
+                  </a:tcPr>
+                </a:tc>
+                <a:extLst>
+                  <a:ext uri="{0D108BD9-81ED-4DB2-BD59-A6C34878D82A}">
+                    <a16:rowId xmlns:a16="http://schemas.microsoft.com/office/drawing/2014/main" val="879688327"/>
+                  </a:ext>
+                </a:extLst>
+              </a:tr>
+            </a:tbl>
+          </a:graphicData>
+        </a:graphic>
+      </p:graphicFrame>
     </p:spTree>
     <p:extLst>
       <p:ext uri="{BB962C8B-B14F-4D97-AF65-F5344CB8AC3E}">
-        <p14:creationId xmlns:p14="http://schemas.microsoft.com/office/powerpoint/2010/main" val="2436493926"/>
+        <p14:creationId xmlns:p14="http://schemas.microsoft.com/office/powerpoint/2010/main" val="3959449097"/>
+      </p:ext>
+    </p:extLst>
+  </p:cSld>
+  <p:clrMapOvr>
+    <a:masterClrMapping/>
+  </p:clrMapOvr>
+</p:sld>
+</file>
+
+<file path=ppt/slides/slide29.xml><?xml version="1.0" encoding="utf-8"?>
+<p:sld xmlns:a="http://schemas.openxmlformats.org/drawingml/2006/main" xmlns:r="http://schemas.openxmlformats.org/officeDocument/2006/relationships" xmlns:p="http://schemas.openxmlformats.org/presentationml/2006/main">
+  <p:cSld>
+    <p:spTree>
+      <p:nvGrpSpPr>
+        <p:cNvPr id="1" name=""/>
+        <p:cNvGrpSpPr/>
+        <p:nvPr/>
+      </p:nvGrpSpPr>
+      <p:grpSpPr>
+        <a:xfrm>
+          <a:off x="0" y="0"/>
+          <a:ext cx="0" cy="0"/>
+          <a:chOff x="0" y="0"/>
+          <a:chExt cx="0" cy="0"/>
+        </a:xfrm>
+      </p:grpSpPr>
+      <p:sp>
+        <p:nvSpPr>
+          <p:cNvPr id="2" name="Title 1">
+            <a:extLst>
+              <a:ext uri="{FF2B5EF4-FFF2-40B4-BE49-F238E27FC236}">
+                <a16:creationId xmlns:a16="http://schemas.microsoft.com/office/drawing/2014/main" id="{245014CE-66BB-E939-40CD-56ACB9CC4973}"/>
+              </a:ext>
+            </a:extLst>
+          </p:cNvPr>
+          <p:cNvSpPr>
+            <a:spLocks noGrp="1"/>
+          </p:cNvSpPr>
+          <p:nvPr>
+            <p:ph type="title"/>
+          </p:nvPr>
+        </p:nvSpPr>
+        <p:spPr/>
+        <p:txBody>
+          <a:bodyPr/>
+          <a:lstStyle/>
+          <a:p>
+            <a:r>
+              <a:rPr lang="en-US" dirty="0"/>
+              <a:t>Change in Prediction</a:t>
+            </a:r>
+            <a:endParaRPr lang="en-IN" dirty="0"/>
+          </a:p>
+        </p:txBody>
+      </p:sp>
+      <p:pic>
+        <p:nvPicPr>
+          <p:cNvPr id="7" name="Content Placeholder 6">
+            <a:extLst>
+              <a:ext uri="{FF2B5EF4-FFF2-40B4-BE49-F238E27FC236}">
+                <a16:creationId xmlns:a16="http://schemas.microsoft.com/office/drawing/2014/main" id="{B4DE207B-4B0E-2730-7651-B0CD072A82CA}"/>
+              </a:ext>
+            </a:extLst>
+          </p:cNvPr>
+          <p:cNvPicPr>
+            <a:picLocks noGrp="1" noChangeAspect="1"/>
+          </p:cNvPicPr>
+          <p:nvPr>
+            <p:ph sz="quarter" idx="4"/>
+          </p:nvPr>
+        </p:nvPicPr>
+        <p:blipFill>
+          <a:blip r:embed="rId2"/>
+          <a:stretch>
+            <a:fillRect/>
+          </a:stretch>
+        </p:blipFill>
+        <p:spPr>
+          <a:xfrm>
+            <a:off x="1809152" y="3806748"/>
+            <a:ext cx="8611802" cy="552527"/>
+          </a:xfrm>
+        </p:spPr>
+      </p:pic>
+      <p:sp>
+        <p:nvSpPr>
+          <p:cNvPr id="9" name="Slide Number Placeholder 8">
+            <a:extLst>
+              <a:ext uri="{FF2B5EF4-FFF2-40B4-BE49-F238E27FC236}">
+                <a16:creationId xmlns:a16="http://schemas.microsoft.com/office/drawing/2014/main" id="{0836EC42-1E92-0729-EB7C-4E233B32004C}"/>
+              </a:ext>
+            </a:extLst>
+          </p:cNvPr>
+          <p:cNvSpPr>
+            <a:spLocks noGrp="1"/>
+          </p:cNvSpPr>
+          <p:nvPr>
+            <p:ph type="sldNum" sz="quarter" idx="12"/>
+          </p:nvPr>
+        </p:nvSpPr>
+        <p:spPr/>
+        <p:txBody>
+          <a:bodyPr/>
+          <a:lstStyle/>
+          <a:p>
+            <a:fld id="{B5CEABB6-07DC-46E8-9B57-56EC44A396E5}" type="slidenum">
+              <a:rPr lang="en-US" smtClean="0"/>
+              <a:t>29</a:t>
+            </a:fld>
+            <a:endParaRPr lang="en-US" dirty="0"/>
+          </a:p>
+        </p:txBody>
+      </p:sp>
+      <p:pic>
+        <p:nvPicPr>
+          <p:cNvPr id="10" name="Content Placeholder 9">
+            <a:extLst>
+              <a:ext uri="{FF2B5EF4-FFF2-40B4-BE49-F238E27FC236}">
+                <a16:creationId xmlns:a16="http://schemas.microsoft.com/office/drawing/2014/main" id="{C6CDD530-CF8C-6C02-2407-00B4285D77BD}"/>
+              </a:ext>
+            </a:extLst>
+          </p:cNvPr>
+          <p:cNvPicPr>
+            <a:picLocks noGrp="1" noChangeAspect="1"/>
+          </p:cNvPicPr>
+          <p:nvPr>
+            <p:ph sz="half" idx="2"/>
+          </p:nvPr>
+        </p:nvPicPr>
+        <p:blipFill>
+          <a:blip r:embed="rId3"/>
+          <a:stretch>
+            <a:fillRect/>
+          </a:stretch>
+        </p:blipFill>
+        <p:spPr>
+          <a:xfrm>
+            <a:off x="1809152" y="5086312"/>
+            <a:ext cx="8573696" cy="543001"/>
+          </a:xfrm>
+        </p:spPr>
+      </p:pic>
+      <p:sp>
+        <p:nvSpPr>
+          <p:cNvPr id="12" name="Arrow: Down 11">
+            <a:extLst>
+              <a:ext uri="{FF2B5EF4-FFF2-40B4-BE49-F238E27FC236}">
+                <a16:creationId xmlns:a16="http://schemas.microsoft.com/office/drawing/2014/main" id="{FAC5CED4-A683-4911-B2C2-0B3512710F17}"/>
+              </a:ext>
+            </a:extLst>
+          </p:cNvPr>
+          <p:cNvSpPr/>
+          <p:nvPr/>
+        </p:nvSpPr>
+        <p:spPr>
+          <a:xfrm>
+            <a:off x="9863667" y="4359275"/>
+            <a:ext cx="262466" cy="727037"/>
+          </a:xfrm>
+          <a:prstGeom prst="downArrow">
+            <a:avLst/>
+          </a:prstGeom>
+        </p:spPr>
+        <p:style>
+          <a:lnRef idx="2">
+            <a:schemeClr val="accent6">
+              <a:shade val="15000"/>
+            </a:schemeClr>
+          </a:lnRef>
+          <a:fillRef idx="1">
+            <a:schemeClr val="accent6"/>
+          </a:fillRef>
+          <a:effectRef idx="0">
+            <a:schemeClr val="accent6"/>
+          </a:effectRef>
+          <a:fontRef idx="minor">
+            <a:schemeClr val="lt1"/>
+          </a:fontRef>
+        </p:style>
+        <p:txBody>
+          <a:bodyPr rtlCol="0" anchor="ctr"/>
+          <a:lstStyle/>
+          <a:p>
+            <a:pPr algn="ctr"/>
+            <a:endParaRPr lang="en-IN"/>
+          </a:p>
+        </p:txBody>
+      </p:sp>
+      <p:sp>
+        <p:nvSpPr>
+          <p:cNvPr id="13" name="TextBox 12">
+            <a:extLst>
+              <a:ext uri="{FF2B5EF4-FFF2-40B4-BE49-F238E27FC236}">
+                <a16:creationId xmlns:a16="http://schemas.microsoft.com/office/drawing/2014/main" id="{FF07CDE5-BFD0-F6FF-85E4-E1E7EFC73D3D}"/>
+              </a:ext>
+            </a:extLst>
+          </p:cNvPr>
+          <p:cNvSpPr txBox="1"/>
+          <p:nvPr/>
+        </p:nvSpPr>
+        <p:spPr>
+          <a:xfrm>
+            <a:off x="2859375" y="2268055"/>
+            <a:ext cx="6473249" cy="738664"/>
+          </a:xfrm>
+          <a:prstGeom prst="rect">
+            <a:avLst/>
+          </a:prstGeom>
+          <a:noFill/>
+        </p:spPr>
+        <p:txBody>
+          <a:bodyPr wrap="square" rtlCol="0">
+            <a:spAutoFit/>
+          </a:bodyPr>
+          <a:lstStyle/>
+          <a:p>
+            <a:r>
+              <a:rPr lang="en-US" sz="1400" dirty="0">
+                <a:solidFill>
+                  <a:schemeClr val="tx1">
+                    <a:lumMod val="75000"/>
+                    <a:lumOff val="25000"/>
+                  </a:schemeClr>
+                </a:solidFill>
+              </a:rPr>
+              <a:t>As we can see predictions before are higher than our more efficient dataset.</a:t>
+            </a:r>
+          </a:p>
+          <a:p>
+            <a:endParaRPr lang="en-US" sz="1400" dirty="0">
+              <a:solidFill>
+                <a:schemeClr val="tx1">
+                  <a:lumMod val="75000"/>
+                  <a:lumOff val="25000"/>
+                </a:schemeClr>
+              </a:solidFill>
+            </a:endParaRPr>
+          </a:p>
+          <a:p>
+            <a:r>
+              <a:rPr lang="en-IN" sz="1400" dirty="0">
+                <a:solidFill>
+                  <a:schemeClr val="tx1">
+                    <a:lumMod val="75000"/>
+                    <a:lumOff val="25000"/>
+                  </a:schemeClr>
+                </a:solidFill>
+              </a:rPr>
+              <a:t>But if we see percentage difference its very close, It just dropped by </a:t>
+            </a:r>
+            <a:r>
+              <a:rPr lang="en-IN" sz="1400" b="1" u="sng" dirty="0">
+                <a:solidFill>
+                  <a:schemeClr val="accent6"/>
+                </a:solidFill>
+              </a:rPr>
+              <a:t>1.5%.</a:t>
+            </a:r>
+          </a:p>
+        </p:txBody>
+      </p:sp>
+    </p:spTree>
+    <p:extLst>
+      <p:ext uri="{BB962C8B-B14F-4D97-AF65-F5344CB8AC3E}">
+        <p14:creationId xmlns:p14="http://schemas.microsoft.com/office/powerpoint/2010/main" val="3031071542"/>
       </p:ext>
     </p:extLst>
   </p:cSld>
@@ -23137,6 +24530,730 @@
     <p:extLst>
       <p:ext uri="{BB962C8B-B14F-4D97-AF65-F5344CB8AC3E}">
         <p14:creationId xmlns:p14="http://schemas.microsoft.com/office/powerpoint/2010/main" val="1593920805"/>
+      </p:ext>
+    </p:extLst>
+  </p:cSld>
+  <p:clrMapOvr>
+    <a:masterClrMapping/>
+  </p:clrMapOvr>
+</p:sld>
+</file>
+
+<file path=ppt/slides/slide30.xml><?xml version="1.0" encoding="utf-8"?>
+<p:sld xmlns:a="http://schemas.openxmlformats.org/drawingml/2006/main" xmlns:r="http://schemas.openxmlformats.org/officeDocument/2006/relationships" xmlns:p="http://schemas.openxmlformats.org/presentationml/2006/main">
+  <p:cSld>
+    <p:spTree>
+      <p:nvGrpSpPr>
+        <p:cNvPr id="1" name=""/>
+        <p:cNvGrpSpPr/>
+        <p:nvPr/>
+      </p:nvGrpSpPr>
+      <p:grpSpPr>
+        <a:xfrm>
+          <a:off x="0" y="0"/>
+          <a:ext cx="0" cy="0"/>
+          <a:chOff x="0" y="0"/>
+          <a:chExt cx="0" cy="0"/>
+        </a:xfrm>
+      </p:grpSpPr>
+      <p:sp>
+        <p:nvSpPr>
+          <p:cNvPr id="2" name="Title 1">
+            <a:extLst>
+              <a:ext uri="{FF2B5EF4-FFF2-40B4-BE49-F238E27FC236}">
+                <a16:creationId xmlns:a16="http://schemas.microsoft.com/office/drawing/2014/main" id="{9215B783-3002-29EB-0E5F-1320CA3503EC}"/>
+              </a:ext>
+            </a:extLst>
+          </p:cNvPr>
+          <p:cNvSpPr>
+            <a:spLocks noGrp="1"/>
+          </p:cNvSpPr>
+          <p:nvPr>
+            <p:ph type="title"/>
+          </p:nvPr>
+        </p:nvSpPr>
+        <p:spPr/>
+        <p:txBody>
+          <a:bodyPr/>
+          <a:lstStyle/>
+          <a:p>
+            <a:r>
+              <a:rPr lang="en-US" dirty="0"/>
+              <a:t>Importance of Features</a:t>
+            </a:r>
+            <a:endParaRPr lang="en-IN" dirty="0"/>
+          </a:p>
+        </p:txBody>
+      </p:sp>
+      <p:sp>
+        <p:nvSpPr>
+          <p:cNvPr id="3" name="Text Placeholder 2">
+            <a:extLst>
+              <a:ext uri="{FF2B5EF4-FFF2-40B4-BE49-F238E27FC236}">
+                <a16:creationId xmlns:a16="http://schemas.microsoft.com/office/drawing/2014/main" id="{EB31FD07-E5E6-F5CA-BC43-59112E2F407A}"/>
+              </a:ext>
+            </a:extLst>
+          </p:cNvPr>
+          <p:cNvSpPr>
+            <a:spLocks noGrp="1"/>
+          </p:cNvSpPr>
+          <p:nvPr>
+            <p:ph type="body" idx="1"/>
+          </p:nvPr>
+        </p:nvSpPr>
+        <p:spPr>
+          <a:xfrm>
+            <a:off x="5476875" y="3200400"/>
+            <a:ext cx="5111750" cy="3155950"/>
+          </a:xfrm>
+        </p:spPr>
+        <p:txBody>
+          <a:bodyPr>
+            <a:normAutofit lnSpcReduction="10000"/>
+          </a:bodyPr>
+          <a:lstStyle/>
+          <a:p>
+            <a:r>
+              <a:rPr lang="en-US" dirty="0"/>
+              <a:t>From this trail and error method we know most important features of datasets. They are:</a:t>
+            </a:r>
+          </a:p>
+          <a:p>
+            <a:pPr marL="285750" indent="-285750">
+              <a:buFont typeface="Arial" panose="020B0604020202020204" pitchFamily="34" charset="0"/>
+              <a:buChar char="•"/>
+            </a:pPr>
+            <a:r>
+              <a:rPr lang="en-US" dirty="0"/>
+              <a:t>Age</a:t>
+            </a:r>
+          </a:p>
+          <a:p>
+            <a:pPr marL="285750" indent="-285750">
+              <a:buFont typeface="Arial" panose="020B0604020202020204" pitchFamily="34" charset="0"/>
+              <a:buChar char="•"/>
+            </a:pPr>
+            <a:r>
+              <a:rPr lang="en-US" dirty="0"/>
+              <a:t>Work Class</a:t>
+            </a:r>
+          </a:p>
+          <a:p>
+            <a:pPr marL="285750" indent="-285750">
+              <a:buFont typeface="Arial" panose="020B0604020202020204" pitchFamily="34" charset="0"/>
+              <a:buChar char="•"/>
+            </a:pPr>
+            <a:r>
+              <a:rPr lang="en-US" dirty="0"/>
+              <a:t>Education</a:t>
+            </a:r>
+          </a:p>
+          <a:p>
+            <a:pPr marL="285750" indent="-285750">
+              <a:buFont typeface="Arial" panose="020B0604020202020204" pitchFamily="34" charset="0"/>
+              <a:buChar char="•"/>
+            </a:pPr>
+            <a:r>
+              <a:rPr lang="en-IN" dirty="0"/>
+              <a:t>Marital status </a:t>
+            </a:r>
+          </a:p>
+          <a:p>
+            <a:pPr marL="285750" indent="-285750">
+              <a:buFont typeface="Arial" panose="020B0604020202020204" pitchFamily="34" charset="0"/>
+              <a:buChar char="•"/>
+            </a:pPr>
+            <a:r>
+              <a:rPr lang="en-IN" dirty="0"/>
+              <a:t>Gender</a:t>
+            </a:r>
+          </a:p>
+          <a:p>
+            <a:pPr marL="285750" indent="-285750">
+              <a:buFont typeface="Arial" panose="020B0604020202020204" pitchFamily="34" charset="0"/>
+              <a:buChar char="•"/>
+            </a:pPr>
+            <a:r>
+              <a:rPr lang="en-IN" dirty="0"/>
+              <a:t>Capital Gain</a:t>
+            </a:r>
+          </a:p>
+          <a:p>
+            <a:pPr marL="285750" indent="-285750">
+              <a:buFont typeface="Arial" panose="020B0604020202020204" pitchFamily="34" charset="0"/>
+              <a:buChar char="•"/>
+            </a:pPr>
+            <a:r>
+              <a:rPr lang="en-IN" dirty="0"/>
+              <a:t>Capital Loss </a:t>
+            </a:r>
+          </a:p>
+          <a:p>
+            <a:pPr marL="285750" indent="-285750">
+              <a:buFont typeface="Arial" panose="020B0604020202020204" pitchFamily="34" charset="0"/>
+              <a:buChar char="•"/>
+            </a:pPr>
+            <a:r>
+              <a:rPr lang="en-IN" dirty="0"/>
+              <a:t>Hours per Week</a:t>
+            </a:r>
+          </a:p>
+          <a:p>
+            <a:endParaRPr lang="en-IN" dirty="0"/>
+          </a:p>
+        </p:txBody>
+      </p:sp>
+      <p:sp>
+        <p:nvSpPr>
+          <p:cNvPr id="4" name="Slide Number Placeholder 3">
+            <a:extLst>
+              <a:ext uri="{FF2B5EF4-FFF2-40B4-BE49-F238E27FC236}">
+                <a16:creationId xmlns:a16="http://schemas.microsoft.com/office/drawing/2014/main" id="{D216C702-8B54-8C4C-48A8-E43E414F94E3}"/>
+              </a:ext>
+            </a:extLst>
+          </p:cNvPr>
+          <p:cNvSpPr>
+            <a:spLocks noGrp="1"/>
+          </p:cNvSpPr>
+          <p:nvPr>
+            <p:ph type="sldNum" sz="quarter" idx="12"/>
+          </p:nvPr>
+        </p:nvSpPr>
+        <p:spPr/>
+        <p:txBody>
+          <a:bodyPr/>
+          <a:lstStyle/>
+          <a:p>
+            <a:fld id="{B5CEABB6-07DC-46E8-9B57-56EC44A396E5}" type="slidenum">
+              <a:rPr lang="en-US" smtClean="0"/>
+              <a:t>30</a:t>
+            </a:fld>
+            <a:endParaRPr lang="en-US" dirty="0"/>
+          </a:p>
+        </p:txBody>
+      </p:sp>
+    </p:spTree>
+    <p:extLst>
+      <p:ext uri="{BB962C8B-B14F-4D97-AF65-F5344CB8AC3E}">
+        <p14:creationId xmlns:p14="http://schemas.microsoft.com/office/powerpoint/2010/main" val="2247582677"/>
+      </p:ext>
+    </p:extLst>
+  </p:cSld>
+  <p:clrMapOvr>
+    <a:masterClrMapping/>
+  </p:clrMapOvr>
+</p:sld>
+</file>
+
+<file path=ppt/slides/slide31.xml><?xml version="1.0" encoding="utf-8"?>
+<p:sld xmlns:a="http://schemas.openxmlformats.org/drawingml/2006/main" xmlns:r="http://schemas.openxmlformats.org/officeDocument/2006/relationships" xmlns:p="http://schemas.openxmlformats.org/presentationml/2006/main">
+  <p:cSld>
+    <p:spTree>
+      <p:nvGrpSpPr>
+        <p:cNvPr id="1" name=""/>
+        <p:cNvGrpSpPr/>
+        <p:nvPr/>
+      </p:nvGrpSpPr>
+      <p:grpSpPr>
+        <a:xfrm>
+          <a:off x="0" y="0"/>
+          <a:ext cx="0" cy="0"/>
+          <a:chOff x="0" y="0"/>
+          <a:chExt cx="0" cy="0"/>
+        </a:xfrm>
+      </p:grpSpPr>
+      <p:sp>
+        <p:nvSpPr>
+          <p:cNvPr id="2" name="Title 1">
+            <a:extLst>
+              <a:ext uri="{FF2B5EF4-FFF2-40B4-BE49-F238E27FC236}">
+                <a16:creationId xmlns:a16="http://schemas.microsoft.com/office/drawing/2014/main" id="{67708C79-A4AC-4B5D-92DF-600737E4D11A}"/>
+              </a:ext>
+            </a:extLst>
+          </p:cNvPr>
+          <p:cNvSpPr>
+            <a:spLocks noGrp="1"/>
+          </p:cNvSpPr>
+          <p:nvPr>
+            <p:ph type="title"/>
+          </p:nvPr>
+        </p:nvSpPr>
+        <p:spPr>
+          <a:xfrm>
+            <a:off x="838200" y="5509419"/>
+            <a:ext cx="4082142" cy="585788"/>
+          </a:xfrm>
+        </p:spPr>
+        <p:txBody>
+          <a:bodyPr/>
+          <a:lstStyle/>
+          <a:p>
+            <a:r>
+              <a:rPr lang="en-US" dirty="0"/>
+              <a:t>Use Cases</a:t>
+            </a:r>
+          </a:p>
+        </p:txBody>
+      </p:sp>
+      <p:sp>
+        <p:nvSpPr>
+          <p:cNvPr id="3" name="Content Placeholder 2">
+            <a:extLst>
+              <a:ext uri="{FF2B5EF4-FFF2-40B4-BE49-F238E27FC236}">
+                <a16:creationId xmlns:a16="http://schemas.microsoft.com/office/drawing/2014/main" id="{7D779DE4-CAEA-4617-897E-FEC9A2AC2D6A}"/>
+              </a:ext>
+            </a:extLst>
+          </p:cNvPr>
+          <p:cNvSpPr>
+            <a:spLocks noGrp="1"/>
+          </p:cNvSpPr>
+          <p:nvPr>
+            <p:ph type="body" sz="quarter" idx="13"/>
+          </p:nvPr>
+        </p:nvSpPr>
+        <p:spPr>
+          <a:xfrm>
+            <a:off x="148318" y="1481138"/>
+            <a:ext cx="2141764" cy="514350"/>
+          </a:xfrm>
+        </p:spPr>
+        <p:txBody>
+          <a:bodyPr vert="horz" lIns="91440" tIns="45720" rIns="91440" bIns="45720" rtlCol="0" anchor="ctr">
+            <a:normAutofit/>
+          </a:bodyPr>
+          <a:lstStyle/>
+          <a:p>
+            <a:r>
+              <a:rPr lang="en-US" dirty="0"/>
+              <a:t>Credit scoring</a:t>
+            </a:r>
+          </a:p>
+        </p:txBody>
+      </p:sp>
+      <p:sp>
+        <p:nvSpPr>
+          <p:cNvPr id="4" name="Text Placeholder 3">
+            <a:extLst>
+              <a:ext uri="{FF2B5EF4-FFF2-40B4-BE49-F238E27FC236}">
+                <a16:creationId xmlns:a16="http://schemas.microsoft.com/office/drawing/2014/main" id="{F5FF1291-56EB-4A7B-A198-1D91F9ECC5D3}"/>
+              </a:ext>
+            </a:extLst>
+          </p:cNvPr>
+          <p:cNvSpPr>
+            <a:spLocks noGrp="1"/>
+          </p:cNvSpPr>
+          <p:nvPr>
+            <p:ph type="body" sz="quarter" idx="14"/>
+          </p:nvPr>
+        </p:nvSpPr>
+        <p:spPr>
+          <a:xfrm>
+            <a:off x="714375" y="2557463"/>
+            <a:ext cx="2141764" cy="514350"/>
+          </a:xfrm>
+        </p:spPr>
+        <p:txBody>
+          <a:bodyPr/>
+          <a:lstStyle/>
+          <a:p>
+            <a:r>
+              <a:rPr lang="en-US" dirty="0"/>
+              <a:t>Marketing</a:t>
+            </a:r>
+          </a:p>
+        </p:txBody>
+      </p:sp>
+      <p:sp>
+        <p:nvSpPr>
+          <p:cNvPr id="5" name="Text Placeholder 4">
+            <a:extLst>
+              <a:ext uri="{FF2B5EF4-FFF2-40B4-BE49-F238E27FC236}">
+                <a16:creationId xmlns:a16="http://schemas.microsoft.com/office/drawing/2014/main" id="{6184E21C-7534-4FB5-9709-F7D1A11034F3}"/>
+              </a:ext>
+            </a:extLst>
+          </p:cNvPr>
+          <p:cNvSpPr>
+            <a:spLocks noGrp="1"/>
+          </p:cNvSpPr>
+          <p:nvPr>
+            <p:ph type="body" sz="quarter" idx="15"/>
+          </p:nvPr>
+        </p:nvSpPr>
+        <p:spPr>
+          <a:xfrm>
+            <a:off x="1320800" y="3633788"/>
+            <a:ext cx="2141764" cy="514350"/>
+          </a:xfrm>
+        </p:spPr>
+        <p:txBody>
+          <a:bodyPr/>
+          <a:lstStyle/>
+          <a:p>
+            <a:r>
+              <a:rPr lang="en-US" dirty="0"/>
+              <a:t>Government policy</a:t>
+            </a:r>
+          </a:p>
+        </p:txBody>
+      </p:sp>
+      <p:sp>
+        <p:nvSpPr>
+          <p:cNvPr id="6" name="Text Placeholder 5">
+            <a:extLst>
+              <a:ext uri="{FF2B5EF4-FFF2-40B4-BE49-F238E27FC236}">
+                <a16:creationId xmlns:a16="http://schemas.microsoft.com/office/drawing/2014/main" id="{5C594564-4FC6-401A-8586-44735EE819EC}"/>
+              </a:ext>
+            </a:extLst>
+          </p:cNvPr>
+          <p:cNvSpPr>
+            <a:spLocks noGrp="1"/>
+          </p:cNvSpPr>
+          <p:nvPr>
+            <p:ph type="body" sz="quarter" idx="16"/>
+          </p:nvPr>
+        </p:nvSpPr>
+        <p:spPr>
+          <a:xfrm>
+            <a:off x="1905000" y="4710114"/>
+            <a:ext cx="2141764" cy="514350"/>
+          </a:xfrm>
+        </p:spPr>
+        <p:txBody>
+          <a:bodyPr/>
+          <a:lstStyle/>
+          <a:p>
+            <a:r>
+              <a:rPr lang="en-US" dirty="0"/>
+              <a:t>Education planning</a:t>
+            </a:r>
+          </a:p>
+        </p:txBody>
+      </p:sp>
+      <p:sp>
+        <p:nvSpPr>
+          <p:cNvPr id="7" name="Text Placeholder 6">
+            <a:extLst>
+              <a:ext uri="{FF2B5EF4-FFF2-40B4-BE49-F238E27FC236}">
+                <a16:creationId xmlns:a16="http://schemas.microsoft.com/office/drawing/2014/main" id="{D7EB25CA-DA83-483D-AF83-0001BDF2DE2B}"/>
+              </a:ext>
+            </a:extLst>
+          </p:cNvPr>
+          <p:cNvSpPr>
+            <a:spLocks noGrp="1"/>
+          </p:cNvSpPr>
+          <p:nvPr>
+            <p:ph type="body" sz="quarter" idx="17"/>
+          </p:nvPr>
+        </p:nvSpPr>
+        <p:spPr>
+          <a:xfrm>
+            <a:off x="4401535" y="1594478"/>
+            <a:ext cx="5539095" cy="1010842"/>
+          </a:xfrm>
+        </p:spPr>
+        <p:txBody>
+          <a:bodyPr/>
+          <a:lstStyle/>
+          <a:p>
+            <a:r>
+              <a:rPr lang="en-US" b="0" i="0" dirty="0">
+                <a:effectLst/>
+              </a:rPr>
+              <a:t>Financial institutions can use the analysis to assess an individual's creditworthiness. By considering income, employment, and other factors, they can make informed decisions on lending and setting interest rates</a:t>
+            </a:r>
+            <a:r>
+              <a:rPr lang="en-US" b="0" i="0" dirty="0">
+                <a:effectLst/>
+                <a:latin typeface="Söhne"/>
+              </a:rPr>
+              <a:t>.</a:t>
+            </a:r>
+            <a:endParaRPr lang="en-US" dirty="0"/>
+          </a:p>
+        </p:txBody>
+      </p:sp>
+      <p:sp>
+        <p:nvSpPr>
+          <p:cNvPr id="8" name="Text Placeholder 7">
+            <a:extLst>
+              <a:ext uri="{FF2B5EF4-FFF2-40B4-BE49-F238E27FC236}">
+                <a16:creationId xmlns:a16="http://schemas.microsoft.com/office/drawing/2014/main" id="{B46CE8C6-E12D-4A0D-8553-7FFA31941D56}"/>
+              </a:ext>
+            </a:extLst>
+          </p:cNvPr>
+          <p:cNvSpPr>
+            <a:spLocks noGrp="1"/>
+          </p:cNvSpPr>
+          <p:nvPr>
+            <p:ph type="body" sz="quarter" idx="18"/>
+          </p:nvPr>
+        </p:nvSpPr>
+        <p:spPr>
+          <a:xfrm>
+            <a:off x="4986028" y="2682564"/>
+            <a:ext cx="5539095" cy="1010842"/>
+          </a:xfrm>
+        </p:spPr>
+        <p:txBody>
+          <a:bodyPr/>
+          <a:lstStyle/>
+          <a:p>
+            <a:r>
+              <a:rPr lang="en-US" b="0" i="0" dirty="0">
+                <a:effectLst/>
+              </a:rPr>
+              <a:t>Companies can target their marketing efforts more effectively by understanding the income and demographic profiles of their customers. This can lead to personalized advertising and product recommendations.</a:t>
+            </a:r>
+            <a:endParaRPr lang="en-US" dirty="0"/>
+          </a:p>
+        </p:txBody>
+      </p:sp>
+      <p:sp>
+        <p:nvSpPr>
+          <p:cNvPr id="9" name="Text Placeholder 8">
+            <a:extLst>
+              <a:ext uri="{FF2B5EF4-FFF2-40B4-BE49-F238E27FC236}">
+                <a16:creationId xmlns:a16="http://schemas.microsoft.com/office/drawing/2014/main" id="{1C7D5285-85DF-4331-A6FA-1AE847CA47AE}"/>
+              </a:ext>
+            </a:extLst>
+          </p:cNvPr>
+          <p:cNvSpPr>
+            <a:spLocks noGrp="1"/>
+          </p:cNvSpPr>
+          <p:nvPr>
+            <p:ph type="body" sz="quarter" idx="19"/>
+          </p:nvPr>
+        </p:nvSpPr>
+        <p:spPr>
+          <a:xfrm>
+            <a:off x="5576937" y="3755394"/>
+            <a:ext cx="5539095" cy="1010842"/>
+          </a:xfrm>
+        </p:spPr>
+        <p:txBody>
+          <a:bodyPr/>
+          <a:lstStyle/>
+          <a:p>
+            <a:r>
+              <a:rPr lang="en-US" b="0" i="0" dirty="0">
+                <a:effectLst/>
+              </a:rPr>
+              <a:t>Governments and policymakers can use the analysis to design and evaluate social programs, tax policies, and measures aimed at reducing income inequality or improving economic conditions for specific demographic groups.</a:t>
+            </a:r>
+            <a:endParaRPr lang="en-US" dirty="0"/>
+          </a:p>
+        </p:txBody>
+      </p:sp>
+      <p:sp>
+        <p:nvSpPr>
+          <p:cNvPr id="10" name="Text Placeholder 9">
+            <a:extLst>
+              <a:ext uri="{FF2B5EF4-FFF2-40B4-BE49-F238E27FC236}">
+                <a16:creationId xmlns:a16="http://schemas.microsoft.com/office/drawing/2014/main" id="{02D305EF-9A88-496B-BFC1-D589A01EE381}"/>
+              </a:ext>
+            </a:extLst>
+          </p:cNvPr>
+          <p:cNvSpPr>
+            <a:spLocks noGrp="1"/>
+          </p:cNvSpPr>
+          <p:nvPr>
+            <p:ph type="body" sz="quarter" idx="20"/>
+          </p:nvPr>
+        </p:nvSpPr>
+        <p:spPr>
+          <a:xfrm>
+            <a:off x="6175279" y="4824430"/>
+            <a:ext cx="5539095" cy="1010842"/>
+          </a:xfrm>
+        </p:spPr>
+        <p:txBody>
+          <a:bodyPr/>
+          <a:lstStyle/>
+          <a:p>
+            <a:r>
+              <a:rPr lang="en-US" b="0" i="0" dirty="0">
+                <a:effectLst/>
+              </a:rPr>
+              <a:t>Educational institutions can use the information to create targeted scholarship programs, improve educational outcomes, and provide resources to students from underprivileged backgrounds.</a:t>
+            </a:r>
+            <a:endParaRPr lang="en-US" dirty="0"/>
+          </a:p>
+        </p:txBody>
+      </p:sp>
+      <p:sp>
+        <p:nvSpPr>
+          <p:cNvPr id="13" name="Slide Number Placeholder 12">
+            <a:extLst>
+              <a:ext uri="{FF2B5EF4-FFF2-40B4-BE49-F238E27FC236}">
+                <a16:creationId xmlns:a16="http://schemas.microsoft.com/office/drawing/2014/main" id="{E3984D70-BD95-4E1F-9725-902B5D74DED6}"/>
+              </a:ext>
+            </a:extLst>
+          </p:cNvPr>
+          <p:cNvSpPr>
+            <a:spLocks noGrp="1"/>
+          </p:cNvSpPr>
+          <p:nvPr>
+            <p:ph type="sldNum" sz="quarter" idx="12"/>
+          </p:nvPr>
+        </p:nvSpPr>
+        <p:spPr>
+          <a:xfrm>
+            <a:off x="10810874" y="6356350"/>
+            <a:ext cx="542925" cy="365125"/>
+          </a:xfrm>
+        </p:spPr>
+        <p:txBody>
+          <a:bodyPr/>
+          <a:lstStyle/>
+          <a:p>
+            <a:fld id="{B5CEABB6-07DC-46E8-9B57-56EC44A396E5}" type="slidenum">
+              <a:rPr lang="en-US" smtClean="0"/>
+              <a:pPr/>
+              <a:t>31</a:t>
+            </a:fld>
+            <a:endParaRPr lang="en-US" dirty="0"/>
+          </a:p>
+        </p:txBody>
+      </p:sp>
+    </p:spTree>
+    <p:extLst>
+      <p:ext uri="{BB962C8B-B14F-4D97-AF65-F5344CB8AC3E}">
+        <p14:creationId xmlns:p14="http://schemas.microsoft.com/office/powerpoint/2010/main" val="1738561688"/>
+      </p:ext>
+    </p:extLst>
+  </p:cSld>
+  <p:clrMapOvr>
+    <a:masterClrMapping/>
+  </p:clrMapOvr>
+</p:sld>
+</file>
+
+<file path=ppt/slides/slide32.xml><?xml version="1.0" encoding="utf-8"?>
+<p:sld xmlns:a="http://schemas.openxmlformats.org/drawingml/2006/main" xmlns:r="http://schemas.openxmlformats.org/officeDocument/2006/relationships" xmlns:p="http://schemas.openxmlformats.org/presentationml/2006/main">
+  <p:cSld>
+    <p:spTree>
+      <p:nvGrpSpPr>
+        <p:cNvPr id="1" name=""/>
+        <p:cNvGrpSpPr/>
+        <p:nvPr/>
+      </p:nvGrpSpPr>
+      <p:grpSpPr>
+        <a:xfrm>
+          <a:off x="0" y="0"/>
+          <a:ext cx="0" cy="0"/>
+          <a:chOff x="0" y="0"/>
+          <a:chExt cx="0" cy="0"/>
+        </a:xfrm>
+      </p:grpSpPr>
+      <p:sp>
+        <p:nvSpPr>
+          <p:cNvPr id="2" name="Title 1">
+            <a:extLst>
+              <a:ext uri="{FF2B5EF4-FFF2-40B4-BE49-F238E27FC236}">
+                <a16:creationId xmlns:a16="http://schemas.microsoft.com/office/drawing/2014/main" id="{BCCAEE93-8585-46D4-A7EC-F184E317CB2E}"/>
+              </a:ext>
+            </a:extLst>
+          </p:cNvPr>
+          <p:cNvSpPr>
+            <a:spLocks noGrp="1"/>
+          </p:cNvSpPr>
+          <p:nvPr>
+            <p:ph type="ctrTitle"/>
+          </p:nvPr>
+        </p:nvSpPr>
+        <p:spPr>
+          <a:xfrm>
+            <a:off x="4267200" y="1615736"/>
+            <a:ext cx="4179570" cy="1524735"/>
+          </a:xfrm>
+        </p:spPr>
+        <p:txBody>
+          <a:bodyPr/>
+          <a:lstStyle/>
+          <a:p>
+            <a:pPr algn="ctr"/>
+            <a:r>
+              <a:rPr lang="en-US" sz="3600" dirty="0"/>
+              <a:t>THANK YOU</a:t>
+            </a:r>
+          </a:p>
+        </p:txBody>
+      </p:sp>
+      <p:sp>
+        <p:nvSpPr>
+          <p:cNvPr id="3" name="Content Placeholder 2">
+            <a:extLst>
+              <a:ext uri="{FF2B5EF4-FFF2-40B4-BE49-F238E27FC236}">
+                <a16:creationId xmlns:a16="http://schemas.microsoft.com/office/drawing/2014/main" id="{24AFFC60-19C3-4901-93F7-7AAF4C09F8C6}"/>
+              </a:ext>
+            </a:extLst>
+          </p:cNvPr>
+          <p:cNvSpPr>
+            <a:spLocks noGrp="1"/>
+          </p:cNvSpPr>
+          <p:nvPr>
+            <p:ph type="subTitle" idx="1"/>
+          </p:nvPr>
+        </p:nvSpPr>
+        <p:spPr>
+          <a:xfrm>
+            <a:off x="4267200" y="3238103"/>
+            <a:ext cx="4179570" cy="2004161"/>
+          </a:xfrm>
+        </p:spPr>
+        <p:txBody>
+          <a:bodyPr>
+            <a:normAutofit/>
+          </a:bodyPr>
+          <a:lstStyle/>
+          <a:p>
+            <a:pPr algn="ctr"/>
+            <a:r>
+              <a:rPr lang="en-US" sz="2000" dirty="0"/>
+              <a:t>Any Questions?</a:t>
+            </a:r>
+          </a:p>
+        </p:txBody>
+      </p:sp>
+      <p:sp>
+        <p:nvSpPr>
+          <p:cNvPr id="6" name="Slide Number Placeholder 5">
+            <a:extLst>
+              <a:ext uri="{FF2B5EF4-FFF2-40B4-BE49-F238E27FC236}">
+                <a16:creationId xmlns:a16="http://schemas.microsoft.com/office/drawing/2014/main" id="{5EDCFF82-B70F-4971-9182-7C3AEA3CFD26}"/>
+              </a:ext>
+            </a:extLst>
+          </p:cNvPr>
+          <p:cNvSpPr>
+            <a:spLocks noGrp="1"/>
+          </p:cNvSpPr>
+          <p:nvPr>
+            <p:ph type="sldNum" sz="quarter" idx="12"/>
+          </p:nvPr>
+        </p:nvSpPr>
+        <p:spPr>
+          <a:xfrm>
+            <a:off x="9579428" y="6356350"/>
+            <a:ext cx="1774371" cy="365125"/>
+          </a:xfrm>
+        </p:spPr>
+        <p:txBody>
+          <a:bodyPr/>
+          <a:lstStyle/>
+          <a:p>
+            <a:fld id="{B5CEABB6-07DC-46E8-9B57-56EC44A396E5}" type="slidenum">
+              <a:rPr lang="en-US" smtClean="0"/>
+              <a:pPr/>
+              <a:t>32</a:t>
+            </a:fld>
+            <a:endParaRPr lang="en-US" dirty="0"/>
+          </a:p>
+        </p:txBody>
+      </p:sp>
+    </p:spTree>
+    <p:extLst>
+      <p:ext uri="{BB962C8B-B14F-4D97-AF65-F5344CB8AC3E}">
+        <p14:creationId xmlns:p14="http://schemas.microsoft.com/office/powerpoint/2010/main" val="2436493926"/>
       </p:ext>
     </p:extLst>
   </p:cSld>
@@ -24212,7 +26329,7 @@
             </a:r>
             <a:r>
               <a:rPr lang="en-US" noProof="1"/>
-              <a:t> –Type of workclass (i.e. Private, Government, Self-Employed, Others.</a:t>
+              <a:t> –Type of workclass (i.e. Private, Government, Self-Employed, Others)</a:t>
             </a:r>
           </a:p>
           <a:p>
@@ -24254,7 +26371,7 @@
             </a:r>
             <a:r>
               <a:rPr lang="en-US" noProof="1"/>
-              <a:t>– Numerical representation of education level(Number of year of education)</a:t>
+              <a:t>– Numerical representation of education level(Number of years of education)</a:t>
             </a:r>
           </a:p>
           <a:p>
@@ -24366,7 +26483,7 @@
             </a:r>
             <a:r>
               <a:rPr lang="en-US" noProof="1"/>
-              <a:t>– Number of hours person works per week.</a:t>
+              <a:t>– Number of hours a person works per week.</a:t>
             </a:r>
           </a:p>
           <a:p>
@@ -24402,7 +26519,7 @@
             </a:r>
             <a:r>
               <a:rPr lang="en-US" noProof="1"/>
-              <a:t>-  Incom of a person(less than or more than 50K)</a:t>
+              <a:t>-  Income of a person(less than or more than 50K)</a:t>
             </a:r>
           </a:p>
         </p:txBody>
@@ -25592,6 +27709,15 @@
 </file>
 
 <file path=customXml/item1.xml><?xml version="1.0" encoding="utf-8"?>
+<?mso-contentType ?>
+<FormTemplates xmlns="http://schemas.microsoft.com/sharepoint/v3/contenttype/forms">
+  <Display>DocumentLibraryForm</Display>
+  <Edit>DocumentLibraryForm</Edit>
+  <New>DocumentLibraryForm</New>
+</FormTemplates>
+</file>
+
+<file path=customXml/item2.xml><?xml version="1.0" encoding="utf-8"?>
 <p:properties xmlns:p="http://schemas.microsoft.com/office/2006/metadata/properties" xmlns:xsi="http://www.w3.org/2001/XMLSchema-instance" xmlns:pc="http://schemas.microsoft.com/office/infopath/2007/PartnerControls">
   <documentManagement>
     <_ip_UnifiedCompliancePolicyUIAction xmlns="http://schemas.microsoft.com/sharepoint/v3" xsi:nil="true"/>
@@ -25609,15 +27735,6 @@
     <MediaServiceKeyPoints xmlns="71af3243-3dd4-4a8d-8c0d-dd76da1f02a5" xsi:nil="true"/>
   </documentManagement>
 </p:properties>
-</file>
-
-<file path=customXml/item2.xml><?xml version="1.0" encoding="utf-8"?>
-<?mso-contentType ?>
-<FormTemplates xmlns="http://schemas.microsoft.com/sharepoint/v3/contenttype/forms">
-  <Display>DocumentLibraryForm</Display>
-  <Edit>DocumentLibraryForm</Edit>
-  <New>DocumentLibraryForm</New>
-</FormTemplates>
 </file>
 
 <file path=customXml/item3.xml><?xml version="1.0" encoding="utf-8"?>
@@ -25927,6 +28044,14 @@
 </file>
 
 <file path=customXml/itemProps1.xml><?xml version="1.0" encoding="utf-8"?>
+<ds:datastoreItem xmlns:ds="http://schemas.openxmlformats.org/officeDocument/2006/customXml" ds:itemID="{6966C46A-DC57-4209-80CD-9FE6C93151FF}">
+  <ds:schemaRefs>
+    <ds:schemaRef ds:uri="http://schemas.microsoft.com/sharepoint/v3/contenttype/forms"/>
+  </ds:schemaRefs>
+</ds:datastoreItem>
+</file>
+
+<file path=customXml/itemProps2.xml><?xml version="1.0" encoding="utf-8"?>
 <ds:datastoreItem xmlns:ds="http://schemas.openxmlformats.org/officeDocument/2006/customXml" ds:itemID="{BEFFFA3F-0FB5-4ED3-8906-A15B16577F44}">
   <ds:schemaRefs>
     <ds:schemaRef ds:uri="http://schemas.microsoft.com/office/2006/metadata/properties"/>
@@ -25934,14 +28059,6 @@
     <ds:schemaRef ds:uri="http://schemas.microsoft.com/sharepoint/v3"/>
     <ds:schemaRef ds:uri="71af3243-3dd4-4a8d-8c0d-dd76da1f02a5"/>
     <ds:schemaRef ds:uri="230e9df3-be65-4c73-a93b-d1236ebd677e"/>
-  </ds:schemaRefs>
-</ds:datastoreItem>
-</file>
-
-<file path=customXml/itemProps2.xml><?xml version="1.0" encoding="utf-8"?>
-<ds:datastoreItem xmlns:ds="http://schemas.openxmlformats.org/officeDocument/2006/customXml" ds:itemID="{6966C46A-DC57-4209-80CD-9FE6C93151FF}">
-  <ds:schemaRefs>
-    <ds:schemaRef ds:uri="http://schemas.microsoft.com/sharepoint/v3/contenttype/forms"/>
   </ds:schemaRefs>
 </ds:datastoreItem>
 </file>
